--- a/Presentation/Phase Transitions of Argon_stephan.pptx
+++ b/Presentation/Phase Transitions of Argon_stephan.pptx
@@ -11,6 +11,13 @@
     <p:sldId id="258" r:id="rId6"/>
     <p:sldId id="259" r:id="rId7"/>
     <p:sldId id="260" r:id="rId8"/>
+    <p:sldId id="261" r:id="rId9"/>
+    <p:sldId id="262" r:id="rId10"/>
+    <p:sldId id="263" r:id="rId11"/>
+    <p:sldId id="264" r:id="rId12"/>
+    <p:sldId id="265" r:id="rId13"/>
+    <p:sldId id="266" r:id="rId14"/>
+    <p:sldId id="267" r:id="rId15"/>
   </p:sldIdLst>
   <p:sldSz cx="12192000" cy="6858000"/>
   <p:notesSz cx="7559675" cy="10691812"/>
@@ -58,7 +65,7 @@
       </p:grpSpPr>
       <p:sp>
         <p:nvSpPr>
-          <p:cNvPr id="26" name="PlaceHolder 1"/>
+          <p:cNvPr id="23" name="PlaceHolder 1"/>
           <p:cNvSpPr>
             <a:spLocks noGrp="1"/>
           </p:cNvSpPr>
@@ -68,8 +75,8 @@
         </p:nvSpPr>
         <p:spPr>
           <a:xfrm>
-            <a:off x="838080" y="365040"/>
-            <a:ext cx="10515240" cy="1325160"/>
+            <a:off x="609480" y="273600"/>
+            <a:ext cx="10972440" cy="1144800"/>
           </a:xfrm>
           <a:prstGeom prst="rect">
             <a:avLst/>
@@ -78,18 +85,16 @@
         <p:txBody>
           <a:bodyPr lIns="0" rIns="0" tIns="0" bIns="0" anchor="ctr"/>
           <a:p>
-            <a:endParaRPr b="0" lang="en-US" sz="1800" spc="-1" strike="noStrike">
-              <a:solidFill>
-                <a:srgbClr val="000000"/>
-              </a:solidFill>
-              <a:latin typeface="Calibri"/>
-            </a:endParaRPr>
-          </a:p>
-        </p:txBody>
-      </p:sp>
-      <p:sp>
-        <p:nvSpPr>
-          <p:cNvPr id="27" name="PlaceHolder 2"/>
+            <a:pPr algn="ctr"/>
+            <a:endParaRPr b="0" lang="de-DE" sz="4400" spc="-1" strike="noStrike">
+              <a:latin typeface="Arial"/>
+            </a:endParaRPr>
+          </a:p>
+        </p:txBody>
+      </p:sp>
+      <p:sp>
+        <p:nvSpPr>
+          <p:cNvPr id="24" name="PlaceHolder 2"/>
           <p:cNvSpPr>
             <a:spLocks noGrp="1"/>
           </p:cNvSpPr>
@@ -99,8 +104,8 @@
         </p:nvSpPr>
         <p:spPr>
           <a:xfrm>
-            <a:off x="838080" y="1825560"/>
-            <a:ext cx="10515240" cy="2075040"/>
+            <a:off x="609480" y="1604520"/>
+            <a:ext cx="10972440" cy="1896840"/>
           </a:xfrm>
           <a:prstGeom prst="rect">
             <a:avLst/>
@@ -111,18 +116,15 @@
             <a:normAutofit/>
           </a:bodyPr>
           <a:p>
-            <a:endParaRPr b="0" lang="en-US" sz="2800" spc="-1" strike="noStrike">
-              <a:solidFill>
-                <a:srgbClr val="000000"/>
-              </a:solidFill>
-              <a:latin typeface="Calibri"/>
-            </a:endParaRPr>
-          </a:p>
-        </p:txBody>
-      </p:sp>
-      <p:sp>
-        <p:nvSpPr>
-          <p:cNvPr id="28" name="PlaceHolder 3"/>
+            <a:endParaRPr b="0" lang="de-DE" sz="3200" spc="-1" strike="noStrike">
+              <a:latin typeface="Arial"/>
+            </a:endParaRPr>
+          </a:p>
+        </p:txBody>
+      </p:sp>
+      <p:sp>
+        <p:nvSpPr>
+          <p:cNvPr id="25" name="PlaceHolder 3"/>
           <p:cNvSpPr>
             <a:spLocks noGrp="1"/>
           </p:cNvSpPr>
@@ -132,8 +134,8 @@
         </p:nvSpPr>
         <p:spPr>
           <a:xfrm>
-            <a:off x="838080" y="4098240"/>
-            <a:ext cx="10515240" cy="2075040"/>
+            <a:off x="609480" y="3682080"/>
+            <a:ext cx="10972440" cy="1896840"/>
           </a:xfrm>
           <a:prstGeom prst="rect">
             <a:avLst/>
@@ -144,11 +146,8 @@
             <a:normAutofit/>
           </a:bodyPr>
           <a:p>
-            <a:endParaRPr b="0" lang="en-US" sz="2800" spc="-1" strike="noStrike">
-              <a:solidFill>
-                <a:srgbClr val="000000"/>
-              </a:solidFill>
-              <a:latin typeface="Calibri"/>
+            <a:endParaRPr b="0" lang="de-DE" sz="3200" spc="-1" strike="noStrike">
+              <a:latin typeface="Arial"/>
             </a:endParaRPr>
           </a:p>
         </p:txBody>
@@ -177,7 +176,7 @@
       </p:grpSpPr>
       <p:sp>
         <p:nvSpPr>
-          <p:cNvPr id="29" name="PlaceHolder 1"/>
+          <p:cNvPr id="26" name="PlaceHolder 1"/>
           <p:cNvSpPr>
             <a:spLocks noGrp="1"/>
           </p:cNvSpPr>
@@ -187,8 +186,8 @@
         </p:nvSpPr>
         <p:spPr>
           <a:xfrm>
-            <a:off x="838080" y="365040"/>
-            <a:ext cx="10515240" cy="1325160"/>
+            <a:off x="609480" y="273600"/>
+            <a:ext cx="10972440" cy="1144800"/>
           </a:xfrm>
           <a:prstGeom prst="rect">
             <a:avLst/>
@@ -197,18 +196,16 @@
         <p:txBody>
           <a:bodyPr lIns="0" rIns="0" tIns="0" bIns="0" anchor="ctr"/>
           <a:p>
-            <a:endParaRPr b="0" lang="en-US" sz="1800" spc="-1" strike="noStrike">
-              <a:solidFill>
-                <a:srgbClr val="000000"/>
-              </a:solidFill>
-              <a:latin typeface="Calibri"/>
-            </a:endParaRPr>
-          </a:p>
-        </p:txBody>
-      </p:sp>
-      <p:sp>
-        <p:nvSpPr>
-          <p:cNvPr id="30" name="PlaceHolder 2"/>
+            <a:pPr algn="ctr"/>
+            <a:endParaRPr b="0" lang="de-DE" sz="4400" spc="-1" strike="noStrike">
+              <a:latin typeface="Arial"/>
+            </a:endParaRPr>
+          </a:p>
+        </p:txBody>
+      </p:sp>
+      <p:sp>
+        <p:nvSpPr>
+          <p:cNvPr id="27" name="PlaceHolder 2"/>
           <p:cNvSpPr>
             <a:spLocks noGrp="1"/>
           </p:cNvSpPr>
@@ -218,8 +215,8 @@
         </p:nvSpPr>
         <p:spPr>
           <a:xfrm>
-            <a:off x="838080" y="1825560"/>
-            <a:ext cx="5131080" cy="2075040"/>
+            <a:off x="609480" y="1604520"/>
+            <a:ext cx="5354280" cy="1896840"/>
           </a:xfrm>
           <a:prstGeom prst="rect">
             <a:avLst/>
@@ -230,18 +227,15 @@
             <a:normAutofit/>
           </a:bodyPr>
           <a:p>
-            <a:endParaRPr b="0" lang="en-US" sz="2800" spc="-1" strike="noStrike">
-              <a:solidFill>
-                <a:srgbClr val="000000"/>
-              </a:solidFill>
-              <a:latin typeface="Calibri"/>
-            </a:endParaRPr>
-          </a:p>
-        </p:txBody>
-      </p:sp>
-      <p:sp>
-        <p:nvSpPr>
-          <p:cNvPr id="31" name="PlaceHolder 3"/>
+            <a:endParaRPr b="0" lang="de-DE" sz="3200" spc="-1" strike="noStrike">
+              <a:latin typeface="Arial"/>
+            </a:endParaRPr>
+          </a:p>
+        </p:txBody>
+      </p:sp>
+      <p:sp>
+        <p:nvSpPr>
+          <p:cNvPr id="28" name="PlaceHolder 3"/>
           <p:cNvSpPr>
             <a:spLocks noGrp="1"/>
           </p:cNvSpPr>
@@ -251,8 +245,8 @@
         </p:nvSpPr>
         <p:spPr>
           <a:xfrm>
-            <a:off x="6226200" y="1825560"/>
-            <a:ext cx="5131080" cy="2075040"/>
+            <a:off x="6231960" y="1604520"/>
+            <a:ext cx="5354280" cy="1896840"/>
           </a:xfrm>
           <a:prstGeom prst="rect">
             <a:avLst/>
@@ -263,18 +257,15 @@
             <a:normAutofit/>
           </a:bodyPr>
           <a:p>
-            <a:endParaRPr b="0" lang="en-US" sz="2800" spc="-1" strike="noStrike">
-              <a:solidFill>
-                <a:srgbClr val="000000"/>
-              </a:solidFill>
-              <a:latin typeface="Calibri"/>
-            </a:endParaRPr>
-          </a:p>
-        </p:txBody>
-      </p:sp>
-      <p:sp>
-        <p:nvSpPr>
-          <p:cNvPr id="32" name="PlaceHolder 4"/>
+            <a:endParaRPr b="0" lang="de-DE" sz="3200" spc="-1" strike="noStrike">
+              <a:latin typeface="Arial"/>
+            </a:endParaRPr>
+          </a:p>
+        </p:txBody>
+      </p:sp>
+      <p:sp>
+        <p:nvSpPr>
+          <p:cNvPr id="29" name="PlaceHolder 4"/>
           <p:cNvSpPr>
             <a:spLocks noGrp="1"/>
           </p:cNvSpPr>
@@ -284,8 +275,8 @@
         </p:nvSpPr>
         <p:spPr>
           <a:xfrm>
-            <a:off x="838080" y="4098240"/>
-            <a:ext cx="5131080" cy="2075040"/>
+            <a:off x="609480" y="3682080"/>
+            <a:ext cx="5354280" cy="1896840"/>
           </a:xfrm>
           <a:prstGeom prst="rect">
             <a:avLst/>
@@ -296,18 +287,15 @@
             <a:normAutofit/>
           </a:bodyPr>
           <a:p>
-            <a:endParaRPr b="0" lang="en-US" sz="2800" spc="-1" strike="noStrike">
-              <a:solidFill>
-                <a:srgbClr val="000000"/>
-              </a:solidFill>
-              <a:latin typeface="Calibri"/>
-            </a:endParaRPr>
-          </a:p>
-        </p:txBody>
-      </p:sp>
-      <p:sp>
-        <p:nvSpPr>
-          <p:cNvPr id="33" name="PlaceHolder 5"/>
+            <a:endParaRPr b="0" lang="de-DE" sz="3200" spc="-1" strike="noStrike">
+              <a:latin typeface="Arial"/>
+            </a:endParaRPr>
+          </a:p>
+        </p:txBody>
+      </p:sp>
+      <p:sp>
+        <p:nvSpPr>
+          <p:cNvPr id="30" name="PlaceHolder 5"/>
           <p:cNvSpPr>
             <a:spLocks noGrp="1"/>
           </p:cNvSpPr>
@@ -317,8 +305,8 @@
         </p:nvSpPr>
         <p:spPr>
           <a:xfrm>
-            <a:off x="6226200" y="4098240"/>
-            <a:ext cx="5131080" cy="2075040"/>
+            <a:off x="6231960" y="3682080"/>
+            <a:ext cx="5354280" cy="1896840"/>
           </a:xfrm>
           <a:prstGeom prst="rect">
             <a:avLst/>
@@ -329,11 +317,8 @@
             <a:normAutofit/>
           </a:bodyPr>
           <a:p>
-            <a:endParaRPr b="0" lang="en-US" sz="2800" spc="-1" strike="noStrike">
-              <a:solidFill>
-                <a:srgbClr val="000000"/>
-              </a:solidFill>
-              <a:latin typeface="Calibri"/>
+            <a:endParaRPr b="0" lang="de-DE" sz="3200" spc="-1" strike="noStrike">
+              <a:latin typeface="Arial"/>
             </a:endParaRPr>
           </a:p>
         </p:txBody>
@@ -362,7 +347,7 @@
       </p:grpSpPr>
       <p:sp>
         <p:nvSpPr>
-          <p:cNvPr id="34" name="PlaceHolder 1"/>
+          <p:cNvPr id="31" name="PlaceHolder 1"/>
           <p:cNvSpPr>
             <a:spLocks noGrp="1"/>
           </p:cNvSpPr>
@@ -372,8 +357,8 @@
         </p:nvSpPr>
         <p:spPr>
           <a:xfrm>
-            <a:off x="838080" y="365040"/>
-            <a:ext cx="10515240" cy="1325160"/>
+            <a:off x="609480" y="273600"/>
+            <a:ext cx="10972440" cy="1144800"/>
           </a:xfrm>
           <a:prstGeom prst="rect">
             <a:avLst/>
@@ -382,18 +367,16 @@
         <p:txBody>
           <a:bodyPr lIns="0" rIns="0" tIns="0" bIns="0" anchor="ctr"/>
           <a:p>
-            <a:endParaRPr b="0" lang="en-US" sz="1800" spc="-1" strike="noStrike">
-              <a:solidFill>
-                <a:srgbClr val="000000"/>
-              </a:solidFill>
-              <a:latin typeface="Calibri"/>
-            </a:endParaRPr>
-          </a:p>
-        </p:txBody>
-      </p:sp>
-      <p:sp>
-        <p:nvSpPr>
-          <p:cNvPr id="35" name="PlaceHolder 2"/>
+            <a:pPr algn="ctr"/>
+            <a:endParaRPr b="0" lang="de-DE" sz="4400" spc="-1" strike="noStrike">
+              <a:latin typeface="Arial"/>
+            </a:endParaRPr>
+          </a:p>
+        </p:txBody>
+      </p:sp>
+      <p:sp>
+        <p:nvSpPr>
+          <p:cNvPr id="32" name="PlaceHolder 2"/>
           <p:cNvSpPr>
             <a:spLocks noGrp="1"/>
           </p:cNvSpPr>
@@ -403,8 +386,8 @@
         </p:nvSpPr>
         <p:spPr>
           <a:xfrm>
-            <a:off x="838080" y="1825560"/>
-            <a:ext cx="3385800" cy="2075040"/>
+            <a:off x="609480" y="1604520"/>
+            <a:ext cx="3533040" cy="1896840"/>
           </a:xfrm>
           <a:prstGeom prst="rect">
             <a:avLst/>
@@ -415,18 +398,15 @@
             <a:normAutofit/>
           </a:bodyPr>
           <a:p>
-            <a:endParaRPr b="0" lang="en-US" sz="2800" spc="-1" strike="noStrike">
-              <a:solidFill>
-                <a:srgbClr val="000000"/>
-              </a:solidFill>
-              <a:latin typeface="Calibri"/>
-            </a:endParaRPr>
-          </a:p>
-        </p:txBody>
-      </p:sp>
-      <p:sp>
-        <p:nvSpPr>
-          <p:cNvPr id="36" name="PlaceHolder 3"/>
+            <a:endParaRPr b="0" lang="de-DE" sz="3200" spc="-1" strike="noStrike">
+              <a:latin typeface="Arial"/>
+            </a:endParaRPr>
+          </a:p>
+        </p:txBody>
+      </p:sp>
+      <p:sp>
+        <p:nvSpPr>
+          <p:cNvPr id="33" name="PlaceHolder 3"/>
           <p:cNvSpPr>
             <a:spLocks noGrp="1"/>
           </p:cNvSpPr>
@@ -436,8 +416,8 @@
         </p:nvSpPr>
         <p:spPr>
           <a:xfrm>
-            <a:off x="4393440" y="1825560"/>
-            <a:ext cx="3385800" cy="2075040"/>
+            <a:off x="4319640" y="1604520"/>
+            <a:ext cx="3533040" cy="1896840"/>
           </a:xfrm>
           <a:prstGeom prst="rect">
             <a:avLst/>
@@ -448,18 +428,15 @@
             <a:normAutofit/>
           </a:bodyPr>
           <a:p>
-            <a:endParaRPr b="0" lang="en-US" sz="2800" spc="-1" strike="noStrike">
-              <a:solidFill>
-                <a:srgbClr val="000000"/>
-              </a:solidFill>
-              <a:latin typeface="Calibri"/>
-            </a:endParaRPr>
-          </a:p>
-        </p:txBody>
-      </p:sp>
-      <p:sp>
-        <p:nvSpPr>
-          <p:cNvPr id="37" name="PlaceHolder 4"/>
+            <a:endParaRPr b="0" lang="de-DE" sz="3200" spc="-1" strike="noStrike">
+              <a:latin typeface="Arial"/>
+            </a:endParaRPr>
+          </a:p>
+        </p:txBody>
+      </p:sp>
+      <p:sp>
+        <p:nvSpPr>
+          <p:cNvPr id="34" name="PlaceHolder 4"/>
           <p:cNvSpPr>
             <a:spLocks noGrp="1"/>
           </p:cNvSpPr>
@@ -469,8 +446,8 @@
         </p:nvSpPr>
         <p:spPr>
           <a:xfrm>
-            <a:off x="7949160" y="1825560"/>
-            <a:ext cx="3385800" cy="2075040"/>
+            <a:off x="8029800" y="1604520"/>
+            <a:ext cx="3533040" cy="1896840"/>
           </a:xfrm>
           <a:prstGeom prst="rect">
             <a:avLst/>
@@ -481,18 +458,15 @@
             <a:normAutofit/>
           </a:bodyPr>
           <a:p>
-            <a:endParaRPr b="0" lang="en-US" sz="2800" spc="-1" strike="noStrike">
-              <a:solidFill>
-                <a:srgbClr val="000000"/>
-              </a:solidFill>
-              <a:latin typeface="Calibri"/>
-            </a:endParaRPr>
-          </a:p>
-        </p:txBody>
-      </p:sp>
-      <p:sp>
-        <p:nvSpPr>
-          <p:cNvPr id="38" name="PlaceHolder 5"/>
+            <a:endParaRPr b="0" lang="de-DE" sz="3200" spc="-1" strike="noStrike">
+              <a:latin typeface="Arial"/>
+            </a:endParaRPr>
+          </a:p>
+        </p:txBody>
+      </p:sp>
+      <p:sp>
+        <p:nvSpPr>
+          <p:cNvPr id="35" name="PlaceHolder 5"/>
           <p:cNvSpPr>
             <a:spLocks noGrp="1"/>
           </p:cNvSpPr>
@@ -502,8 +476,8 @@
         </p:nvSpPr>
         <p:spPr>
           <a:xfrm>
-            <a:off x="838080" y="4098240"/>
-            <a:ext cx="3385800" cy="2075040"/>
+            <a:off x="609480" y="3682080"/>
+            <a:ext cx="3533040" cy="1896840"/>
           </a:xfrm>
           <a:prstGeom prst="rect">
             <a:avLst/>
@@ -514,18 +488,15 @@
             <a:normAutofit/>
           </a:bodyPr>
           <a:p>
-            <a:endParaRPr b="0" lang="en-US" sz="2800" spc="-1" strike="noStrike">
-              <a:solidFill>
-                <a:srgbClr val="000000"/>
-              </a:solidFill>
-              <a:latin typeface="Calibri"/>
-            </a:endParaRPr>
-          </a:p>
-        </p:txBody>
-      </p:sp>
-      <p:sp>
-        <p:nvSpPr>
-          <p:cNvPr id="39" name="PlaceHolder 6"/>
+            <a:endParaRPr b="0" lang="de-DE" sz="3200" spc="-1" strike="noStrike">
+              <a:latin typeface="Arial"/>
+            </a:endParaRPr>
+          </a:p>
+        </p:txBody>
+      </p:sp>
+      <p:sp>
+        <p:nvSpPr>
+          <p:cNvPr id="36" name="PlaceHolder 6"/>
           <p:cNvSpPr>
             <a:spLocks noGrp="1"/>
           </p:cNvSpPr>
@@ -535,8 +506,8 @@
         </p:nvSpPr>
         <p:spPr>
           <a:xfrm>
-            <a:off x="4393440" y="4098240"/>
-            <a:ext cx="3385800" cy="2075040"/>
+            <a:off x="4319640" y="3682080"/>
+            <a:ext cx="3533040" cy="1896840"/>
           </a:xfrm>
           <a:prstGeom prst="rect">
             <a:avLst/>
@@ -547,18 +518,15 @@
             <a:normAutofit/>
           </a:bodyPr>
           <a:p>
-            <a:endParaRPr b="0" lang="en-US" sz="2800" spc="-1" strike="noStrike">
-              <a:solidFill>
-                <a:srgbClr val="000000"/>
-              </a:solidFill>
-              <a:latin typeface="Calibri"/>
-            </a:endParaRPr>
-          </a:p>
-        </p:txBody>
-      </p:sp>
-      <p:sp>
-        <p:nvSpPr>
-          <p:cNvPr id="40" name="PlaceHolder 7"/>
+            <a:endParaRPr b="0" lang="de-DE" sz="3200" spc="-1" strike="noStrike">
+              <a:latin typeface="Arial"/>
+            </a:endParaRPr>
+          </a:p>
+        </p:txBody>
+      </p:sp>
+      <p:sp>
+        <p:nvSpPr>
+          <p:cNvPr id="37" name="PlaceHolder 7"/>
           <p:cNvSpPr>
             <a:spLocks noGrp="1"/>
           </p:cNvSpPr>
@@ -568,8 +536,8 @@
         </p:nvSpPr>
         <p:spPr>
           <a:xfrm>
-            <a:off x="7949160" y="4098240"/>
-            <a:ext cx="3385800" cy="2075040"/>
+            <a:off x="8029800" y="3682080"/>
+            <a:ext cx="3533040" cy="1896840"/>
           </a:xfrm>
           <a:prstGeom prst="rect">
             <a:avLst/>
@@ -580,11 +548,8 @@
             <a:normAutofit/>
           </a:bodyPr>
           <a:p>
-            <a:endParaRPr b="0" lang="en-US" sz="2800" spc="-1" strike="noStrike">
-              <a:solidFill>
-                <a:srgbClr val="000000"/>
-              </a:solidFill>
-              <a:latin typeface="Calibri"/>
+            <a:endParaRPr b="0" lang="de-DE" sz="3200" spc="-1" strike="noStrike">
+              <a:latin typeface="Arial"/>
             </a:endParaRPr>
           </a:p>
         </p:txBody>
@@ -635,7 +600,7 @@
       </p:grpSpPr>
       <p:sp>
         <p:nvSpPr>
-          <p:cNvPr id="46" name="PlaceHolder 1"/>
+          <p:cNvPr id="40" name="PlaceHolder 1"/>
           <p:cNvSpPr>
             <a:spLocks noGrp="1"/>
           </p:cNvSpPr>
@@ -645,8 +610,8 @@
         </p:nvSpPr>
         <p:spPr>
           <a:xfrm>
-            <a:off x="838080" y="365040"/>
-            <a:ext cx="10515240" cy="1325160"/>
+            <a:off x="609480" y="273600"/>
+            <a:ext cx="10972440" cy="1144800"/>
           </a:xfrm>
           <a:prstGeom prst="rect">
             <a:avLst/>
@@ -655,18 +620,16 @@
         <p:txBody>
           <a:bodyPr lIns="0" rIns="0" tIns="0" bIns="0" anchor="ctr"/>
           <a:p>
-            <a:endParaRPr b="0" lang="en-US" sz="1800" spc="-1" strike="noStrike">
-              <a:solidFill>
-                <a:srgbClr val="000000"/>
-              </a:solidFill>
-              <a:latin typeface="Calibri"/>
-            </a:endParaRPr>
-          </a:p>
-        </p:txBody>
-      </p:sp>
-      <p:sp>
-        <p:nvSpPr>
-          <p:cNvPr id="47" name="PlaceHolder 2"/>
+            <a:pPr algn="ctr"/>
+            <a:endParaRPr b="0" lang="de-DE" sz="4400" spc="-1" strike="noStrike">
+              <a:latin typeface="Arial"/>
+            </a:endParaRPr>
+          </a:p>
+        </p:txBody>
+      </p:sp>
+      <p:sp>
+        <p:nvSpPr>
+          <p:cNvPr id="41" name="PlaceHolder 2"/>
           <p:cNvSpPr>
             <a:spLocks noGrp="1"/>
           </p:cNvSpPr>
@@ -676,8 +639,8 @@
         </p:nvSpPr>
         <p:spPr>
           <a:xfrm>
-            <a:off x="838080" y="1825560"/>
-            <a:ext cx="10515240" cy="4350960"/>
+            <a:off x="609480" y="1604520"/>
+            <a:ext cx="10972440" cy="3977280"/>
           </a:xfrm>
           <a:prstGeom prst="rect">
             <a:avLst/>
@@ -717,7 +680,7 @@
       </p:grpSpPr>
       <p:sp>
         <p:nvSpPr>
-          <p:cNvPr id="48" name="PlaceHolder 1"/>
+          <p:cNvPr id="42" name="PlaceHolder 1"/>
           <p:cNvSpPr>
             <a:spLocks noGrp="1"/>
           </p:cNvSpPr>
@@ -727,8 +690,8 @@
         </p:nvSpPr>
         <p:spPr>
           <a:xfrm>
-            <a:off x="838080" y="365040"/>
-            <a:ext cx="10515240" cy="1325160"/>
+            <a:off x="609480" y="273600"/>
+            <a:ext cx="10972440" cy="1144800"/>
           </a:xfrm>
           <a:prstGeom prst="rect">
             <a:avLst/>
@@ -737,18 +700,16 @@
         <p:txBody>
           <a:bodyPr lIns="0" rIns="0" tIns="0" bIns="0" anchor="ctr"/>
           <a:p>
-            <a:endParaRPr b="0" lang="en-US" sz="1800" spc="-1" strike="noStrike">
-              <a:solidFill>
-                <a:srgbClr val="000000"/>
-              </a:solidFill>
-              <a:latin typeface="Calibri"/>
-            </a:endParaRPr>
-          </a:p>
-        </p:txBody>
-      </p:sp>
-      <p:sp>
-        <p:nvSpPr>
-          <p:cNvPr id="49" name="PlaceHolder 2"/>
+            <a:pPr algn="ctr"/>
+            <a:endParaRPr b="0" lang="de-DE" sz="4400" spc="-1" strike="noStrike">
+              <a:latin typeface="Arial"/>
+            </a:endParaRPr>
+          </a:p>
+        </p:txBody>
+      </p:sp>
+      <p:sp>
+        <p:nvSpPr>
+          <p:cNvPr id="43" name="PlaceHolder 2"/>
           <p:cNvSpPr>
             <a:spLocks noGrp="1"/>
           </p:cNvSpPr>
@@ -758,8 +719,8 @@
         </p:nvSpPr>
         <p:spPr>
           <a:xfrm>
-            <a:off x="838080" y="1825560"/>
-            <a:ext cx="10515240" cy="4350960"/>
+            <a:off x="609480" y="1604520"/>
+            <a:ext cx="10972440" cy="3977280"/>
           </a:xfrm>
           <a:prstGeom prst="rect">
             <a:avLst/>
@@ -770,11 +731,8 @@
             <a:normAutofit/>
           </a:bodyPr>
           <a:p>
-            <a:endParaRPr b="0" lang="en-US" sz="2800" spc="-1" strike="noStrike">
-              <a:solidFill>
-                <a:srgbClr val="000000"/>
-              </a:solidFill>
-              <a:latin typeface="Calibri"/>
+            <a:endParaRPr b="0" lang="de-DE" sz="3200" spc="-1" strike="noStrike">
+              <a:latin typeface="Arial"/>
             </a:endParaRPr>
           </a:p>
         </p:txBody>
@@ -803,7 +761,7 @@
       </p:grpSpPr>
       <p:sp>
         <p:nvSpPr>
-          <p:cNvPr id="50" name="PlaceHolder 1"/>
+          <p:cNvPr id="44" name="PlaceHolder 1"/>
           <p:cNvSpPr>
             <a:spLocks noGrp="1"/>
           </p:cNvSpPr>
@@ -813,8 +771,8 @@
         </p:nvSpPr>
         <p:spPr>
           <a:xfrm>
-            <a:off x="838080" y="365040"/>
-            <a:ext cx="10515240" cy="1325160"/>
+            <a:off x="609480" y="273600"/>
+            <a:ext cx="10972440" cy="1144800"/>
           </a:xfrm>
           <a:prstGeom prst="rect">
             <a:avLst/>
@@ -823,18 +781,16 @@
         <p:txBody>
           <a:bodyPr lIns="0" rIns="0" tIns="0" bIns="0" anchor="ctr"/>
           <a:p>
-            <a:endParaRPr b="0" lang="en-US" sz="1800" spc="-1" strike="noStrike">
-              <a:solidFill>
-                <a:srgbClr val="000000"/>
-              </a:solidFill>
-              <a:latin typeface="Calibri"/>
-            </a:endParaRPr>
-          </a:p>
-        </p:txBody>
-      </p:sp>
-      <p:sp>
-        <p:nvSpPr>
-          <p:cNvPr id="51" name="PlaceHolder 2"/>
+            <a:pPr algn="ctr"/>
+            <a:endParaRPr b="0" lang="de-DE" sz="4400" spc="-1" strike="noStrike">
+              <a:latin typeface="Arial"/>
+            </a:endParaRPr>
+          </a:p>
+        </p:txBody>
+      </p:sp>
+      <p:sp>
+        <p:nvSpPr>
+          <p:cNvPr id="45" name="PlaceHolder 2"/>
           <p:cNvSpPr>
             <a:spLocks noGrp="1"/>
           </p:cNvSpPr>
@@ -844,8 +800,8 @@
         </p:nvSpPr>
         <p:spPr>
           <a:xfrm>
-            <a:off x="838080" y="1825560"/>
-            <a:ext cx="5131080" cy="4350960"/>
+            <a:off x="609480" y="1604520"/>
+            <a:ext cx="5354280" cy="3977280"/>
           </a:xfrm>
           <a:prstGeom prst="rect">
             <a:avLst/>
@@ -856,18 +812,15 @@
             <a:normAutofit/>
           </a:bodyPr>
           <a:p>
-            <a:endParaRPr b="0" lang="en-US" sz="2800" spc="-1" strike="noStrike">
-              <a:solidFill>
-                <a:srgbClr val="000000"/>
-              </a:solidFill>
-              <a:latin typeface="Calibri"/>
-            </a:endParaRPr>
-          </a:p>
-        </p:txBody>
-      </p:sp>
-      <p:sp>
-        <p:nvSpPr>
-          <p:cNvPr id="52" name="PlaceHolder 3"/>
+            <a:endParaRPr b="0" lang="de-DE" sz="3200" spc="-1" strike="noStrike">
+              <a:latin typeface="Arial"/>
+            </a:endParaRPr>
+          </a:p>
+        </p:txBody>
+      </p:sp>
+      <p:sp>
+        <p:nvSpPr>
+          <p:cNvPr id="46" name="PlaceHolder 3"/>
           <p:cNvSpPr>
             <a:spLocks noGrp="1"/>
           </p:cNvSpPr>
@@ -877,8 +830,8 @@
         </p:nvSpPr>
         <p:spPr>
           <a:xfrm>
-            <a:off x="6226200" y="1825560"/>
-            <a:ext cx="5131080" cy="4350960"/>
+            <a:off x="6231960" y="1604520"/>
+            <a:ext cx="5354280" cy="3977280"/>
           </a:xfrm>
           <a:prstGeom prst="rect">
             <a:avLst/>
@@ -889,11 +842,8 @@
             <a:normAutofit/>
           </a:bodyPr>
           <a:p>
-            <a:endParaRPr b="0" lang="en-US" sz="2800" spc="-1" strike="noStrike">
-              <a:solidFill>
-                <a:srgbClr val="000000"/>
-              </a:solidFill>
-              <a:latin typeface="Calibri"/>
+            <a:endParaRPr b="0" lang="de-DE" sz="3200" spc="-1" strike="noStrike">
+              <a:latin typeface="Arial"/>
             </a:endParaRPr>
           </a:p>
         </p:txBody>
@@ -922,7 +872,7 @@
       </p:grpSpPr>
       <p:sp>
         <p:nvSpPr>
-          <p:cNvPr id="53" name="PlaceHolder 1"/>
+          <p:cNvPr id="47" name="PlaceHolder 1"/>
           <p:cNvSpPr>
             <a:spLocks noGrp="1"/>
           </p:cNvSpPr>
@@ -932,8 +882,8 @@
         </p:nvSpPr>
         <p:spPr>
           <a:xfrm>
-            <a:off x="838080" y="365040"/>
-            <a:ext cx="10515240" cy="1325160"/>
+            <a:off x="609480" y="273600"/>
+            <a:ext cx="10972440" cy="1144800"/>
           </a:xfrm>
           <a:prstGeom prst="rect">
             <a:avLst/>
@@ -942,11 +892,9 @@
         <p:txBody>
           <a:bodyPr lIns="0" rIns="0" tIns="0" bIns="0" anchor="ctr"/>
           <a:p>
-            <a:endParaRPr b="0" lang="en-US" sz="1800" spc="-1" strike="noStrike">
-              <a:solidFill>
-                <a:srgbClr val="000000"/>
-              </a:solidFill>
-              <a:latin typeface="Calibri"/>
+            <a:pPr algn="ctr"/>
+            <a:endParaRPr b="0" lang="de-DE" sz="4400" spc="-1" strike="noStrike">
+              <a:latin typeface="Arial"/>
             </a:endParaRPr>
           </a:p>
         </p:txBody>
@@ -975,7 +923,7 @@
       </p:grpSpPr>
       <p:sp>
         <p:nvSpPr>
-          <p:cNvPr id="54" name="PlaceHolder 1"/>
+          <p:cNvPr id="48" name="PlaceHolder 1"/>
           <p:cNvSpPr>
             <a:spLocks noGrp="1"/>
           </p:cNvSpPr>
@@ -985,8 +933,8 @@
         </p:nvSpPr>
         <p:spPr>
           <a:xfrm>
-            <a:off x="838080" y="365040"/>
-            <a:ext cx="10515240" cy="6144120"/>
+            <a:off x="609480" y="273600"/>
+            <a:ext cx="10972440" cy="5307840"/>
           </a:xfrm>
           <a:prstGeom prst="rect">
             <a:avLst/>
@@ -1026,7 +974,7 @@
       </p:grpSpPr>
       <p:sp>
         <p:nvSpPr>
-          <p:cNvPr id="55" name="PlaceHolder 1"/>
+          <p:cNvPr id="49" name="PlaceHolder 1"/>
           <p:cNvSpPr>
             <a:spLocks noGrp="1"/>
           </p:cNvSpPr>
@@ -1036,8 +984,8 @@
         </p:nvSpPr>
         <p:spPr>
           <a:xfrm>
-            <a:off x="838080" y="365040"/>
-            <a:ext cx="10515240" cy="1325160"/>
+            <a:off x="609480" y="273600"/>
+            <a:ext cx="10972440" cy="1144800"/>
           </a:xfrm>
           <a:prstGeom prst="rect">
             <a:avLst/>
@@ -1046,18 +994,16 @@
         <p:txBody>
           <a:bodyPr lIns="0" rIns="0" tIns="0" bIns="0" anchor="ctr"/>
           <a:p>
-            <a:endParaRPr b="0" lang="en-US" sz="1800" spc="-1" strike="noStrike">
-              <a:solidFill>
-                <a:srgbClr val="000000"/>
-              </a:solidFill>
-              <a:latin typeface="Calibri"/>
-            </a:endParaRPr>
-          </a:p>
-        </p:txBody>
-      </p:sp>
-      <p:sp>
-        <p:nvSpPr>
-          <p:cNvPr id="56" name="PlaceHolder 2"/>
+            <a:pPr algn="ctr"/>
+            <a:endParaRPr b="0" lang="de-DE" sz="4400" spc="-1" strike="noStrike">
+              <a:latin typeface="Arial"/>
+            </a:endParaRPr>
+          </a:p>
+        </p:txBody>
+      </p:sp>
+      <p:sp>
+        <p:nvSpPr>
+          <p:cNvPr id="50" name="PlaceHolder 2"/>
           <p:cNvSpPr>
             <a:spLocks noGrp="1"/>
           </p:cNvSpPr>
@@ -1067,8 +1013,8 @@
         </p:nvSpPr>
         <p:spPr>
           <a:xfrm>
-            <a:off x="838080" y="1825560"/>
-            <a:ext cx="5131080" cy="2075040"/>
+            <a:off x="609480" y="1604520"/>
+            <a:ext cx="5354280" cy="1896840"/>
           </a:xfrm>
           <a:prstGeom prst="rect">
             <a:avLst/>
@@ -1079,18 +1025,15 @@
             <a:normAutofit/>
           </a:bodyPr>
           <a:p>
-            <a:endParaRPr b="0" lang="en-US" sz="2800" spc="-1" strike="noStrike">
-              <a:solidFill>
-                <a:srgbClr val="000000"/>
-              </a:solidFill>
-              <a:latin typeface="Calibri"/>
-            </a:endParaRPr>
-          </a:p>
-        </p:txBody>
-      </p:sp>
-      <p:sp>
-        <p:nvSpPr>
-          <p:cNvPr id="57" name="PlaceHolder 3"/>
+            <a:endParaRPr b="0" lang="de-DE" sz="3200" spc="-1" strike="noStrike">
+              <a:latin typeface="Arial"/>
+            </a:endParaRPr>
+          </a:p>
+        </p:txBody>
+      </p:sp>
+      <p:sp>
+        <p:nvSpPr>
+          <p:cNvPr id="51" name="PlaceHolder 3"/>
           <p:cNvSpPr>
             <a:spLocks noGrp="1"/>
           </p:cNvSpPr>
@@ -1100,8 +1043,8 @@
         </p:nvSpPr>
         <p:spPr>
           <a:xfrm>
-            <a:off x="6226200" y="1825560"/>
-            <a:ext cx="5131080" cy="4350960"/>
+            <a:off x="6231960" y="1604520"/>
+            <a:ext cx="5354280" cy="3977280"/>
           </a:xfrm>
           <a:prstGeom prst="rect">
             <a:avLst/>
@@ -1112,18 +1055,15 @@
             <a:normAutofit/>
           </a:bodyPr>
           <a:p>
-            <a:endParaRPr b="0" lang="en-US" sz="2800" spc="-1" strike="noStrike">
-              <a:solidFill>
-                <a:srgbClr val="000000"/>
-              </a:solidFill>
-              <a:latin typeface="Calibri"/>
-            </a:endParaRPr>
-          </a:p>
-        </p:txBody>
-      </p:sp>
-      <p:sp>
-        <p:nvSpPr>
-          <p:cNvPr id="58" name="PlaceHolder 4"/>
+            <a:endParaRPr b="0" lang="de-DE" sz="3200" spc="-1" strike="noStrike">
+              <a:latin typeface="Arial"/>
+            </a:endParaRPr>
+          </a:p>
+        </p:txBody>
+      </p:sp>
+      <p:sp>
+        <p:nvSpPr>
+          <p:cNvPr id="52" name="PlaceHolder 4"/>
           <p:cNvSpPr>
             <a:spLocks noGrp="1"/>
           </p:cNvSpPr>
@@ -1133,8 +1073,8 @@
         </p:nvSpPr>
         <p:spPr>
           <a:xfrm>
-            <a:off x="838080" y="4098240"/>
-            <a:ext cx="5131080" cy="2075040"/>
+            <a:off x="609480" y="3682080"/>
+            <a:ext cx="5354280" cy="1896840"/>
           </a:xfrm>
           <a:prstGeom prst="rect">
             <a:avLst/>
@@ -1145,11 +1085,8 @@
             <a:normAutofit/>
           </a:bodyPr>
           <a:p>
-            <a:endParaRPr b="0" lang="en-US" sz="2800" spc="-1" strike="noStrike">
-              <a:solidFill>
-                <a:srgbClr val="000000"/>
-              </a:solidFill>
-              <a:latin typeface="Calibri"/>
+            <a:endParaRPr b="0" lang="de-DE" sz="3200" spc="-1" strike="noStrike">
+              <a:latin typeface="Arial"/>
             </a:endParaRPr>
           </a:p>
         </p:txBody>
@@ -1178,7 +1115,7 @@
       </p:grpSpPr>
       <p:sp>
         <p:nvSpPr>
-          <p:cNvPr id="5" name="PlaceHolder 1"/>
+          <p:cNvPr id="2" name="PlaceHolder 1"/>
           <p:cNvSpPr>
             <a:spLocks noGrp="1"/>
           </p:cNvSpPr>
@@ -1188,8 +1125,8 @@
         </p:nvSpPr>
         <p:spPr>
           <a:xfrm>
-            <a:off x="838080" y="365040"/>
-            <a:ext cx="10515240" cy="1325160"/>
+            <a:off x="609480" y="273600"/>
+            <a:ext cx="10972440" cy="1144800"/>
           </a:xfrm>
           <a:prstGeom prst="rect">
             <a:avLst/>
@@ -1198,18 +1135,16 @@
         <p:txBody>
           <a:bodyPr lIns="0" rIns="0" tIns="0" bIns="0" anchor="ctr"/>
           <a:p>
-            <a:endParaRPr b="0" lang="en-US" sz="1800" spc="-1" strike="noStrike">
-              <a:solidFill>
-                <a:srgbClr val="000000"/>
-              </a:solidFill>
-              <a:latin typeface="Calibri"/>
-            </a:endParaRPr>
-          </a:p>
-        </p:txBody>
-      </p:sp>
-      <p:sp>
-        <p:nvSpPr>
-          <p:cNvPr id="6" name="PlaceHolder 2"/>
+            <a:pPr algn="ctr"/>
+            <a:endParaRPr b="0" lang="de-DE" sz="4400" spc="-1" strike="noStrike">
+              <a:latin typeface="Arial"/>
+            </a:endParaRPr>
+          </a:p>
+        </p:txBody>
+      </p:sp>
+      <p:sp>
+        <p:nvSpPr>
+          <p:cNvPr id="3" name="PlaceHolder 2"/>
           <p:cNvSpPr>
             <a:spLocks noGrp="1"/>
           </p:cNvSpPr>
@@ -1219,8 +1154,8 @@
         </p:nvSpPr>
         <p:spPr>
           <a:xfrm>
-            <a:off x="838080" y="1825560"/>
-            <a:ext cx="10515240" cy="4350960"/>
+            <a:off x="609480" y="1604520"/>
+            <a:ext cx="10972440" cy="3977280"/>
           </a:xfrm>
           <a:prstGeom prst="rect">
             <a:avLst/>
@@ -1260,7 +1195,7 @@
       </p:grpSpPr>
       <p:sp>
         <p:nvSpPr>
-          <p:cNvPr id="59" name="PlaceHolder 1"/>
+          <p:cNvPr id="53" name="PlaceHolder 1"/>
           <p:cNvSpPr>
             <a:spLocks noGrp="1"/>
           </p:cNvSpPr>
@@ -1270,8 +1205,8 @@
         </p:nvSpPr>
         <p:spPr>
           <a:xfrm>
-            <a:off x="838080" y="365040"/>
-            <a:ext cx="10515240" cy="1325160"/>
+            <a:off x="609480" y="273600"/>
+            <a:ext cx="10972440" cy="1144800"/>
           </a:xfrm>
           <a:prstGeom prst="rect">
             <a:avLst/>
@@ -1280,18 +1215,16 @@
         <p:txBody>
           <a:bodyPr lIns="0" rIns="0" tIns="0" bIns="0" anchor="ctr"/>
           <a:p>
-            <a:endParaRPr b="0" lang="en-US" sz="1800" spc="-1" strike="noStrike">
-              <a:solidFill>
-                <a:srgbClr val="000000"/>
-              </a:solidFill>
-              <a:latin typeface="Calibri"/>
-            </a:endParaRPr>
-          </a:p>
-        </p:txBody>
-      </p:sp>
-      <p:sp>
-        <p:nvSpPr>
-          <p:cNvPr id="60" name="PlaceHolder 2"/>
+            <a:pPr algn="ctr"/>
+            <a:endParaRPr b="0" lang="de-DE" sz="4400" spc="-1" strike="noStrike">
+              <a:latin typeface="Arial"/>
+            </a:endParaRPr>
+          </a:p>
+        </p:txBody>
+      </p:sp>
+      <p:sp>
+        <p:nvSpPr>
+          <p:cNvPr id="54" name="PlaceHolder 2"/>
           <p:cNvSpPr>
             <a:spLocks noGrp="1"/>
           </p:cNvSpPr>
@@ -1301,8 +1234,8 @@
         </p:nvSpPr>
         <p:spPr>
           <a:xfrm>
-            <a:off x="838080" y="1825560"/>
-            <a:ext cx="5131080" cy="4350960"/>
+            <a:off x="609480" y="1604520"/>
+            <a:ext cx="5354280" cy="3977280"/>
           </a:xfrm>
           <a:prstGeom prst="rect">
             <a:avLst/>
@@ -1313,18 +1246,15 @@
             <a:normAutofit/>
           </a:bodyPr>
           <a:p>
-            <a:endParaRPr b="0" lang="en-US" sz="2800" spc="-1" strike="noStrike">
-              <a:solidFill>
-                <a:srgbClr val="000000"/>
-              </a:solidFill>
-              <a:latin typeface="Calibri"/>
-            </a:endParaRPr>
-          </a:p>
-        </p:txBody>
-      </p:sp>
-      <p:sp>
-        <p:nvSpPr>
-          <p:cNvPr id="61" name="PlaceHolder 3"/>
+            <a:endParaRPr b="0" lang="de-DE" sz="3200" spc="-1" strike="noStrike">
+              <a:latin typeface="Arial"/>
+            </a:endParaRPr>
+          </a:p>
+        </p:txBody>
+      </p:sp>
+      <p:sp>
+        <p:nvSpPr>
+          <p:cNvPr id="55" name="PlaceHolder 3"/>
           <p:cNvSpPr>
             <a:spLocks noGrp="1"/>
           </p:cNvSpPr>
@@ -1334,8 +1264,8 @@
         </p:nvSpPr>
         <p:spPr>
           <a:xfrm>
-            <a:off x="6226200" y="1825560"/>
-            <a:ext cx="5131080" cy="2075040"/>
+            <a:off x="6231960" y="1604520"/>
+            <a:ext cx="5354280" cy="1896840"/>
           </a:xfrm>
           <a:prstGeom prst="rect">
             <a:avLst/>
@@ -1346,18 +1276,15 @@
             <a:normAutofit/>
           </a:bodyPr>
           <a:p>
-            <a:endParaRPr b="0" lang="en-US" sz="2800" spc="-1" strike="noStrike">
-              <a:solidFill>
-                <a:srgbClr val="000000"/>
-              </a:solidFill>
-              <a:latin typeface="Calibri"/>
-            </a:endParaRPr>
-          </a:p>
-        </p:txBody>
-      </p:sp>
-      <p:sp>
-        <p:nvSpPr>
-          <p:cNvPr id="62" name="PlaceHolder 4"/>
+            <a:endParaRPr b="0" lang="de-DE" sz="3200" spc="-1" strike="noStrike">
+              <a:latin typeface="Arial"/>
+            </a:endParaRPr>
+          </a:p>
+        </p:txBody>
+      </p:sp>
+      <p:sp>
+        <p:nvSpPr>
+          <p:cNvPr id="56" name="PlaceHolder 4"/>
           <p:cNvSpPr>
             <a:spLocks noGrp="1"/>
           </p:cNvSpPr>
@@ -1367,8 +1294,8 @@
         </p:nvSpPr>
         <p:spPr>
           <a:xfrm>
-            <a:off x="6226200" y="4098240"/>
-            <a:ext cx="5131080" cy="2075040"/>
+            <a:off x="6231960" y="3682080"/>
+            <a:ext cx="5354280" cy="1896840"/>
           </a:xfrm>
           <a:prstGeom prst="rect">
             <a:avLst/>
@@ -1379,11 +1306,8 @@
             <a:normAutofit/>
           </a:bodyPr>
           <a:p>
-            <a:endParaRPr b="0" lang="en-US" sz="2800" spc="-1" strike="noStrike">
-              <a:solidFill>
-                <a:srgbClr val="000000"/>
-              </a:solidFill>
-              <a:latin typeface="Calibri"/>
+            <a:endParaRPr b="0" lang="de-DE" sz="3200" spc="-1" strike="noStrike">
+              <a:latin typeface="Arial"/>
             </a:endParaRPr>
           </a:p>
         </p:txBody>
@@ -1412,7 +1336,7 @@
       </p:grpSpPr>
       <p:sp>
         <p:nvSpPr>
-          <p:cNvPr id="63" name="PlaceHolder 1"/>
+          <p:cNvPr id="57" name="PlaceHolder 1"/>
           <p:cNvSpPr>
             <a:spLocks noGrp="1"/>
           </p:cNvSpPr>
@@ -1422,8 +1346,8 @@
         </p:nvSpPr>
         <p:spPr>
           <a:xfrm>
-            <a:off x="838080" y="365040"/>
-            <a:ext cx="10515240" cy="1325160"/>
+            <a:off x="609480" y="273600"/>
+            <a:ext cx="10972440" cy="1144800"/>
           </a:xfrm>
           <a:prstGeom prst="rect">
             <a:avLst/>
@@ -1432,18 +1356,16 @@
         <p:txBody>
           <a:bodyPr lIns="0" rIns="0" tIns="0" bIns="0" anchor="ctr"/>
           <a:p>
-            <a:endParaRPr b="0" lang="en-US" sz="1800" spc="-1" strike="noStrike">
-              <a:solidFill>
-                <a:srgbClr val="000000"/>
-              </a:solidFill>
-              <a:latin typeface="Calibri"/>
-            </a:endParaRPr>
-          </a:p>
-        </p:txBody>
-      </p:sp>
-      <p:sp>
-        <p:nvSpPr>
-          <p:cNvPr id="64" name="PlaceHolder 2"/>
+            <a:pPr algn="ctr"/>
+            <a:endParaRPr b="0" lang="de-DE" sz="4400" spc="-1" strike="noStrike">
+              <a:latin typeface="Arial"/>
+            </a:endParaRPr>
+          </a:p>
+        </p:txBody>
+      </p:sp>
+      <p:sp>
+        <p:nvSpPr>
+          <p:cNvPr id="58" name="PlaceHolder 2"/>
           <p:cNvSpPr>
             <a:spLocks noGrp="1"/>
           </p:cNvSpPr>
@@ -1453,8 +1375,8 @@
         </p:nvSpPr>
         <p:spPr>
           <a:xfrm>
-            <a:off x="838080" y="1825560"/>
-            <a:ext cx="5131080" cy="2075040"/>
+            <a:off x="609480" y="1604520"/>
+            <a:ext cx="5354280" cy="1896840"/>
           </a:xfrm>
           <a:prstGeom prst="rect">
             <a:avLst/>
@@ -1465,18 +1387,15 @@
             <a:normAutofit/>
           </a:bodyPr>
           <a:p>
-            <a:endParaRPr b="0" lang="en-US" sz="2800" spc="-1" strike="noStrike">
-              <a:solidFill>
-                <a:srgbClr val="000000"/>
-              </a:solidFill>
-              <a:latin typeface="Calibri"/>
-            </a:endParaRPr>
-          </a:p>
-        </p:txBody>
-      </p:sp>
-      <p:sp>
-        <p:nvSpPr>
-          <p:cNvPr id="65" name="PlaceHolder 3"/>
+            <a:endParaRPr b="0" lang="de-DE" sz="3200" spc="-1" strike="noStrike">
+              <a:latin typeface="Arial"/>
+            </a:endParaRPr>
+          </a:p>
+        </p:txBody>
+      </p:sp>
+      <p:sp>
+        <p:nvSpPr>
+          <p:cNvPr id="59" name="PlaceHolder 3"/>
           <p:cNvSpPr>
             <a:spLocks noGrp="1"/>
           </p:cNvSpPr>
@@ -1486,8 +1405,8 @@
         </p:nvSpPr>
         <p:spPr>
           <a:xfrm>
-            <a:off x="6226200" y="1825560"/>
-            <a:ext cx="5131080" cy="2075040"/>
+            <a:off x="6231960" y="1604520"/>
+            <a:ext cx="5354280" cy="1896840"/>
           </a:xfrm>
           <a:prstGeom prst="rect">
             <a:avLst/>
@@ -1498,18 +1417,15 @@
             <a:normAutofit/>
           </a:bodyPr>
           <a:p>
-            <a:endParaRPr b="0" lang="en-US" sz="2800" spc="-1" strike="noStrike">
-              <a:solidFill>
-                <a:srgbClr val="000000"/>
-              </a:solidFill>
-              <a:latin typeface="Calibri"/>
-            </a:endParaRPr>
-          </a:p>
-        </p:txBody>
-      </p:sp>
-      <p:sp>
-        <p:nvSpPr>
-          <p:cNvPr id="66" name="PlaceHolder 4"/>
+            <a:endParaRPr b="0" lang="de-DE" sz="3200" spc="-1" strike="noStrike">
+              <a:latin typeface="Arial"/>
+            </a:endParaRPr>
+          </a:p>
+        </p:txBody>
+      </p:sp>
+      <p:sp>
+        <p:nvSpPr>
+          <p:cNvPr id="60" name="PlaceHolder 4"/>
           <p:cNvSpPr>
             <a:spLocks noGrp="1"/>
           </p:cNvSpPr>
@@ -1519,8 +1435,8 @@
         </p:nvSpPr>
         <p:spPr>
           <a:xfrm>
-            <a:off x="838080" y="4098240"/>
-            <a:ext cx="10515240" cy="2075040"/>
+            <a:off x="609480" y="3682080"/>
+            <a:ext cx="10972440" cy="1896840"/>
           </a:xfrm>
           <a:prstGeom prst="rect">
             <a:avLst/>
@@ -1531,11 +1447,8 @@
             <a:normAutofit/>
           </a:bodyPr>
           <a:p>
-            <a:endParaRPr b="0" lang="en-US" sz="2800" spc="-1" strike="noStrike">
-              <a:solidFill>
-                <a:srgbClr val="000000"/>
-              </a:solidFill>
-              <a:latin typeface="Calibri"/>
+            <a:endParaRPr b="0" lang="de-DE" sz="3200" spc="-1" strike="noStrike">
+              <a:latin typeface="Arial"/>
             </a:endParaRPr>
           </a:p>
         </p:txBody>
@@ -1564,7 +1477,7 @@
       </p:grpSpPr>
       <p:sp>
         <p:nvSpPr>
-          <p:cNvPr id="67" name="PlaceHolder 1"/>
+          <p:cNvPr id="61" name="PlaceHolder 1"/>
           <p:cNvSpPr>
             <a:spLocks noGrp="1"/>
           </p:cNvSpPr>
@@ -1574,8 +1487,8 @@
         </p:nvSpPr>
         <p:spPr>
           <a:xfrm>
-            <a:off x="838080" y="365040"/>
-            <a:ext cx="10515240" cy="1325160"/>
+            <a:off x="609480" y="273600"/>
+            <a:ext cx="10972440" cy="1144800"/>
           </a:xfrm>
           <a:prstGeom prst="rect">
             <a:avLst/>
@@ -1584,18 +1497,16 @@
         <p:txBody>
           <a:bodyPr lIns="0" rIns="0" tIns="0" bIns="0" anchor="ctr"/>
           <a:p>
-            <a:endParaRPr b="0" lang="en-US" sz="1800" spc="-1" strike="noStrike">
-              <a:solidFill>
-                <a:srgbClr val="000000"/>
-              </a:solidFill>
-              <a:latin typeface="Calibri"/>
-            </a:endParaRPr>
-          </a:p>
-        </p:txBody>
-      </p:sp>
-      <p:sp>
-        <p:nvSpPr>
-          <p:cNvPr id="68" name="PlaceHolder 2"/>
+            <a:pPr algn="ctr"/>
+            <a:endParaRPr b="0" lang="de-DE" sz="4400" spc="-1" strike="noStrike">
+              <a:latin typeface="Arial"/>
+            </a:endParaRPr>
+          </a:p>
+        </p:txBody>
+      </p:sp>
+      <p:sp>
+        <p:nvSpPr>
+          <p:cNvPr id="62" name="PlaceHolder 2"/>
           <p:cNvSpPr>
             <a:spLocks noGrp="1"/>
           </p:cNvSpPr>
@@ -1605,8 +1516,8 @@
         </p:nvSpPr>
         <p:spPr>
           <a:xfrm>
-            <a:off x="838080" y="1825560"/>
-            <a:ext cx="10515240" cy="2075040"/>
+            <a:off x="609480" y="1604520"/>
+            <a:ext cx="10972440" cy="1896840"/>
           </a:xfrm>
           <a:prstGeom prst="rect">
             <a:avLst/>
@@ -1617,18 +1528,15 @@
             <a:normAutofit/>
           </a:bodyPr>
           <a:p>
-            <a:endParaRPr b="0" lang="en-US" sz="2800" spc="-1" strike="noStrike">
-              <a:solidFill>
-                <a:srgbClr val="000000"/>
-              </a:solidFill>
-              <a:latin typeface="Calibri"/>
-            </a:endParaRPr>
-          </a:p>
-        </p:txBody>
-      </p:sp>
-      <p:sp>
-        <p:nvSpPr>
-          <p:cNvPr id="69" name="PlaceHolder 3"/>
+            <a:endParaRPr b="0" lang="de-DE" sz="3200" spc="-1" strike="noStrike">
+              <a:latin typeface="Arial"/>
+            </a:endParaRPr>
+          </a:p>
+        </p:txBody>
+      </p:sp>
+      <p:sp>
+        <p:nvSpPr>
+          <p:cNvPr id="63" name="PlaceHolder 3"/>
           <p:cNvSpPr>
             <a:spLocks noGrp="1"/>
           </p:cNvSpPr>
@@ -1638,8 +1546,8 @@
         </p:nvSpPr>
         <p:spPr>
           <a:xfrm>
-            <a:off x="838080" y="4098240"/>
-            <a:ext cx="10515240" cy="2075040"/>
+            <a:off x="609480" y="3682080"/>
+            <a:ext cx="10972440" cy="1896840"/>
           </a:xfrm>
           <a:prstGeom prst="rect">
             <a:avLst/>
@@ -1650,11 +1558,8 @@
             <a:normAutofit/>
           </a:bodyPr>
           <a:p>
-            <a:endParaRPr b="0" lang="en-US" sz="2800" spc="-1" strike="noStrike">
-              <a:solidFill>
-                <a:srgbClr val="000000"/>
-              </a:solidFill>
-              <a:latin typeface="Calibri"/>
+            <a:endParaRPr b="0" lang="de-DE" sz="3200" spc="-1" strike="noStrike">
+              <a:latin typeface="Arial"/>
             </a:endParaRPr>
           </a:p>
         </p:txBody>
@@ -1683,7 +1588,7 @@
       </p:grpSpPr>
       <p:sp>
         <p:nvSpPr>
-          <p:cNvPr id="70" name="PlaceHolder 1"/>
+          <p:cNvPr id="64" name="PlaceHolder 1"/>
           <p:cNvSpPr>
             <a:spLocks noGrp="1"/>
           </p:cNvSpPr>
@@ -1693,8 +1598,8 @@
         </p:nvSpPr>
         <p:spPr>
           <a:xfrm>
-            <a:off x="838080" y="365040"/>
-            <a:ext cx="10515240" cy="1325160"/>
+            <a:off x="609480" y="273600"/>
+            <a:ext cx="10972440" cy="1144800"/>
           </a:xfrm>
           <a:prstGeom prst="rect">
             <a:avLst/>
@@ -1703,18 +1608,16 @@
         <p:txBody>
           <a:bodyPr lIns="0" rIns="0" tIns="0" bIns="0" anchor="ctr"/>
           <a:p>
-            <a:endParaRPr b="0" lang="en-US" sz="1800" spc="-1" strike="noStrike">
-              <a:solidFill>
-                <a:srgbClr val="000000"/>
-              </a:solidFill>
-              <a:latin typeface="Calibri"/>
-            </a:endParaRPr>
-          </a:p>
-        </p:txBody>
-      </p:sp>
-      <p:sp>
-        <p:nvSpPr>
-          <p:cNvPr id="71" name="PlaceHolder 2"/>
+            <a:pPr algn="ctr"/>
+            <a:endParaRPr b="0" lang="de-DE" sz="4400" spc="-1" strike="noStrike">
+              <a:latin typeface="Arial"/>
+            </a:endParaRPr>
+          </a:p>
+        </p:txBody>
+      </p:sp>
+      <p:sp>
+        <p:nvSpPr>
+          <p:cNvPr id="65" name="PlaceHolder 2"/>
           <p:cNvSpPr>
             <a:spLocks noGrp="1"/>
           </p:cNvSpPr>
@@ -1724,8 +1627,8 @@
         </p:nvSpPr>
         <p:spPr>
           <a:xfrm>
-            <a:off x="838080" y="1825560"/>
-            <a:ext cx="5131080" cy="2075040"/>
+            <a:off x="609480" y="1604520"/>
+            <a:ext cx="5354280" cy="1896840"/>
           </a:xfrm>
           <a:prstGeom prst="rect">
             <a:avLst/>
@@ -1736,18 +1639,15 @@
             <a:normAutofit/>
           </a:bodyPr>
           <a:p>
-            <a:endParaRPr b="0" lang="en-US" sz="2800" spc="-1" strike="noStrike">
-              <a:solidFill>
-                <a:srgbClr val="000000"/>
-              </a:solidFill>
-              <a:latin typeface="Calibri"/>
-            </a:endParaRPr>
-          </a:p>
-        </p:txBody>
-      </p:sp>
-      <p:sp>
-        <p:nvSpPr>
-          <p:cNvPr id="72" name="PlaceHolder 3"/>
+            <a:endParaRPr b="0" lang="de-DE" sz="3200" spc="-1" strike="noStrike">
+              <a:latin typeface="Arial"/>
+            </a:endParaRPr>
+          </a:p>
+        </p:txBody>
+      </p:sp>
+      <p:sp>
+        <p:nvSpPr>
+          <p:cNvPr id="66" name="PlaceHolder 3"/>
           <p:cNvSpPr>
             <a:spLocks noGrp="1"/>
           </p:cNvSpPr>
@@ -1757,8 +1657,8 @@
         </p:nvSpPr>
         <p:spPr>
           <a:xfrm>
-            <a:off x="6226200" y="1825560"/>
-            <a:ext cx="5131080" cy="2075040"/>
+            <a:off x="6231960" y="1604520"/>
+            <a:ext cx="5354280" cy="1896840"/>
           </a:xfrm>
           <a:prstGeom prst="rect">
             <a:avLst/>
@@ -1769,18 +1669,15 @@
             <a:normAutofit/>
           </a:bodyPr>
           <a:p>
-            <a:endParaRPr b="0" lang="en-US" sz="2800" spc="-1" strike="noStrike">
-              <a:solidFill>
-                <a:srgbClr val="000000"/>
-              </a:solidFill>
-              <a:latin typeface="Calibri"/>
-            </a:endParaRPr>
-          </a:p>
-        </p:txBody>
-      </p:sp>
-      <p:sp>
-        <p:nvSpPr>
-          <p:cNvPr id="73" name="PlaceHolder 4"/>
+            <a:endParaRPr b="0" lang="de-DE" sz="3200" spc="-1" strike="noStrike">
+              <a:latin typeface="Arial"/>
+            </a:endParaRPr>
+          </a:p>
+        </p:txBody>
+      </p:sp>
+      <p:sp>
+        <p:nvSpPr>
+          <p:cNvPr id="67" name="PlaceHolder 4"/>
           <p:cNvSpPr>
             <a:spLocks noGrp="1"/>
           </p:cNvSpPr>
@@ -1790,8 +1687,8 @@
         </p:nvSpPr>
         <p:spPr>
           <a:xfrm>
-            <a:off x="838080" y="4098240"/>
-            <a:ext cx="5131080" cy="2075040"/>
+            <a:off x="609480" y="3682080"/>
+            <a:ext cx="5354280" cy="1896840"/>
           </a:xfrm>
           <a:prstGeom prst="rect">
             <a:avLst/>
@@ -1802,18 +1699,15 @@
             <a:normAutofit/>
           </a:bodyPr>
           <a:p>
-            <a:endParaRPr b="0" lang="en-US" sz="2800" spc="-1" strike="noStrike">
-              <a:solidFill>
-                <a:srgbClr val="000000"/>
-              </a:solidFill>
-              <a:latin typeface="Calibri"/>
-            </a:endParaRPr>
-          </a:p>
-        </p:txBody>
-      </p:sp>
-      <p:sp>
-        <p:nvSpPr>
-          <p:cNvPr id="74" name="PlaceHolder 5"/>
+            <a:endParaRPr b="0" lang="de-DE" sz="3200" spc="-1" strike="noStrike">
+              <a:latin typeface="Arial"/>
+            </a:endParaRPr>
+          </a:p>
+        </p:txBody>
+      </p:sp>
+      <p:sp>
+        <p:nvSpPr>
+          <p:cNvPr id="68" name="PlaceHolder 5"/>
           <p:cNvSpPr>
             <a:spLocks noGrp="1"/>
           </p:cNvSpPr>
@@ -1823,8 +1717,8 @@
         </p:nvSpPr>
         <p:spPr>
           <a:xfrm>
-            <a:off x="6226200" y="4098240"/>
-            <a:ext cx="5131080" cy="2075040"/>
+            <a:off x="6231960" y="3682080"/>
+            <a:ext cx="5354280" cy="1896840"/>
           </a:xfrm>
           <a:prstGeom prst="rect">
             <a:avLst/>
@@ -1835,11 +1729,8 @@
             <a:normAutofit/>
           </a:bodyPr>
           <a:p>
-            <a:endParaRPr b="0" lang="en-US" sz="2800" spc="-1" strike="noStrike">
-              <a:solidFill>
-                <a:srgbClr val="000000"/>
-              </a:solidFill>
-              <a:latin typeface="Calibri"/>
+            <a:endParaRPr b="0" lang="de-DE" sz="3200" spc="-1" strike="noStrike">
+              <a:latin typeface="Arial"/>
             </a:endParaRPr>
           </a:p>
         </p:txBody>
@@ -1868,7 +1759,7 @@
       </p:grpSpPr>
       <p:sp>
         <p:nvSpPr>
-          <p:cNvPr id="75" name="PlaceHolder 1"/>
+          <p:cNvPr id="69" name="PlaceHolder 1"/>
           <p:cNvSpPr>
             <a:spLocks noGrp="1"/>
           </p:cNvSpPr>
@@ -1878,8 +1769,8 @@
         </p:nvSpPr>
         <p:spPr>
           <a:xfrm>
-            <a:off x="838080" y="365040"/>
-            <a:ext cx="10515240" cy="1325160"/>
+            <a:off x="609480" y="273600"/>
+            <a:ext cx="10972440" cy="1144800"/>
           </a:xfrm>
           <a:prstGeom prst="rect">
             <a:avLst/>
@@ -1888,18 +1779,16 @@
         <p:txBody>
           <a:bodyPr lIns="0" rIns="0" tIns="0" bIns="0" anchor="ctr"/>
           <a:p>
-            <a:endParaRPr b="0" lang="en-US" sz="1800" spc="-1" strike="noStrike">
-              <a:solidFill>
-                <a:srgbClr val="000000"/>
-              </a:solidFill>
-              <a:latin typeface="Calibri"/>
-            </a:endParaRPr>
-          </a:p>
-        </p:txBody>
-      </p:sp>
-      <p:sp>
-        <p:nvSpPr>
-          <p:cNvPr id="76" name="PlaceHolder 2"/>
+            <a:pPr algn="ctr"/>
+            <a:endParaRPr b="0" lang="de-DE" sz="4400" spc="-1" strike="noStrike">
+              <a:latin typeface="Arial"/>
+            </a:endParaRPr>
+          </a:p>
+        </p:txBody>
+      </p:sp>
+      <p:sp>
+        <p:nvSpPr>
+          <p:cNvPr id="70" name="PlaceHolder 2"/>
           <p:cNvSpPr>
             <a:spLocks noGrp="1"/>
           </p:cNvSpPr>
@@ -1909,8 +1798,8 @@
         </p:nvSpPr>
         <p:spPr>
           <a:xfrm>
-            <a:off x="838080" y="1825560"/>
-            <a:ext cx="3385800" cy="2075040"/>
+            <a:off x="609480" y="1604520"/>
+            <a:ext cx="3533040" cy="1896840"/>
           </a:xfrm>
           <a:prstGeom prst="rect">
             <a:avLst/>
@@ -1921,18 +1810,15 @@
             <a:normAutofit/>
           </a:bodyPr>
           <a:p>
-            <a:endParaRPr b="0" lang="en-US" sz="2800" spc="-1" strike="noStrike">
-              <a:solidFill>
-                <a:srgbClr val="000000"/>
-              </a:solidFill>
-              <a:latin typeface="Calibri"/>
-            </a:endParaRPr>
-          </a:p>
-        </p:txBody>
-      </p:sp>
-      <p:sp>
-        <p:nvSpPr>
-          <p:cNvPr id="77" name="PlaceHolder 3"/>
+            <a:endParaRPr b="0" lang="de-DE" sz="3200" spc="-1" strike="noStrike">
+              <a:latin typeface="Arial"/>
+            </a:endParaRPr>
+          </a:p>
+        </p:txBody>
+      </p:sp>
+      <p:sp>
+        <p:nvSpPr>
+          <p:cNvPr id="71" name="PlaceHolder 3"/>
           <p:cNvSpPr>
             <a:spLocks noGrp="1"/>
           </p:cNvSpPr>
@@ -1942,8 +1828,8 @@
         </p:nvSpPr>
         <p:spPr>
           <a:xfrm>
-            <a:off x="4393440" y="1825560"/>
-            <a:ext cx="3385800" cy="2075040"/>
+            <a:off x="4319640" y="1604520"/>
+            <a:ext cx="3533040" cy="1896840"/>
           </a:xfrm>
           <a:prstGeom prst="rect">
             <a:avLst/>
@@ -1954,18 +1840,15 @@
             <a:normAutofit/>
           </a:bodyPr>
           <a:p>
-            <a:endParaRPr b="0" lang="en-US" sz="2800" spc="-1" strike="noStrike">
-              <a:solidFill>
-                <a:srgbClr val="000000"/>
-              </a:solidFill>
-              <a:latin typeface="Calibri"/>
-            </a:endParaRPr>
-          </a:p>
-        </p:txBody>
-      </p:sp>
-      <p:sp>
-        <p:nvSpPr>
-          <p:cNvPr id="78" name="PlaceHolder 4"/>
+            <a:endParaRPr b="0" lang="de-DE" sz="3200" spc="-1" strike="noStrike">
+              <a:latin typeface="Arial"/>
+            </a:endParaRPr>
+          </a:p>
+        </p:txBody>
+      </p:sp>
+      <p:sp>
+        <p:nvSpPr>
+          <p:cNvPr id="72" name="PlaceHolder 4"/>
           <p:cNvSpPr>
             <a:spLocks noGrp="1"/>
           </p:cNvSpPr>
@@ -1975,8 +1858,8 @@
         </p:nvSpPr>
         <p:spPr>
           <a:xfrm>
-            <a:off x="7949160" y="1825560"/>
-            <a:ext cx="3385800" cy="2075040"/>
+            <a:off x="8029800" y="1604520"/>
+            <a:ext cx="3533040" cy="1896840"/>
           </a:xfrm>
           <a:prstGeom prst="rect">
             <a:avLst/>
@@ -1987,18 +1870,15 @@
             <a:normAutofit/>
           </a:bodyPr>
           <a:p>
-            <a:endParaRPr b="0" lang="en-US" sz="2800" spc="-1" strike="noStrike">
-              <a:solidFill>
-                <a:srgbClr val="000000"/>
-              </a:solidFill>
-              <a:latin typeface="Calibri"/>
-            </a:endParaRPr>
-          </a:p>
-        </p:txBody>
-      </p:sp>
-      <p:sp>
-        <p:nvSpPr>
-          <p:cNvPr id="79" name="PlaceHolder 5"/>
+            <a:endParaRPr b="0" lang="de-DE" sz="3200" spc="-1" strike="noStrike">
+              <a:latin typeface="Arial"/>
+            </a:endParaRPr>
+          </a:p>
+        </p:txBody>
+      </p:sp>
+      <p:sp>
+        <p:nvSpPr>
+          <p:cNvPr id="73" name="PlaceHolder 5"/>
           <p:cNvSpPr>
             <a:spLocks noGrp="1"/>
           </p:cNvSpPr>
@@ -2008,8 +1888,8 @@
         </p:nvSpPr>
         <p:spPr>
           <a:xfrm>
-            <a:off x="838080" y="4098240"/>
-            <a:ext cx="3385800" cy="2075040"/>
+            <a:off x="609480" y="3682080"/>
+            <a:ext cx="3533040" cy="1896840"/>
           </a:xfrm>
           <a:prstGeom prst="rect">
             <a:avLst/>
@@ -2020,18 +1900,15 @@
             <a:normAutofit/>
           </a:bodyPr>
           <a:p>
-            <a:endParaRPr b="0" lang="en-US" sz="2800" spc="-1" strike="noStrike">
-              <a:solidFill>
-                <a:srgbClr val="000000"/>
-              </a:solidFill>
-              <a:latin typeface="Calibri"/>
-            </a:endParaRPr>
-          </a:p>
-        </p:txBody>
-      </p:sp>
-      <p:sp>
-        <p:nvSpPr>
-          <p:cNvPr id="80" name="PlaceHolder 6"/>
+            <a:endParaRPr b="0" lang="de-DE" sz="3200" spc="-1" strike="noStrike">
+              <a:latin typeface="Arial"/>
+            </a:endParaRPr>
+          </a:p>
+        </p:txBody>
+      </p:sp>
+      <p:sp>
+        <p:nvSpPr>
+          <p:cNvPr id="74" name="PlaceHolder 6"/>
           <p:cNvSpPr>
             <a:spLocks noGrp="1"/>
           </p:cNvSpPr>
@@ -2041,8 +1918,8 @@
         </p:nvSpPr>
         <p:spPr>
           <a:xfrm>
-            <a:off x="4393440" y="4098240"/>
-            <a:ext cx="3385800" cy="2075040"/>
+            <a:off x="4319640" y="3682080"/>
+            <a:ext cx="3533040" cy="1896840"/>
           </a:xfrm>
           <a:prstGeom prst="rect">
             <a:avLst/>
@@ -2053,18 +1930,15 @@
             <a:normAutofit/>
           </a:bodyPr>
           <a:p>
-            <a:endParaRPr b="0" lang="en-US" sz="2800" spc="-1" strike="noStrike">
-              <a:solidFill>
-                <a:srgbClr val="000000"/>
-              </a:solidFill>
-              <a:latin typeface="Calibri"/>
-            </a:endParaRPr>
-          </a:p>
-        </p:txBody>
-      </p:sp>
-      <p:sp>
-        <p:nvSpPr>
-          <p:cNvPr id="81" name="PlaceHolder 7"/>
+            <a:endParaRPr b="0" lang="de-DE" sz="3200" spc="-1" strike="noStrike">
+              <a:latin typeface="Arial"/>
+            </a:endParaRPr>
+          </a:p>
+        </p:txBody>
+      </p:sp>
+      <p:sp>
+        <p:nvSpPr>
+          <p:cNvPr id="75" name="PlaceHolder 7"/>
           <p:cNvSpPr>
             <a:spLocks noGrp="1"/>
           </p:cNvSpPr>
@@ -2074,8 +1948,8 @@
         </p:nvSpPr>
         <p:spPr>
           <a:xfrm>
-            <a:off x="7949160" y="4098240"/>
-            <a:ext cx="3385800" cy="2075040"/>
+            <a:off x="8029800" y="3682080"/>
+            <a:ext cx="3533040" cy="1896840"/>
           </a:xfrm>
           <a:prstGeom prst="rect">
             <a:avLst/>
@@ -2086,11 +1960,8 @@
             <a:normAutofit/>
           </a:bodyPr>
           <a:p>
-            <a:endParaRPr b="0" lang="en-US" sz="2800" spc="-1" strike="noStrike">
-              <a:solidFill>
-                <a:srgbClr val="000000"/>
-              </a:solidFill>
-              <a:latin typeface="Calibri"/>
+            <a:endParaRPr b="0" lang="de-DE" sz="3200" spc="-1" strike="noStrike">
+              <a:latin typeface="Arial"/>
             </a:endParaRPr>
           </a:p>
         </p:txBody>
@@ -2119,7 +1990,7 @@
       </p:grpSpPr>
       <p:sp>
         <p:nvSpPr>
-          <p:cNvPr id="7" name="PlaceHolder 1"/>
+          <p:cNvPr id="4" name="PlaceHolder 1"/>
           <p:cNvSpPr>
             <a:spLocks noGrp="1"/>
           </p:cNvSpPr>
@@ -2129,8 +2000,8 @@
         </p:nvSpPr>
         <p:spPr>
           <a:xfrm>
-            <a:off x="838080" y="365040"/>
-            <a:ext cx="10515240" cy="1325160"/>
+            <a:off x="609480" y="273600"/>
+            <a:ext cx="10972440" cy="1144800"/>
           </a:xfrm>
           <a:prstGeom prst="rect">
             <a:avLst/>
@@ -2139,18 +2010,16 @@
         <p:txBody>
           <a:bodyPr lIns="0" rIns="0" tIns="0" bIns="0" anchor="ctr"/>
           <a:p>
-            <a:endParaRPr b="0" lang="en-US" sz="1800" spc="-1" strike="noStrike">
-              <a:solidFill>
-                <a:srgbClr val="000000"/>
-              </a:solidFill>
-              <a:latin typeface="Calibri"/>
-            </a:endParaRPr>
-          </a:p>
-        </p:txBody>
-      </p:sp>
-      <p:sp>
-        <p:nvSpPr>
-          <p:cNvPr id="8" name="PlaceHolder 2"/>
+            <a:pPr algn="ctr"/>
+            <a:endParaRPr b="0" lang="de-DE" sz="4400" spc="-1" strike="noStrike">
+              <a:latin typeface="Arial"/>
+            </a:endParaRPr>
+          </a:p>
+        </p:txBody>
+      </p:sp>
+      <p:sp>
+        <p:nvSpPr>
+          <p:cNvPr id="5" name="PlaceHolder 2"/>
           <p:cNvSpPr>
             <a:spLocks noGrp="1"/>
           </p:cNvSpPr>
@@ -2160,8 +2029,8 @@
         </p:nvSpPr>
         <p:spPr>
           <a:xfrm>
-            <a:off x="838080" y="1825560"/>
-            <a:ext cx="10515240" cy="4350960"/>
+            <a:off x="609480" y="1604520"/>
+            <a:ext cx="10972440" cy="3977280"/>
           </a:xfrm>
           <a:prstGeom prst="rect">
             <a:avLst/>
@@ -2172,11 +2041,8 @@
             <a:normAutofit/>
           </a:bodyPr>
           <a:p>
-            <a:endParaRPr b="0" lang="en-US" sz="2800" spc="-1" strike="noStrike">
-              <a:solidFill>
-                <a:srgbClr val="000000"/>
-              </a:solidFill>
-              <a:latin typeface="Calibri"/>
+            <a:endParaRPr b="0" lang="de-DE" sz="3200" spc="-1" strike="noStrike">
+              <a:latin typeface="Arial"/>
             </a:endParaRPr>
           </a:p>
         </p:txBody>
@@ -2205,7 +2071,7 @@
       </p:grpSpPr>
       <p:sp>
         <p:nvSpPr>
-          <p:cNvPr id="9" name="PlaceHolder 1"/>
+          <p:cNvPr id="6" name="PlaceHolder 1"/>
           <p:cNvSpPr>
             <a:spLocks noGrp="1"/>
           </p:cNvSpPr>
@@ -2215,8 +2081,8 @@
         </p:nvSpPr>
         <p:spPr>
           <a:xfrm>
-            <a:off x="838080" y="365040"/>
-            <a:ext cx="10515240" cy="1325160"/>
+            <a:off x="609480" y="273600"/>
+            <a:ext cx="10972440" cy="1144800"/>
           </a:xfrm>
           <a:prstGeom prst="rect">
             <a:avLst/>
@@ -2225,18 +2091,16 @@
         <p:txBody>
           <a:bodyPr lIns="0" rIns="0" tIns="0" bIns="0" anchor="ctr"/>
           <a:p>
-            <a:endParaRPr b="0" lang="en-US" sz="1800" spc="-1" strike="noStrike">
-              <a:solidFill>
-                <a:srgbClr val="000000"/>
-              </a:solidFill>
-              <a:latin typeface="Calibri"/>
-            </a:endParaRPr>
-          </a:p>
-        </p:txBody>
-      </p:sp>
-      <p:sp>
-        <p:nvSpPr>
-          <p:cNvPr id="10" name="PlaceHolder 2"/>
+            <a:pPr algn="ctr"/>
+            <a:endParaRPr b="0" lang="de-DE" sz="4400" spc="-1" strike="noStrike">
+              <a:latin typeface="Arial"/>
+            </a:endParaRPr>
+          </a:p>
+        </p:txBody>
+      </p:sp>
+      <p:sp>
+        <p:nvSpPr>
+          <p:cNvPr id="7" name="PlaceHolder 2"/>
           <p:cNvSpPr>
             <a:spLocks noGrp="1"/>
           </p:cNvSpPr>
@@ -2246,8 +2110,8 @@
         </p:nvSpPr>
         <p:spPr>
           <a:xfrm>
-            <a:off x="838080" y="1825560"/>
-            <a:ext cx="5131080" cy="4350960"/>
+            <a:off x="609480" y="1604520"/>
+            <a:ext cx="5354280" cy="3977280"/>
           </a:xfrm>
           <a:prstGeom prst="rect">
             <a:avLst/>
@@ -2258,18 +2122,15 @@
             <a:normAutofit/>
           </a:bodyPr>
           <a:p>
-            <a:endParaRPr b="0" lang="en-US" sz="2800" spc="-1" strike="noStrike">
-              <a:solidFill>
-                <a:srgbClr val="000000"/>
-              </a:solidFill>
-              <a:latin typeface="Calibri"/>
-            </a:endParaRPr>
-          </a:p>
-        </p:txBody>
-      </p:sp>
-      <p:sp>
-        <p:nvSpPr>
-          <p:cNvPr id="11" name="PlaceHolder 3"/>
+            <a:endParaRPr b="0" lang="de-DE" sz="3200" spc="-1" strike="noStrike">
+              <a:latin typeface="Arial"/>
+            </a:endParaRPr>
+          </a:p>
+        </p:txBody>
+      </p:sp>
+      <p:sp>
+        <p:nvSpPr>
+          <p:cNvPr id="8" name="PlaceHolder 3"/>
           <p:cNvSpPr>
             <a:spLocks noGrp="1"/>
           </p:cNvSpPr>
@@ -2279,8 +2140,8 @@
         </p:nvSpPr>
         <p:spPr>
           <a:xfrm>
-            <a:off x="6226200" y="1825560"/>
-            <a:ext cx="5131080" cy="4350960"/>
+            <a:off x="6231960" y="1604520"/>
+            <a:ext cx="5354280" cy="3977280"/>
           </a:xfrm>
           <a:prstGeom prst="rect">
             <a:avLst/>
@@ -2291,11 +2152,8 @@
             <a:normAutofit/>
           </a:bodyPr>
           <a:p>
-            <a:endParaRPr b="0" lang="en-US" sz="2800" spc="-1" strike="noStrike">
-              <a:solidFill>
-                <a:srgbClr val="000000"/>
-              </a:solidFill>
-              <a:latin typeface="Calibri"/>
+            <a:endParaRPr b="0" lang="de-DE" sz="3200" spc="-1" strike="noStrike">
+              <a:latin typeface="Arial"/>
             </a:endParaRPr>
           </a:p>
         </p:txBody>
@@ -2324,7 +2182,7 @@
       </p:grpSpPr>
       <p:sp>
         <p:nvSpPr>
-          <p:cNvPr id="12" name="PlaceHolder 1"/>
+          <p:cNvPr id="9" name="PlaceHolder 1"/>
           <p:cNvSpPr>
             <a:spLocks noGrp="1"/>
           </p:cNvSpPr>
@@ -2334,8 +2192,8 @@
         </p:nvSpPr>
         <p:spPr>
           <a:xfrm>
-            <a:off x="838080" y="365040"/>
-            <a:ext cx="10515240" cy="1325160"/>
+            <a:off x="609480" y="273600"/>
+            <a:ext cx="10972440" cy="1144800"/>
           </a:xfrm>
           <a:prstGeom prst="rect">
             <a:avLst/>
@@ -2344,11 +2202,9 @@
         <p:txBody>
           <a:bodyPr lIns="0" rIns="0" tIns="0" bIns="0" anchor="ctr"/>
           <a:p>
-            <a:endParaRPr b="0" lang="en-US" sz="1800" spc="-1" strike="noStrike">
-              <a:solidFill>
-                <a:srgbClr val="000000"/>
-              </a:solidFill>
-              <a:latin typeface="Calibri"/>
+            <a:pPr algn="ctr"/>
+            <a:endParaRPr b="0" lang="de-DE" sz="4400" spc="-1" strike="noStrike">
+              <a:latin typeface="Arial"/>
             </a:endParaRPr>
           </a:p>
         </p:txBody>
@@ -2377,7 +2233,7 @@
       </p:grpSpPr>
       <p:sp>
         <p:nvSpPr>
-          <p:cNvPr id="13" name="PlaceHolder 1"/>
+          <p:cNvPr id="10" name="PlaceHolder 1"/>
           <p:cNvSpPr>
             <a:spLocks noGrp="1"/>
           </p:cNvSpPr>
@@ -2387,8 +2243,8 @@
         </p:nvSpPr>
         <p:spPr>
           <a:xfrm>
-            <a:off x="838080" y="365040"/>
-            <a:ext cx="10515240" cy="6144120"/>
+            <a:off x="609480" y="273600"/>
+            <a:ext cx="10972440" cy="5307840"/>
           </a:xfrm>
           <a:prstGeom prst="rect">
             <a:avLst/>
@@ -2428,7 +2284,7 @@
       </p:grpSpPr>
       <p:sp>
         <p:nvSpPr>
-          <p:cNvPr id="14" name="PlaceHolder 1"/>
+          <p:cNvPr id="11" name="PlaceHolder 1"/>
           <p:cNvSpPr>
             <a:spLocks noGrp="1"/>
           </p:cNvSpPr>
@@ -2438,8 +2294,8 @@
         </p:nvSpPr>
         <p:spPr>
           <a:xfrm>
-            <a:off x="838080" y="365040"/>
-            <a:ext cx="10515240" cy="1325160"/>
+            <a:off x="609480" y="273600"/>
+            <a:ext cx="10972440" cy="1144800"/>
           </a:xfrm>
           <a:prstGeom prst="rect">
             <a:avLst/>
@@ -2448,18 +2304,16 @@
         <p:txBody>
           <a:bodyPr lIns="0" rIns="0" tIns="0" bIns="0" anchor="ctr"/>
           <a:p>
-            <a:endParaRPr b="0" lang="en-US" sz="1800" spc="-1" strike="noStrike">
-              <a:solidFill>
-                <a:srgbClr val="000000"/>
-              </a:solidFill>
-              <a:latin typeface="Calibri"/>
-            </a:endParaRPr>
-          </a:p>
-        </p:txBody>
-      </p:sp>
-      <p:sp>
-        <p:nvSpPr>
-          <p:cNvPr id="15" name="PlaceHolder 2"/>
+            <a:pPr algn="ctr"/>
+            <a:endParaRPr b="0" lang="de-DE" sz="4400" spc="-1" strike="noStrike">
+              <a:latin typeface="Arial"/>
+            </a:endParaRPr>
+          </a:p>
+        </p:txBody>
+      </p:sp>
+      <p:sp>
+        <p:nvSpPr>
+          <p:cNvPr id="12" name="PlaceHolder 2"/>
           <p:cNvSpPr>
             <a:spLocks noGrp="1"/>
           </p:cNvSpPr>
@@ -2469,8 +2323,8 @@
         </p:nvSpPr>
         <p:spPr>
           <a:xfrm>
-            <a:off x="838080" y="1825560"/>
-            <a:ext cx="5131080" cy="2075040"/>
+            <a:off x="609480" y="1604520"/>
+            <a:ext cx="5354280" cy="1896840"/>
           </a:xfrm>
           <a:prstGeom prst="rect">
             <a:avLst/>
@@ -2481,18 +2335,15 @@
             <a:normAutofit/>
           </a:bodyPr>
           <a:p>
-            <a:endParaRPr b="0" lang="en-US" sz="2800" spc="-1" strike="noStrike">
-              <a:solidFill>
-                <a:srgbClr val="000000"/>
-              </a:solidFill>
-              <a:latin typeface="Calibri"/>
-            </a:endParaRPr>
-          </a:p>
-        </p:txBody>
-      </p:sp>
-      <p:sp>
-        <p:nvSpPr>
-          <p:cNvPr id="16" name="PlaceHolder 3"/>
+            <a:endParaRPr b="0" lang="de-DE" sz="3200" spc="-1" strike="noStrike">
+              <a:latin typeface="Arial"/>
+            </a:endParaRPr>
+          </a:p>
+        </p:txBody>
+      </p:sp>
+      <p:sp>
+        <p:nvSpPr>
+          <p:cNvPr id="13" name="PlaceHolder 3"/>
           <p:cNvSpPr>
             <a:spLocks noGrp="1"/>
           </p:cNvSpPr>
@@ -2502,8 +2353,8 @@
         </p:nvSpPr>
         <p:spPr>
           <a:xfrm>
-            <a:off x="6226200" y="1825560"/>
-            <a:ext cx="5131080" cy="4350960"/>
+            <a:off x="6231960" y="1604520"/>
+            <a:ext cx="5354280" cy="3977280"/>
           </a:xfrm>
           <a:prstGeom prst="rect">
             <a:avLst/>
@@ -2514,18 +2365,15 @@
             <a:normAutofit/>
           </a:bodyPr>
           <a:p>
-            <a:endParaRPr b="0" lang="en-US" sz="2800" spc="-1" strike="noStrike">
-              <a:solidFill>
-                <a:srgbClr val="000000"/>
-              </a:solidFill>
-              <a:latin typeface="Calibri"/>
-            </a:endParaRPr>
-          </a:p>
-        </p:txBody>
-      </p:sp>
-      <p:sp>
-        <p:nvSpPr>
-          <p:cNvPr id="17" name="PlaceHolder 4"/>
+            <a:endParaRPr b="0" lang="de-DE" sz="3200" spc="-1" strike="noStrike">
+              <a:latin typeface="Arial"/>
+            </a:endParaRPr>
+          </a:p>
+        </p:txBody>
+      </p:sp>
+      <p:sp>
+        <p:nvSpPr>
+          <p:cNvPr id="14" name="PlaceHolder 4"/>
           <p:cNvSpPr>
             <a:spLocks noGrp="1"/>
           </p:cNvSpPr>
@@ -2535,8 +2383,8 @@
         </p:nvSpPr>
         <p:spPr>
           <a:xfrm>
-            <a:off x="838080" y="4098240"/>
-            <a:ext cx="5131080" cy="2075040"/>
+            <a:off x="609480" y="3682080"/>
+            <a:ext cx="5354280" cy="1896840"/>
           </a:xfrm>
           <a:prstGeom prst="rect">
             <a:avLst/>
@@ -2547,11 +2395,8 @@
             <a:normAutofit/>
           </a:bodyPr>
           <a:p>
-            <a:endParaRPr b="0" lang="en-US" sz="2800" spc="-1" strike="noStrike">
-              <a:solidFill>
-                <a:srgbClr val="000000"/>
-              </a:solidFill>
-              <a:latin typeface="Calibri"/>
+            <a:endParaRPr b="0" lang="de-DE" sz="3200" spc="-1" strike="noStrike">
+              <a:latin typeface="Arial"/>
             </a:endParaRPr>
           </a:p>
         </p:txBody>
@@ -2580,7 +2425,7 @@
       </p:grpSpPr>
       <p:sp>
         <p:nvSpPr>
-          <p:cNvPr id="18" name="PlaceHolder 1"/>
+          <p:cNvPr id="15" name="PlaceHolder 1"/>
           <p:cNvSpPr>
             <a:spLocks noGrp="1"/>
           </p:cNvSpPr>
@@ -2590,8 +2435,8 @@
         </p:nvSpPr>
         <p:spPr>
           <a:xfrm>
-            <a:off x="838080" y="365040"/>
-            <a:ext cx="10515240" cy="1325160"/>
+            <a:off x="609480" y="273600"/>
+            <a:ext cx="10972440" cy="1144800"/>
           </a:xfrm>
           <a:prstGeom prst="rect">
             <a:avLst/>
@@ -2600,18 +2445,16 @@
         <p:txBody>
           <a:bodyPr lIns="0" rIns="0" tIns="0" bIns="0" anchor="ctr"/>
           <a:p>
-            <a:endParaRPr b="0" lang="en-US" sz="1800" spc="-1" strike="noStrike">
-              <a:solidFill>
-                <a:srgbClr val="000000"/>
-              </a:solidFill>
-              <a:latin typeface="Calibri"/>
-            </a:endParaRPr>
-          </a:p>
-        </p:txBody>
-      </p:sp>
-      <p:sp>
-        <p:nvSpPr>
-          <p:cNvPr id="19" name="PlaceHolder 2"/>
+            <a:pPr algn="ctr"/>
+            <a:endParaRPr b="0" lang="de-DE" sz="4400" spc="-1" strike="noStrike">
+              <a:latin typeface="Arial"/>
+            </a:endParaRPr>
+          </a:p>
+        </p:txBody>
+      </p:sp>
+      <p:sp>
+        <p:nvSpPr>
+          <p:cNvPr id="16" name="PlaceHolder 2"/>
           <p:cNvSpPr>
             <a:spLocks noGrp="1"/>
           </p:cNvSpPr>
@@ -2621,8 +2464,8 @@
         </p:nvSpPr>
         <p:spPr>
           <a:xfrm>
-            <a:off x="838080" y="1825560"/>
-            <a:ext cx="5131080" cy="4350960"/>
+            <a:off x="609480" y="1604520"/>
+            <a:ext cx="5354280" cy="3977280"/>
           </a:xfrm>
           <a:prstGeom prst="rect">
             <a:avLst/>
@@ -2633,18 +2476,15 @@
             <a:normAutofit/>
           </a:bodyPr>
           <a:p>
-            <a:endParaRPr b="0" lang="en-US" sz="2800" spc="-1" strike="noStrike">
-              <a:solidFill>
-                <a:srgbClr val="000000"/>
-              </a:solidFill>
-              <a:latin typeface="Calibri"/>
-            </a:endParaRPr>
-          </a:p>
-        </p:txBody>
-      </p:sp>
-      <p:sp>
-        <p:nvSpPr>
-          <p:cNvPr id="20" name="PlaceHolder 3"/>
+            <a:endParaRPr b="0" lang="de-DE" sz="3200" spc="-1" strike="noStrike">
+              <a:latin typeface="Arial"/>
+            </a:endParaRPr>
+          </a:p>
+        </p:txBody>
+      </p:sp>
+      <p:sp>
+        <p:nvSpPr>
+          <p:cNvPr id="17" name="PlaceHolder 3"/>
           <p:cNvSpPr>
             <a:spLocks noGrp="1"/>
           </p:cNvSpPr>
@@ -2654,8 +2494,8 @@
         </p:nvSpPr>
         <p:spPr>
           <a:xfrm>
-            <a:off x="6226200" y="1825560"/>
-            <a:ext cx="5131080" cy="2075040"/>
+            <a:off x="6231960" y="1604520"/>
+            <a:ext cx="5354280" cy="1896840"/>
           </a:xfrm>
           <a:prstGeom prst="rect">
             <a:avLst/>
@@ -2666,18 +2506,15 @@
             <a:normAutofit/>
           </a:bodyPr>
           <a:p>
-            <a:endParaRPr b="0" lang="en-US" sz="2800" spc="-1" strike="noStrike">
-              <a:solidFill>
-                <a:srgbClr val="000000"/>
-              </a:solidFill>
-              <a:latin typeface="Calibri"/>
-            </a:endParaRPr>
-          </a:p>
-        </p:txBody>
-      </p:sp>
-      <p:sp>
-        <p:nvSpPr>
-          <p:cNvPr id="21" name="PlaceHolder 4"/>
+            <a:endParaRPr b="0" lang="de-DE" sz="3200" spc="-1" strike="noStrike">
+              <a:latin typeface="Arial"/>
+            </a:endParaRPr>
+          </a:p>
+        </p:txBody>
+      </p:sp>
+      <p:sp>
+        <p:nvSpPr>
+          <p:cNvPr id="18" name="PlaceHolder 4"/>
           <p:cNvSpPr>
             <a:spLocks noGrp="1"/>
           </p:cNvSpPr>
@@ -2687,8 +2524,8 @@
         </p:nvSpPr>
         <p:spPr>
           <a:xfrm>
-            <a:off x="6226200" y="4098240"/>
-            <a:ext cx="5131080" cy="2075040"/>
+            <a:off x="6231960" y="3682080"/>
+            <a:ext cx="5354280" cy="1896840"/>
           </a:xfrm>
           <a:prstGeom prst="rect">
             <a:avLst/>
@@ -2699,11 +2536,8 @@
             <a:normAutofit/>
           </a:bodyPr>
           <a:p>
-            <a:endParaRPr b="0" lang="en-US" sz="2800" spc="-1" strike="noStrike">
-              <a:solidFill>
-                <a:srgbClr val="000000"/>
-              </a:solidFill>
-              <a:latin typeface="Calibri"/>
+            <a:endParaRPr b="0" lang="de-DE" sz="3200" spc="-1" strike="noStrike">
+              <a:latin typeface="Arial"/>
             </a:endParaRPr>
           </a:p>
         </p:txBody>
@@ -2732,7 +2566,7 @@
       </p:grpSpPr>
       <p:sp>
         <p:nvSpPr>
-          <p:cNvPr id="22" name="PlaceHolder 1"/>
+          <p:cNvPr id="19" name="PlaceHolder 1"/>
           <p:cNvSpPr>
             <a:spLocks noGrp="1"/>
           </p:cNvSpPr>
@@ -2742,8 +2576,8 @@
         </p:nvSpPr>
         <p:spPr>
           <a:xfrm>
-            <a:off x="838080" y="365040"/>
-            <a:ext cx="10515240" cy="1325160"/>
+            <a:off x="609480" y="273600"/>
+            <a:ext cx="10972440" cy="1144800"/>
           </a:xfrm>
           <a:prstGeom prst="rect">
             <a:avLst/>
@@ -2752,18 +2586,16 @@
         <p:txBody>
           <a:bodyPr lIns="0" rIns="0" tIns="0" bIns="0" anchor="ctr"/>
           <a:p>
-            <a:endParaRPr b="0" lang="en-US" sz="1800" spc="-1" strike="noStrike">
-              <a:solidFill>
-                <a:srgbClr val="000000"/>
-              </a:solidFill>
-              <a:latin typeface="Calibri"/>
-            </a:endParaRPr>
-          </a:p>
-        </p:txBody>
-      </p:sp>
-      <p:sp>
-        <p:nvSpPr>
-          <p:cNvPr id="23" name="PlaceHolder 2"/>
+            <a:pPr algn="ctr"/>
+            <a:endParaRPr b="0" lang="de-DE" sz="4400" spc="-1" strike="noStrike">
+              <a:latin typeface="Arial"/>
+            </a:endParaRPr>
+          </a:p>
+        </p:txBody>
+      </p:sp>
+      <p:sp>
+        <p:nvSpPr>
+          <p:cNvPr id="20" name="PlaceHolder 2"/>
           <p:cNvSpPr>
             <a:spLocks noGrp="1"/>
           </p:cNvSpPr>
@@ -2773,8 +2605,8 @@
         </p:nvSpPr>
         <p:spPr>
           <a:xfrm>
-            <a:off x="838080" y="1825560"/>
-            <a:ext cx="5131080" cy="2075040"/>
+            <a:off x="609480" y="1604520"/>
+            <a:ext cx="5354280" cy="1896840"/>
           </a:xfrm>
           <a:prstGeom prst="rect">
             <a:avLst/>
@@ -2785,18 +2617,15 @@
             <a:normAutofit/>
           </a:bodyPr>
           <a:p>
-            <a:endParaRPr b="0" lang="en-US" sz="2800" spc="-1" strike="noStrike">
-              <a:solidFill>
-                <a:srgbClr val="000000"/>
-              </a:solidFill>
-              <a:latin typeface="Calibri"/>
-            </a:endParaRPr>
-          </a:p>
-        </p:txBody>
-      </p:sp>
-      <p:sp>
-        <p:nvSpPr>
-          <p:cNvPr id="24" name="PlaceHolder 3"/>
+            <a:endParaRPr b="0" lang="de-DE" sz="3200" spc="-1" strike="noStrike">
+              <a:latin typeface="Arial"/>
+            </a:endParaRPr>
+          </a:p>
+        </p:txBody>
+      </p:sp>
+      <p:sp>
+        <p:nvSpPr>
+          <p:cNvPr id="21" name="PlaceHolder 3"/>
           <p:cNvSpPr>
             <a:spLocks noGrp="1"/>
           </p:cNvSpPr>
@@ -2806,8 +2635,8 @@
         </p:nvSpPr>
         <p:spPr>
           <a:xfrm>
-            <a:off x="6226200" y="1825560"/>
-            <a:ext cx="5131080" cy="2075040"/>
+            <a:off x="6231960" y="1604520"/>
+            <a:ext cx="5354280" cy="1896840"/>
           </a:xfrm>
           <a:prstGeom prst="rect">
             <a:avLst/>
@@ -2818,18 +2647,15 @@
             <a:normAutofit/>
           </a:bodyPr>
           <a:p>
-            <a:endParaRPr b="0" lang="en-US" sz="2800" spc="-1" strike="noStrike">
-              <a:solidFill>
-                <a:srgbClr val="000000"/>
-              </a:solidFill>
-              <a:latin typeface="Calibri"/>
-            </a:endParaRPr>
-          </a:p>
-        </p:txBody>
-      </p:sp>
-      <p:sp>
-        <p:nvSpPr>
-          <p:cNvPr id="25" name="PlaceHolder 4"/>
+            <a:endParaRPr b="0" lang="de-DE" sz="3200" spc="-1" strike="noStrike">
+              <a:latin typeface="Arial"/>
+            </a:endParaRPr>
+          </a:p>
+        </p:txBody>
+      </p:sp>
+      <p:sp>
+        <p:nvSpPr>
+          <p:cNvPr id="22" name="PlaceHolder 4"/>
           <p:cNvSpPr>
             <a:spLocks noGrp="1"/>
           </p:cNvSpPr>
@@ -2839,8 +2665,8 @@
         </p:nvSpPr>
         <p:spPr>
           <a:xfrm>
-            <a:off x="838080" y="4098240"/>
-            <a:ext cx="10515240" cy="2075040"/>
+            <a:off x="609480" y="3682080"/>
+            <a:ext cx="10972440" cy="1896840"/>
           </a:xfrm>
           <a:prstGeom prst="rect">
             <a:avLst/>
@@ -2851,11 +2677,8 @@
             <a:normAutofit/>
           </a:bodyPr>
           <a:p>
-            <a:endParaRPr b="0" lang="en-US" sz="2800" spc="-1" strike="noStrike">
-              <a:solidFill>
-                <a:srgbClr val="000000"/>
-              </a:solidFill>
-              <a:latin typeface="Calibri"/>
+            <a:endParaRPr b="0" lang="de-DE" sz="3200" spc="-1" strike="noStrike">
+              <a:latin typeface="Arial"/>
             </a:endParaRPr>
           </a:p>
         </p:txBody>
@@ -2901,98 +2724,24 @@
         </p:nvSpPr>
         <p:spPr>
           <a:xfrm>
-            <a:off x="1523880" y="1122480"/>
-            <a:ext cx="9143640" cy="2387160"/>
-          </a:xfrm>
-          <a:prstGeom prst="rect">
-            <a:avLst/>
-          </a:prstGeom>
-        </p:spPr>
-        <p:txBody>
-          <a:bodyPr anchor="b"/>
-          <a:p>
-            <a:pPr algn="ctr">
-              <a:lnSpc>
-                <a:spcPct val="90000"/>
-              </a:lnSpc>
-            </a:pPr>
-            <a:r>
-              <a:rPr b="0" lang="en-US" sz="6000" spc="-1" strike="noStrike">
-                <a:solidFill>
-                  <a:srgbClr val="000000"/>
-                </a:solidFill>
-                <a:latin typeface="Calibri Light"/>
-              </a:rPr>
-              <a:t>Clic</a:t>
-            </a:r>
-            <a:r>
-              <a:rPr b="0" lang="en-US" sz="6000" spc="-1" strike="noStrike">
-                <a:solidFill>
-                  <a:srgbClr val="000000"/>
-                </a:solidFill>
-                <a:latin typeface="Calibri Light"/>
-              </a:rPr>
-              <a:t>k to </a:t>
-            </a:r>
-            <a:r>
-              <a:rPr b="0" lang="en-US" sz="6000" spc="-1" strike="noStrike">
-                <a:solidFill>
-                  <a:srgbClr val="000000"/>
-                </a:solidFill>
-                <a:latin typeface="Calibri Light"/>
-              </a:rPr>
-              <a:t>edit </a:t>
-            </a:r>
-            <a:r>
-              <a:rPr b="0" lang="en-US" sz="6000" spc="-1" strike="noStrike">
-                <a:solidFill>
-                  <a:srgbClr val="000000"/>
-                </a:solidFill>
-                <a:latin typeface="Calibri Light"/>
-              </a:rPr>
-              <a:t>Mas</a:t>
-            </a:r>
-            <a:r>
-              <a:rPr b="0" lang="en-US" sz="6000" spc="-1" strike="noStrike">
-                <a:solidFill>
-                  <a:srgbClr val="000000"/>
-                </a:solidFill>
-                <a:latin typeface="Calibri Light"/>
-              </a:rPr>
-              <a:t>ter </a:t>
-            </a:r>
-            <a:r>
-              <a:rPr b="0" lang="en-US" sz="6000" spc="-1" strike="noStrike">
-                <a:solidFill>
-                  <a:srgbClr val="000000"/>
-                </a:solidFill>
-                <a:latin typeface="Calibri Light"/>
-              </a:rPr>
-              <a:t>title </a:t>
-            </a:r>
-            <a:r>
-              <a:rPr b="0" lang="en-US" sz="6000" spc="-1" strike="noStrike">
-                <a:solidFill>
-                  <a:srgbClr val="000000"/>
-                </a:solidFill>
-                <a:latin typeface="Calibri Light"/>
-              </a:rPr>
-              <a:t>styl</a:t>
-            </a:r>
-            <a:r>
-              <a:rPr b="0" lang="en-US" sz="6000" spc="-1" strike="noStrike">
-                <a:solidFill>
-                  <a:srgbClr val="000000"/>
-                </a:solidFill>
-                <a:latin typeface="Calibri Light"/>
-              </a:rPr>
-              <a:t>e</a:t>
-            </a:r>
-            <a:endParaRPr b="0" lang="en-US" sz="6000" spc="-1" strike="noStrike">
-              <a:solidFill>
-                <a:srgbClr val="000000"/>
-              </a:solidFill>
-              <a:latin typeface="Calibri"/>
+            <a:off x="838080" y="365040"/>
+            <a:ext cx="10514880" cy="1324800"/>
+          </a:xfrm>
+          <a:prstGeom prst="rect">
+            <a:avLst/>
+          </a:prstGeom>
+        </p:spPr>
+        <p:txBody>
+          <a:bodyPr lIns="0" rIns="0" tIns="0" bIns="0" anchor="ctr"/>
+          <a:p>
+            <a:r>
+              <a:rPr b="0" lang="de-DE" sz="1800" spc="-1" strike="noStrike">
+                <a:latin typeface="Arial"/>
+              </a:rPr>
+              <a:t>Format des Titeltextes durch Klicken bearbeiten</a:t>
+            </a:r>
+            <a:endParaRPr b="0" lang="de-DE" sz="1800" spc="-1" strike="noStrike">
+              <a:latin typeface="Arial"/>
             </a:endParaRPr>
           </a:p>
         </p:txBody>
@@ -3000,118 +2749,6 @@
       <p:sp>
         <p:nvSpPr>
           <p:cNvPr id="1" name="PlaceHolder 2"/>
-          <p:cNvSpPr>
-            <a:spLocks noGrp="1"/>
-          </p:cNvSpPr>
-          <p:nvPr>
-            <p:ph type="dt"/>
-          </p:nvPr>
-        </p:nvSpPr>
-        <p:spPr>
-          <a:xfrm>
-            <a:off x="838080" y="6356520"/>
-            <a:ext cx="2742840" cy="364680"/>
-          </a:xfrm>
-          <a:prstGeom prst="rect">
-            <a:avLst/>
-          </a:prstGeom>
-        </p:spPr>
-        <p:txBody>
-          <a:bodyPr anchor="ctr"/>
-          <a:p>
-            <a:pPr>
-              <a:lnSpc>
-                <a:spcPct val="100000"/>
-              </a:lnSpc>
-            </a:pPr>
-            <a:fld id="{B4FB2FAD-BB4C-4968-9B0A-EBCB93098E69}" type="datetime">
-              <a:rPr b="0" lang="de-DE" sz="1200" spc="-1" strike="noStrike">
-                <a:solidFill>
-                  <a:srgbClr val="8b8b8b"/>
-                </a:solidFill>
-                <a:latin typeface="Calibri"/>
-              </a:rPr>
-              <a:t>22.03.19</a:t>
-            </a:fld>
-            <a:endParaRPr b="0" lang="de-DE" sz="1200" spc="-1" strike="noStrike">
-              <a:latin typeface="Times New Roman"/>
-            </a:endParaRPr>
-          </a:p>
-        </p:txBody>
-      </p:sp>
-      <p:sp>
-        <p:nvSpPr>
-          <p:cNvPr id="2" name="PlaceHolder 3"/>
-          <p:cNvSpPr>
-            <a:spLocks noGrp="1"/>
-          </p:cNvSpPr>
-          <p:nvPr>
-            <p:ph type="ftr"/>
-          </p:nvPr>
-        </p:nvSpPr>
-        <p:spPr>
-          <a:xfrm>
-            <a:off x="4038480" y="6356520"/>
-            <a:ext cx="4114440" cy="364680"/>
-          </a:xfrm>
-          <a:prstGeom prst="rect">
-            <a:avLst/>
-          </a:prstGeom>
-        </p:spPr>
-        <p:txBody>
-          <a:bodyPr anchor="ctr"/>
-          <a:p>
-            <a:endParaRPr b="0" lang="de-DE" sz="2400" spc="-1" strike="noStrike">
-              <a:latin typeface="Times New Roman"/>
-            </a:endParaRPr>
-          </a:p>
-        </p:txBody>
-      </p:sp>
-      <p:sp>
-        <p:nvSpPr>
-          <p:cNvPr id="3" name="PlaceHolder 4"/>
-          <p:cNvSpPr>
-            <a:spLocks noGrp="1"/>
-          </p:cNvSpPr>
-          <p:nvPr>
-            <p:ph type="sldNum"/>
-          </p:nvPr>
-        </p:nvSpPr>
-        <p:spPr>
-          <a:xfrm>
-            <a:off x="8610480" y="6356520"/>
-            <a:ext cx="2742840" cy="364680"/>
-          </a:xfrm>
-          <a:prstGeom prst="rect">
-            <a:avLst/>
-          </a:prstGeom>
-        </p:spPr>
-        <p:txBody>
-          <a:bodyPr anchor="ctr"/>
-          <a:p>
-            <a:pPr algn="r">
-              <a:lnSpc>
-                <a:spcPct val="100000"/>
-              </a:lnSpc>
-            </a:pPr>
-            <a:fld id="{2176C65A-BA95-415A-9B01-0E2501B1F42E}" type="slidenum">
-              <a:rPr b="0" lang="de-DE" sz="1200" spc="-1" strike="noStrike">
-                <a:solidFill>
-                  <a:srgbClr val="8b8b8b"/>
-                </a:solidFill>
-                <a:latin typeface="Calibri"/>
-              </a:rPr>
-              <a:t>&lt;Foliennummer&gt;</a:t>
-            </a:fld>
-            <a:endParaRPr b="0" lang="de-DE" sz="1200" spc="-1" strike="noStrike">
-              <a:latin typeface="Times New Roman"/>
-            </a:endParaRPr>
-          </a:p>
-        </p:txBody>
-      </p:sp>
-      <p:sp>
-        <p:nvSpPr>
-          <p:cNvPr id="4" name="PlaceHolder 5"/>
           <p:cNvSpPr>
             <a:spLocks noGrp="1"/>
           </p:cNvSpPr>
@@ -3145,19 +2782,13 @@
               <a:buChar char=""/>
             </a:pPr>
             <a:r>
-              <a:rPr b="0" lang="en-US" sz="2800" spc="-1" strike="noStrike">
-                <a:solidFill>
-                  <a:srgbClr val="000000"/>
-                </a:solidFill>
-                <a:latin typeface="Calibri"/>
+              <a:rPr b="0" lang="de-DE" sz="3200" spc="-1" strike="noStrike">
+                <a:latin typeface="Arial"/>
               </a:rPr>
               <a:t>Format des Gliederungstextes durch Klicken bearbeiten</a:t>
             </a:r>
-            <a:endParaRPr b="0" lang="en-US" sz="2800" spc="-1" strike="noStrike">
-              <a:solidFill>
-                <a:srgbClr val="000000"/>
-              </a:solidFill>
-              <a:latin typeface="Calibri"/>
+            <a:endParaRPr b="0" lang="de-DE" sz="3200" spc="-1" strike="noStrike">
+              <a:latin typeface="Arial"/>
             </a:endParaRPr>
           </a:p>
           <a:p>
@@ -3173,19 +2804,13 @@
               <a:buChar char=""/>
             </a:pPr>
             <a:r>
-              <a:rPr b="0" lang="en-US" sz="2000" spc="-1" strike="noStrike">
-                <a:solidFill>
-                  <a:srgbClr val="000000"/>
-                </a:solidFill>
-                <a:latin typeface="Calibri"/>
+              <a:rPr b="0" lang="de-DE" sz="2800" spc="-1" strike="noStrike">
+                <a:latin typeface="Arial"/>
               </a:rPr>
               <a:t>Zweite Gliederungsebene</a:t>
             </a:r>
-            <a:endParaRPr b="0" lang="en-US" sz="2000" spc="-1" strike="noStrike">
-              <a:solidFill>
-                <a:srgbClr val="000000"/>
-              </a:solidFill>
-              <a:latin typeface="Calibri"/>
+            <a:endParaRPr b="0" lang="de-DE" sz="2800" spc="-1" strike="noStrike">
+              <a:latin typeface="Arial"/>
             </a:endParaRPr>
           </a:p>
           <a:p>
@@ -3201,19 +2826,13 @@
               <a:buChar char=""/>
             </a:pPr>
             <a:r>
-              <a:rPr b="0" lang="en-US" sz="1800" spc="-1" strike="noStrike">
-                <a:solidFill>
-                  <a:srgbClr val="000000"/>
-                </a:solidFill>
-                <a:latin typeface="Calibri"/>
+              <a:rPr b="0" lang="de-DE" sz="2400" spc="-1" strike="noStrike">
+                <a:latin typeface="Arial"/>
               </a:rPr>
               <a:t>Dritte Gliederungsebene</a:t>
             </a:r>
-            <a:endParaRPr b="0" lang="en-US" sz="1800" spc="-1" strike="noStrike">
-              <a:solidFill>
-                <a:srgbClr val="000000"/>
-              </a:solidFill>
-              <a:latin typeface="Calibri"/>
+            <a:endParaRPr b="0" lang="de-DE" sz="2400" spc="-1" strike="noStrike">
+              <a:latin typeface="Arial"/>
             </a:endParaRPr>
           </a:p>
           <a:p>
@@ -3229,19 +2848,13 @@
               <a:buChar char=""/>
             </a:pPr>
             <a:r>
-              <a:rPr b="0" lang="en-US" sz="1800" spc="-1" strike="noStrike">
-                <a:solidFill>
-                  <a:srgbClr val="000000"/>
-                </a:solidFill>
-                <a:latin typeface="Calibri"/>
+              <a:rPr b="0" lang="de-DE" sz="2000" spc="-1" strike="noStrike">
+                <a:latin typeface="Arial"/>
               </a:rPr>
               <a:t>Vierte Gliederungsebene</a:t>
             </a:r>
-            <a:endParaRPr b="0" lang="en-US" sz="1800" spc="-1" strike="noStrike">
-              <a:solidFill>
-                <a:srgbClr val="000000"/>
-              </a:solidFill>
-              <a:latin typeface="Calibri"/>
+            <a:endParaRPr b="0" lang="de-DE" sz="2000" spc="-1" strike="noStrike">
+              <a:latin typeface="Arial"/>
             </a:endParaRPr>
           </a:p>
           <a:p>
@@ -3257,19 +2870,13 @@
               <a:buChar char=""/>
             </a:pPr>
             <a:r>
-              <a:rPr b="0" lang="en-US" sz="2000" spc="-1" strike="noStrike">
-                <a:solidFill>
-                  <a:srgbClr val="000000"/>
-                </a:solidFill>
-                <a:latin typeface="Calibri"/>
+              <a:rPr b="0" lang="de-DE" sz="2000" spc="-1" strike="noStrike">
+                <a:latin typeface="Arial"/>
               </a:rPr>
               <a:t>Fünfte Gliederungsebene</a:t>
             </a:r>
-            <a:endParaRPr b="0" lang="en-US" sz="2000" spc="-1" strike="noStrike">
-              <a:solidFill>
-                <a:srgbClr val="000000"/>
-              </a:solidFill>
-              <a:latin typeface="Calibri"/>
+            <a:endParaRPr b="0" lang="de-DE" sz="2000" spc="-1" strike="noStrike">
+              <a:latin typeface="Arial"/>
             </a:endParaRPr>
           </a:p>
           <a:p>
@@ -3285,19 +2892,13 @@
               <a:buChar char=""/>
             </a:pPr>
             <a:r>
-              <a:rPr b="0" lang="en-US" sz="2000" spc="-1" strike="noStrike">
-                <a:solidFill>
-                  <a:srgbClr val="000000"/>
-                </a:solidFill>
-                <a:latin typeface="Calibri"/>
+              <a:rPr b="0" lang="de-DE" sz="2000" spc="-1" strike="noStrike">
+                <a:latin typeface="Arial"/>
               </a:rPr>
               <a:t>Sechste Gliederungsebene</a:t>
             </a:r>
-            <a:endParaRPr b="0" lang="en-US" sz="2000" spc="-1" strike="noStrike">
-              <a:solidFill>
-                <a:srgbClr val="000000"/>
-              </a:solidFill>
-              <a:latin typeface="Calibri"/>
+            <a:endParaRPr b="0" lang="de-DE" sz="2000" spc="-1" strike="noStrike">
+              <a:latin typeface="Arial"/>
             </a:endParaRPr>
           </a:p>
           <a:p>
@@ -3313,19 +2914,13 @@
               <a:buChar char=""/>
             </a:pPr>
             <a:r>
-              <a:rPr b="0" lang="en-US" sz="2000" spc="-1" strike="noStrike">
-                <a:solidFill>
-                  <a:srgbClr val="000000"/>
-                </a:solidFill>
-                <a:latin typeface="Calibri"/>
+              <a:rPr b="0" lang="de-DE" sz="2000" spc="-1" strike="noStrike">
+                <a:latin typeface="Arial"/>
               </a:rPr>
               <a:t>Siebte Gliederungsebene</a:t>
             </a:r>
-            <a:endParaRPr b="0" lang="en-US" sz="2000" spc="-1" strike="noStrike">
-              <a:solidFill>
-                <a:srgbClr val="000000"/>
-              </a:solidFill>
-              <a:latin typeface="Calibri"/>
+            <a:endParaRPr b="0" lang="de-DE" sz="2000" spc="-1" strike="noStrike">
+              <a:latin typeface="Arial"/>
             </a:endParaRPr>
           </a:p>
         </p:txBody>
@@ -3376,7 +2971,7 @@
       </p:grpSpPr>
       <p:sp>
         <p:nvSpPr>
-          <p:cNvPr id="41" name="PlaceHolder 1"/>
+          <p:cNvPr id="38" name="PlaceHolder 1"/>
           <p:cNvSpPr>
             <a:spLocks noGrp="1"/>
           </p:cNvSpPr>
@@ -3386,42 +2981,32 @@
         </p:nvSpPr>
         <p:spPr>
           <a:xfrm>
-            <a:off x="838080" y="365040"/>
-            <a:ext cx="10515240" cy="1325160"/>
-          </a:xfrm>
-          <a:prstGeom prst="rect">
-            <a:avLst/>
-          </a:prstGeom>
-        </p:spPr>
-        <p:txBody>
-          <a:bodyPr anchor="ctr"/>
-          <a:p>
-            <a:pPr>
-              <a:lnSpc>
-                <a:spcPct val="90000"/>
-              </a:lnSpc>
-            </a:pPr>
-            <a:r>
-              <a:rPr b="0" lang="en-US" sz="4400" spc="-1" strike="noStrike">
-                <a:solidFill>
-                  <a:srgbClr val="000000"/>
-                </a:solidFill>
-                <a:latin typeface="Calibri Light"/>
-              </a:rPr>
-              <a:t>Click to edit Master title style</a:t>
-            </a:r>
-            <a:endParaRPr b="0" lang="en-US" sz="4400" spc="-1" strike="noStrike">
-              <a:solidFill>
-                <a:srgbClr val="000000"/>
-              </a:solidFill>
-              <a:latin typeface="Calibri"/>
-            </a:endParaRPr>
-          </a:p>
-        </p:txBody>
-      </p:sp>
-      <p:sp>
-        <p:nvSpPr>
-          <p:cNvPr id="42" name="PlaceHolder 2"/>
+            <a:off x="609480" y="273600"/>
+            <a:ext cx="10972440" cy="1144800"/>
+          </a:xfrm>
+          <a:prstGeom prst="rect">
+            <a:avLst/>
+          </a:prstGeom>
+        </p:spPr>
+        <p:txBody>
+          <a:bodyPr lIns="0" rIns="0" tIns="0" bIns="0" anchor="ctr"/>
+          <a:p>
+            <a:pPr algn="ctr"/>
+            <a:r>
+              <a:rPr b="0" lang="de-DE" sz="4400" spc="-1" strike="noStrike">
+                <a:latin typeface="Arial"/>
+              </a:rPr>
+              <a:t>Format des Titeltextes durch Klicken bearbeiten</a:t>
+            </a:r>
+            <a:endParaRPr b="0" lang="de-DE" sz="4400" spc="-1" strike="noStrike">
+              <a:latin typeface="Arial"/>
+            </a:endParaRPr>
+          </a:p>
+        </p:txBody>
+      </p:sp>
+      <p:sp>
+        <p:nvSpPr>
+          <p:cNvPr id="39" name="PlaceHolder 2"/>
           <p:cNvSpPr>
             <a:spLocks noGrp="1"/>
           </p:cNvSpPr>
@@ -3431,275 +3016,169 @@
         </p:nvSpPr>
         <p:spPr>
           <a:xfrm>
-            <a:off x="838080" y="1825560"/>
-            <a:ext cx="10515240" cy="4350960"/>
-          </a:xfrm>
-          <a:prstGeom prst="rect">
-            <a:avLst/>
-          </a:prstGeom>
-        </p:spPr>
-        <p:txBody>
-          <a:bodyPr/>
-          <a:p>
-            <a:pPr marL="228600" indent="-228240">
-              <a:lnSpc>
-                <a:spcPct val="90000"/>
-              </a:lnSpc>
+            <a:off x="609480" y="1604520"/>
+            <a:ext cx="10972440" cy="3977280"/>
+          </a:xfrm>
+          <a:prstGeom prst="rect">
+            <a:avLst/>
+          </a:prstGeom>
+        </p:spPr>
+        <p:txBody>
+          <a:bodyPr lIns="0" rIns="0" tIns="0" bIns="0">
+            <a:normAutofit/>
+          </a:bodyPr>
+          <a:p>
+            <a:pPr marL="432000" indent="-324000">
               <a:spcBef>
-                <a:spcPts val="1001"/>
+                <a:spcPts val="1417"/>
               </a:spcBef>
               <a:buClr>
                 <a:srgbClr val="000000"/>
               </a:buClr>
-              <a:buFont typeface="Arial"/>
-              <a:buChar char="•"/>
-            </a:pPr>
-            <a:r>
-              <a:rPr b="0" lang="en-US" sz="2800" spc="-1" strike="noStrike">
-                <a:solidFill>
-                  <a:srgbClr val="000000"/>
-                </a:solidFill>
-                <a:latin typeface="Calibri"/>
-              </a:rPr>
-              <a:t>Click to edit Master text styles</a:t>
-            </a:r>
-            <a:endParaRPr b="0" lang="en-US" sz="2800" spc="-1" strike="noStrike">
-              <a:solidFill>
-                <a:srgbClr val="000000"/>
-              </a:solidFill>
-              <a:latin typeface="Calibri"/>
-            </a:endParaRPr>
-          </a:p>
-          <a:p>
-            <a:pPr lvl="1" marL="685800" indent="-228240">
-              <a:lnSpc>
-                <a:spcPct val="90000"/>
-              </a:lnSpc>
+              <a:buSzPct val="45000"/>
+              <a:buFont typeface="Wingdings" charset="2"/>
+              <a:buChar char=""/>
+            </a:pPr>
+            <a:r>
+              <a:rPr b="0" lang="de-DE" sz="3200" spc="-1" strike="noStrike">
+                <a:latin typeface="Arial"/>
+              </a:rPr>
+              <a:t>Format des Gliederungstextes durch Klicken bearbeiten</a:t>
+            </a:r>
+            <a:endParaRPr b="0" lang="de-DE" sz="3200" spc="-1" strike="noStrike">
+              <a:latin typeface="Arial"/>
+            </a:endParaRPr>
+          </a:p>
+          <a:p>
+            <a:pPr lvl="1" marL="864000" indent="-324000">
               <a:spcBef>
-                <a:spcPts val="499"/>
+                <a:spcPts val="1134"/>
               </a:spcBef>
               <a:buClr>
                 <a:srgbClr val="000000"/>
               </a:buClr>
-              <a:buFont typeface="Arial"/>
-              <a:buChar char="•"/>
-            </a:pPr>
-            <a:r>
-              <a:rPr b="0" lang="en-US" sz="2400" spc="-1" strike="noStrike">
-                <a:solidFill>
-                  <a:srgbClr val="000000"/>
-                </a:solidFill>
-                <a:latin typeface="Calibri"/>
-              </a:rPr>
-              <a:t>Second level</a:t>
-            </a:r>
-            <a:endParaRPr b="0" lang="en-US" sz="2400" spc="-1" strike="noStrike">
-              <a:solidFill>
-                <a:srgbClr val="000000"/>
-              </a:solidFill>
-              <a:latin typeface="Calibri"/>
-            </a:endParaRPr>
-          </a:p>
-          <a:p>
-            <a:pPr lvl="2" marL="1143000" indent="-228240">
-              <a:lnSpc>
-                <a:spcPct val="90000"/>
-              </a:lnSpc>
+              <a:buSzPct val="75000"/>
+              <a:buFont typeface="Symbol" charset="2"/>
+              <a:buChar char=""/>
+            </a:pPr>
+            <a:r>
+              <a:rPr b="0" lang="de-DE" sz="2800" spc="-1" strike="noStrike">
+                <a:latin typeface="Arial"/>
+              </a:rPr>
+              <a:t>Zweite Gliederungsebene</a:t>
+            </a:r>
+            <a:endParaRPr b="0" lang="de-DE" sz="2800" spc="-1" strike="noStrike">
+              <a:latin typeface="Arial"/>
+            </a:endParaRPr>
+          </a:p>
+          <a:p>
+            <a:pPr lvl="2" marL="1296000" indent="-288000">
               <a:spcBef>
-                <a:spcPts val="499"/>
+                <a:spcPts val="850"/>
               </a:spcBef>
               <a:buClr>
                 <a:srgbClr val="000000"/>
               </a:buClr>
-              <a:buFont typeface="Arial"/>
-              <a:buChar char="•"/>
-            </a:pPr>
-            <a:r>
-              <a:rPr b="0" lang="en-US" sz="2000" spc="-1" strike="noStrike">
-                <a:solidFill>
-                  <a:srgbClr val="000000"/>
-                </a:solidFill>
-                <a:latin typeface="Calibri"/>
-              </a:rPr>
-              <a:t>Third level</a:t>
-            </a:r>
-            <a:endParaRPr b="0" lang="en-US" sz="2000" spc="-1" strike="noStrike">
-              <a:solidFill>
-                <a:srgbClr val="000000"/>
-              </a:solidFill>
-              <a:latin typeface="Calibri"/>
-            </a:endParaRPr>
-          </a:p>
-          <a:p>
-            <a:pPr lvl="3" marL="1600200" indent="-228240">
-              <a:lnSpc>
-                <a:spcPct val="90000"/>
-              </a:lnSpc>
+              <a:buSzPct val="45000"/>
+              <a:buFont typeface="Wingdings" charset="2"/>
+              <a:buChar char=""/>
+            </a:pPr>
+            <a:r>
+              <a:rPr b="0" lang="de-DE" sz="2400" spc="-1" strike="noStrike">
+                <a:latin typeface="Arial"/>
+              </a:rPr>
+              <a:t>Dritte Gliederungsebene</a:t>
+            </a:r>
+            <a:endParaRPr b="0" lang="de-DE" sz="2400" spc="-1" strike="noStrike">
+              <a:latin typeface="Arial"/>
+            </a:endParaRPr>
+          </a:p>
+          <a:p>
+            <a:pPr lvl="3" marL="1728000" indent="-216000">
               <a:spcBef>
-                <a:spcPts val="499"/>
+                <a:spcPts val="567"/>
               </a:spcBef>
               <a:buClr>
                 <a:srgbClr val="000000"/>
               </a:buClr>
-              <a:buFont typeface="Arial"/>
-              <a:buChar char="•"/>
-            </a:pPr>
-            <a:r>
-              <a:rPr b="0" lang="en-US" sz="1800" spc="-1" strike="noStrike">
-                <a:solidFill>
-                  <a:srgbClr val="000000"/>
-                </a:solidFill>
-                <a:latin typeface="Calibri"/>
-              </a:rPr>
-              <a:t>Fourth level</a:t>
-            </a:r>
-            <a:endParaRPr b="0" lang="en-US" sz="1800" spc="-1" strike="noStrike">
-              <a:solidFill>
-                <a:srgbClr val="000000"/>
-              </a:solidFill>
-              <a:latin typeface="Calibri"/>
-            </a:endParaRPr>
-          </a:p>
-          <a:p>
-            <a:pPr lvl="4" marL="2057400" indent="-228240">
-              <a:lnSpc>
-                <a:spcPct val="90000"/>
-              </a:lnSpc>
+              <a:buSzPct val="75000"/>
+              <a:buFont typeface="Symbol" charset="2"/>
+              <a:buChar char=""/>
+            </a:pPr>
+            <a:r>
+              <a:rPr b="0" lang="de-DE" sz="2000" spc="-1" strike="noStrike">
+                <a:latin typeface="Arial"/>
+              </a:rPr>
+              <a:t>Vierte Gliederungsebene</a:t>
+            </a:r>
+            <a:endParaRPr b="0" lang="de-DE" sz="2000" spc="-1" strike="noStrike">
+              <a:latin typeface="Arial"/>
+            </a:endParaRPr>
+          </a:p>
+          <a:p>
+            <a:pPr lvl="4" marL="2160000" indent="-216000">
               <a:spcBef>
-                <a:spcPts val="499"/>
+                <a:spcPts val="283"/>
               </a:spcBef>
               <a:buClr>
                 <a:srgbClr val="000000"/>
               </a:buClr>
-              <a:buFont typeface="Arial"/>
-              <a:buChar char="•"/>
-            </a:pPr>
-            <a:r>
-              <a:rPr b="0" lang="en-US" sz="1800" spc="-1" strike="noStrike">
-                <a:solidFill>
-                  <a:srgbClr val="000000"/>
-                </a:solidFill>
-                <a:latin typeface="Calibri"/>
-              </a:rPr>
-              <a:t>Fifth level</a:t>
-            </a:r>
-            <a:endParaRPr b="0" lang="en-US" sz="1800" spc="-1" strike="noStrike">
-              <a:solidFill>
+              <a:buSzPct val="45000"/>
+              <a:buFont typeface="Wingdings" charset="2"/>
+              <a:buChar char=""/>
+            </a:pPr>
+            <a:r>
+              <a:rPr b="0" lang="de-DE" sz="2000" spc="-1" strike="noStrike">
+                <a:latin typeface="Arial"/>
+              </a:rPr>
+              <a:t>Fünfte Gliederungsebene</a:t>
+            </a:r>
+            <a:endParaRPr b="0" lang="de-DE" sz="2000" spc="-1" strike="noStrike">
+              <a:latin typeface="Arial"/>
+            </a:endParaRPr>
+          </a:p>
+          <a:p>
+            <a:pPr lvl="5" marL="2592000" indent="-216000">
+              <a:spcBef>
+                <a:spcPts val="283"/>
+              </a:spcBef>
+              <a:buClr>
                 <a:srgbClr val="000000"/>
-              </a:solidFill>
-              <a:latin typeface="Calibri"/>
-            </a:endParaRPr>
-          </a:p>
-        </p:txBody>
-      </p:sp>
-      <p:sp>
-        <p:nvSpPr>
-          <p:cNvPr id="43" name="PlaceHolder 3"/>
-          <p:cNvSpPr>
-            <a:spLocks noGrp="1"/>
-          </p:cNvSpPr>
-          <p:nvPr>
-            <p:ph type="dt"/>
-          </p:nvPr>
-        </p:nvSpPr>
-        <p:spPr>
-          <a:xfrm>
-            <a:off x="838080" y="6356520"/>
-            <a:ext cx="2742840" cy="364680"/>
-          </a:xfrm>
-          <a:prstGeom prst="rect">
-            <a:avLst/>
-          </a:prstGeom>
-        </p:spPr>
-        <p:txBody>
-          <a:bodyPr anchor="ctr"/>
-          <a:p>
-            <a:pPr>
-              <a:lnSpc>
-                <a:spcPct val="100000"/>
-              </a:lnSpc>
-            </a:pPr>
-            <a:fld id="{35467088-B068-4F0E-A9CD-89F3775DD0AB}" type="datetime">
-              <a:rPr b="0" lang="de-DE" sz="1200" spc="-1" strike="noStrike">
-                <a:solidFill>
-                  <a:srgbClr val="8b8b8b"/>
-                </a:solidFill>
-                <a:latin typeface="Calibri"/>
-              </a:rPr>
-              <a:t>22.03.19</a:t>
-            </a:fld>
-            <a:endParaRPr b="0" lang="de-DE" sz="1200" spc="-1" strike="noStrike">
-              <a:latin typeface="Times New Roman"/>
-            </a:endParaRPr>
-          </a:p>
-        </p:txBody>
-      </p:sp>
-      <p:sp>
-        <p:nvSpPr>
-          <p:cNvPr id="44" name="PlaceHolder 4"/>
-          <p:cNvSpPr>
-            <a:spLocks noGrp="1"/>
-          </p:cNvSpPr>
-          <p:nvPr>
-            <p:ph type="ftr"/>
-          </p:nvPr>
-        </p:nvSpPr>
-        <p:spPr>
-          <a:xfrm>
-            <a:off x="4038480" y="6356520"/>
-            <a:ext cx="4114440" cy="364680"/>
-          </a:xfrm>
-          <a:prstGeom prst="rect">
-            <a:avLst/>
-          </a:prstGeom>
-        </p:spPr>
-        <p:txBody>
-          <a:bodyPr anchor="ctr"/>
-          <a:p>
-            <a:endParaRPr b="0" lang="de-DE" sz="2400" spc="-1" strike="noStrike">
-              <a:latin typeface="Times New Roman"/>
-            </a:endParaRPr>
-          </a:p>
-        </p:txBody>
-      </p:sp>
-      <p:sp>
-        <p:nvSpPr>
-          <p:cNvPr id="45" name="PlaceHolder 5"/>
-          <p:cNvSpPr>
-            <a:spLocks noGrp="1"/>
-          </p:cNvSpPr>
-          <p:nvPr>
-            <p:ph type="sldNum"/>
-          </p:nvPr>
-        </p:nvSpPr>
-        <p:spPr>
-          <a:xfrm>
-            <a:off x="8610480" y="6356520"/>
-            <a:ext cx="2742840" cy="364680"/>
-          </a:xfrm>
-          <a:prstGeom prst="rect">
-            <a:avLst/>
-          </a:prstGeom>
-        </p:spPr>
-        <p:txBody>
-          <a:bodyPr anchor="ctr"/>
-          <a:p>
-            <a:pPr algn="r">
-              <a:lnSpc>
-                <a:spcPct val="100000"/>
-              </a:lnSpc>
-            </a:pPr>
-            <a:fld id="{0F2A3B82-0985-4C32-A39C-917CF859BBA6}" type="slidenum">
-              <a:rPr b="0" lang="de-DE" sz="1200" spc="-1" strike="noStrike">
-                <a:solidFill>
-                  <a:srgbClr val="8b8b8b"/>
-                </a:solidFill>
-                <a:latin typeface="Calibri"/>
-              </a:rPr>
-              <a:t>&lt;Foliennummer&gt;</a:t>
-            </a:fld>
-            <a:endParaRPr b="0" lang="de-DE" sz="1200" spc="-1" strike="noStrike">
-              <a:latin typeface="Times New Roman"/>
+              </a:buClr>
+              <a:buSzPct val="45000"/>
+              <a:buFont typeface="Wingdings" charset="2"/>
+              <a:buChar char=""/>
+            </a:pPr>
+            <a:r>
+              <a:rPr b="0" lang="de-DE" sz="2000" spc="-1" strike="noStrike">
+                <a:latin typeface="Arial"/>
+              </a:rPr>
+              <a:t>Sechste Gliederungsebene</a:t>
+            </a:r>
+            <a:endParaRPr b="0" lang="de-DE" sz="2000" spc="-1" strike="noStrike">
+              <a:latin typeface="Arial"/>
+            </a:endParaRPr>
+          </a:p>
+          <a:p>
+            <a:pPr lvl="6" marL="3024000" indent="-216000">
+              <a:spcBef>
+                <a:spcPts val="283"/>
+              </a:spcBef>
+              <a:buClr>
+                <a:srgbClr val="000000"/>
+              </a:buClr>
+              <a:buSzPct val="45000"/>
+              <a:buFont typeface="Wingdings" charset="2"/>
+              <a:buChar char=""/>
+            </a:pPr>
+            <a:r>
+              <a:rPr b="0" lang="de-DE" sz="2000" spc="-1" strike="noStrike">
+                <a:latin typeface="Arial"/>
+              </a:rPr>
+              <a:t>Siebte Gliederungsebene</a:t>
+            </a:r>
+            <a:endParaRPr b="0" lang="de-DE" sz="2000" spc="-1" strike="noStrike">
+              <a:latin typeface="Arial"/>
             </a:endParaRPr>
           </a:p>
         </p:txBody>
@@ -3743,7 +3222,7 @@
       </p:grpSpPr>
       <p:pic>
         <p:nvPicPr>
-          <p:cNvPr id="82" name="Picture 4" descr=""/>
+          <p:cNvPr id="76" name="Picture 4" descr=""/>
           <p:cNvPicPr/>
           <p:nvPr/>
         </p:nvPicPr>
@@ -3754,7 +3233,7 @@
         <p:spPr>
           <a:xfrm>
             <a:off x="0" y="0"/>
-            <a:ext cx="12191760" cy="6857640"/>
+            <a:ext cx="12191400" cy="6857280"/>
           </a:xfrm>
           <a:prstGeom prst="rect">
             <a:avLst/>
@@ -3766,59 +3245,14 @@
       </p:pic>
       <p:sp>
         <p:nvSpPr>
-          <p:cNvPr id="83" name="TextShape 1"/>
-          <p:cNvSpPr txBox="1"/>
-          <p:nvPr/>
-        </p:nvSpPr>
-        <p:spPr>
-          <a:xfrm>
-            <a:off x="1523880" y="-374760"/>
-            <a:ext cx="9143640" cy="2387160"/>
-          </a:xfrm>
-          <a:prstGeom prst="rect">
-            <a:avLst/>
-          </a:prstGeom>
-          <a:noFill/>
-          <a:ln>
-            <a:noFill/>
-          </a:ln>
-        </p:spPr>
-        <p:txBody>
-          <a:bodyPr anchor="b"/>
-          <a:p>
-            <a:pPr algn="ctr">
-              <a:lnSpc>
-                <a:spcPct val="90000"/>
-              </a:lnSpc>
-            </a:pPr>
-            <a:r>
-              <a:rPr b="0" lang="en-US" sz="6000" spc="-1" strike="noStrike">
-                <a:solidFill>
-                  <a:srgbClr val="ff00ff"/>
-                </a:solidFill>
-                <a:latin typeface="Rockwell"/>
-              </a:rPr>
-              <a:t>Phase Transitions of Argon</a:t>
-            </a:r>
-            <a:endParaRPr b="0" lang="en-US" sz="6000" spc="-1" strike="noStrike">
-              <a:solidFill>
-                <a:srgbClr val="000000"/>
-              </a:solidFill>
-              <a:latin typeface="Calibri"/>
-            </a:endParaRPr>
-          </a:p>
-        </p:txBody>
-      </p:sp>
-      <p:sp>
-        <p:nvSpPr>
-          <p:cNvPr id="84" name="CustomShape 2"/>
+          <p:cNvPr id="77" name="CustomShape 1"/>
           <p:cNvSpPr/>
           <p:nvPr/>
         </p:nvSpPr>
         <p:spPr>
           <a:xfrm>
-            <a:off x="0" y="6488640"/>
-            <a:ext cx="7962480" cy="364680"/>
+            <a:off x="1523880" y="-374760"/>
+            <a:ext cx="9143280" cy="2386800"/>
           </a:xfrm>
           <a:prstGeom prst="rect">
             <a:avLst/>
@@ -3835,6 +3269,54 @@
           <a:fontRef idx="minor"/>
         </p:style>
         <p:txBody>
+          <a:bodyPr lIns="90000" rIns="90000" tIns="45000" bIns="45000" anchor="b"/>
+          <a:p>
+            <a:pPr algn="ctr">
+              <a:lnSpc>
+                <a:spcPct val="90000"/>
+              </a:lnSpc>
+            </a:pPr>
+            <a:r>
+              <a:rPr b="0" lang="de-DE" sz="6000" spc="-1" strike="noStrike">
+                <a:solidFill>
+                  <a:srgbClr val="ff00ff"/>
+                </a:solidFill>
+                <a:latin typeface="Rockwell"/>
+              </a:rPr>
+              <a:t>Phase Transitions of Argon</a:t>
+            </a:r>
+            <a:endParaRPr b="0" lang="de-DE" sz="6000" spc="-1" strike="noStrike">
+              <a:latin typeface="Arial"/>
+            </a:endParaRPr>
+          </a:p>
+        </p:txBody>
+      </p:sp>
+      <p:sp>
+        <p:nvSpPr>
+          <p:cNvPr id="78" name="CustomShape 2"/>
+          <p:cNvSpPr/>
+          <p:nvPr/>
+        </p:nvSpPr>
+        <p:spPr>
+          <a:xfrm>
+            <a:off x="0" y="6488640"/>
+            <a:ext cx="7962120" cy="364320"/>
+          </a:xfrm>
+          <a:prstGeom prst="rect">
+            <a:avLst/>
+          </a:prstGeom>
+          <a:noFill/>
+          <a:ln>
+            <a:noFill/>
+          </a:ln>
+        </p:spPr>
+        <p:style>
+          <a:lnRef idx="0"/>
+          <a:fillRef idx="0"/>
+          <a:effectRef idx="0"/>
+          <a:fontRef idx="minor"/>
+        </p:style>
+        <p:txBody>
           <a:bodyPr lIns="90000" rIns="90000" tIns="45000" bIns="45000"/>
           <a:p>
             <a:pPr>
@@ -3848,6 +3330,7 @@
                   <a:srgbClr val="ffffff"/>
                 </a:solidFill>
                 <a:latin typeface="Calibri"/>
+                <a:ea typeface="DejaVu Sans"/>
               </a:rPr>
               <a:t>Argon Wikipedia</a:t>
             </a:r>
@@ -3866,6 +3349,997 @@
           <p:childTnLst>
             <p:seq>
               <p:cTn id="2" dur="indefinite" nodeType="mainSeq"/>
+              <p:prevCondLst>
+                <p:cond delay="0" evt="onPrev">
+                  <p:tgtEl>
+                    <p:sldTgt/>
+                  </p:tgtEl>
+                </p:cond>
+              </p:prevCondLst>
+              <p:nextCondLst>
+                <p:cond delay="0" evt="onNext">
+                  <p:tgtEl>
+                    <p:sldTgt/>
+                  </p:tgtEl>
+                </p:cond>
+              </p:nextCondLst>
+            </p:seq>
+          </p:childTnLst>
+        </p:cTn>
+      </p:par>
+    </p:tnLst>
+  </p:timing>
+</p:sld>
+</file>
+
+<file path=ppt/slides/slide10.xml><?xml version="1.0" encoding="utf-8"?>
+<p:sld xmlns:a="http://schemas.openxmlformats.org/drawingml/2006/main" xmlns:p="http://schemas.openxmlformats.org/presentationml/2006/main" xmlns:r="http://schemas.openxmlformats.org/officeDocument/2006/relationships" xmlns:p14="http://schemas.microsoft.com/office/powerpoint/2010/main" xmlns:p15="http://schemas.microsoft.com/office/powerpoint/2012/main" xmlns:mc="http://schemas.openxmlformats.org/markup-compatibility/2006">
+  <p:cSld>
+    <p:bg>
+      <p:bgPr>
+        <a:solidFill>
+          <a:srgbClr val="ffe699"/>
+        </a:solidFill>
+      </p:bgPr>
+    </p:bg>
+    <p:spTree>
+      <p:nvGrpSpPr>
+        <p:cNvPr id="1" name=""/>
+        <p:cNvGrpSpPr/>
+        <p:nvPr/>
+      </p:nvGrpSpPr>
+      <p:grpSpPr>
+        <a:xfrm>
+          <a:off x="0" y="0"/>
+          <a:ext cx="0" cy="0"/>
+          <a:chOff x="0" y="0"/>
+          <a:chExt cx="0" cy="0"/>
+        </a:xfrm>
+      </p:grpSpPr>
+      <p:sp>
+        <p:nvSpPr>
+          <p:cNvPr id="119" name="CustomShape 1"/>
+          <p:cNvSpPr/>
+          <p:nvPr/>
+        </p:nvSpPr>
+        <p:spPr>
+          <a:xfrm>
+            <a:off x="437040" y="274320"/>
+            <a:ext cx="10017000" cy="760320"/>
+          </a:xfrm>
+          <a:prstGeom prst="rect">
+            <a:avLst/>
+          </a:prstGeom>
+          <a:noFill/>
+          <a:ln>
+            <a:noFill/>
+          </a:ln>
+        </p:spPr>
+        <p:style>
+          <a:lnRef idx="0"/>
+          <a:fillRef idx="0"/>
+          <a:effectRef idx="0"/>
+          <a:fontRef idx="minor"/>
+        </p:style>
+        <p:txBody>
+          <a:bodyPr lIns="90000" rIns="90000" tIns="45000" bIns="45000"/>
+          <a:p>
+            <a:pPr>
+              <a:lnSpc>
+                <a:spcPct val="100000"/>
+              </a:lnSpc>
+            </a:pPr>
+            <a:r>
+              <a:rPr b="0" lang="de-DE" sz="4400" spc="-1" strike="noStrike" u="sng">
+                <a:solidFill>
+                  <a:srgbClr val="000000"/>
+                </a:solidFill>
+                <a:uFillTx/>
+                <a:latin typeface="Calibri"/>
+                <a:ea typeface="DejaVu Sans"/>
+              </a:rPr>
+              <a:t>Heat up (fluid → gas) </a:t>
+            </a:r>
+            <a:endParaRPr b="0" lang="de-DE" sz="4400" spc="-1" strike="noStrike">
+              <a:latin typeface="Arial"/>
+            </a:endParaRPr>
+          </a:p>
+        </p:txBody>
+      </p:sp>
+      <p:sp>
+        <p:nvSpPr>
+          <p:cNvPr id="120" name="CustomShape 2"/>
+          <p:cNvSpPr/>
+          <p:nvPr/>
+        </p:nvSpPr>
+        <p:spPr>
+          <a:xfrm>
+            <a:off x="648000" y="3910680"/>
+            <a:ext cx="7203600" cy="2708640"/>
+          </a:xfrm>
+          <a:prstGeom prst="rect">
+            <a:avLst/>
+          </a:prstGeom>
+          <a:noFill/>
+          <a:ln>
+            <a:noFill/>
+          </a:ln>
+        </p:spPr>
+        <p:style>
+          <a:lnRef idx="0"/>
+          <a:fillRef idx="0"/>
+          <a:effectRef idx="0"/>
+          <a:fontRef idx="minor"/>
+        </p:style>
+        <p:txBody>
+          <a:bodyPr lIns="90000" rIns="90000" tIns="45000" bIns="45000"/>
+          <a:p>
+            <a:pPr marL="457200" indent="-456480">
+              <a:lnSpc>
+                <a:spcPct val="100000"/>
+              </a:lnSpc>
+              <a:buClr>
+                <a:srgbClr val="000000"/>
+              </a:buClr>
+              <a:buFont typeface="Arial"/>
+              <a:buChar char="•"/>
+            </a:pPr>
+            <a:r>
+              <a:rPr b="0" lang="de-DE" sz="2800" spc="-1" strike="noStrike">
+                <a:solidFill>
+                  <a:srgbClr val="000000"/>
+                </a:solidFill>
+                <a:latin typeface="Calibri"/>
+                <a:ea typeface="DejaVu Sans"/>
+              </a:rPr>
+              <a:t>Conditions</a:t>
+            </a:r>
+            <a:r>
+              <a:rPr b="0" lang="de-DE" sz="3200" spc="-1" strike="noStrike">
+                <a:solidFill>
+                  <a:srgbClr val="000000"/>
+                </a:solidFill>
+                <a:latin typeface="Calibri"/>
+                <a:ea typeface="DejaVu Sans"/>
+              </a:rPr>
+              <a:t>:</a:t>
+            </a:r>
+            <a:endParaRPr b="0" lang="de-DE" sz="3200" spc="-1" strike="noStrike">
+              <a:latin typeface="Arial"/>
+            </a:endParaRPr>
+          </a:p>
+          <a:p>
+            <a:pPr lvl="5" marL="1296000" indent="-215640">
+              <a:lnSpc>
+                <a:spcPct val="100000"/>
+              </a:lnSpc>
+              <a:buClr>
+                <a:srgbClr val="000000"/>
+              </a:buClr>
+              <a:buSzPct val="45000"/>
+              <a:buFont typeface="Wingdings" charset="2"/>
+              <a:buChar char=""/>
+            </a:pPr>
+            <a:r>
+              <a:rPr b="0" lang="de-DE" sz="2800" spc="-1" strike="noStrike">
+                <a:solidFill>
+                  <a:srgbClr val="000000"/>
+                </a:solidFill>
+                <a:latin typeface="Calibri"/>
+                <a:ea typeface="DejaVu Sans"/>
+              </a:rPr>
+              <a:t>controled: atom count (fixed), volume (fixed) &amp; tempreature (increasing: 50 → 125°K)</a:t>
+            </a:r>
+            <a:endParaRPr b="0" lang="de-DE" sz="2800" spc="-1" strike="noStrike">
+              <a:latin typeface="Arial"/>
+            </a:endParaRPr>
+          </a:p>
+          <a:p>
+            <a:pPr lvl="5" marL="1296000" indent="-215640">
+              <a:lnSpc>
+                <a:spcPct val="100000"/>
+              </a:lnSpc>
+              <a:buClr>
+                <a:srgbClr val="000000"/>
+              </a:buClr>
+              <a:buSzPct val="45000"/>
+              <a:buFont typeface="Wingdings" charset="2"/>
+              <a:buChar char=""/>
+            </a:pPr>
+            <a:r>
+              <a:rPr b="0" lang="de-DE" sz="2800" spc="-1" strike="noStrike">
+                <a:solidFill>
+                  <a:srgbClr val="000000"/>
+                </a:solidFill>
+                <a:latin typeface="Calibri"/>
+                <a:ea typeface="DejaVu Sans"/>
+              </a:rPr>
+              <a:t>Variable: pressure</a:t>
+            </a:r>
+            <a:endParaRPr b="0" lang="de-DE" sz="2800" spc="-1" strike="noStrike">
+              <a:latin typeface="Arial"/>
+            </a:endParaRPr>
+          </a:p>
+          <a:p>
+            <a:pPr lvl="5" marL="1296000" indent="-215640">
+              <a:lnSpc>
+                <a:spcPct val="100000"/>
+              </a:lnSpc>
+              <a:buClr>
+                <a:srgbClr val="000000"/>
+              </a:buClr>
+              <a:buSzPct val="45000"/>
+              <a:buFont typeface="Wingdings" charset="2"/>
+              <a:buChar char=""/>
+            </a:pPr>
+            <a:r>
+              <a:rPr b="0" lang="de-DE" sz="2800" spc="-1" strike="noStrike">
+                <a:solidFill>
+                  <a:srgbClr val="000000"/>
+                </a:solidFill>
+                <a:latin typeface="Calibri"/>
+                <a:ea typeface="DejaVu Sans"/>
+              </a:rPr>
+              <a:t>Time: 5000 picoseconds </a:t>
+            </a:r>
+            <a:endParaRPr b="0" lang="de-DE" sz="2800" spc="-1" strike="noStrike">
+              <a:latin typeface="Arial"/>
+            </a:endParaRPr>
+          </a:p>
+        </p:txBody>
+      </p:sp>
+      <p:pic>
+        <p:nvPicPr>
+          <p:cNvPr id="121" name="" descr=""/>
+          <p:cNvPicPr/>
+          <p:nvPr/>
+        </p:nvPicPr>
+        <p:blipFill>
+          <a:blip r:embed="rId1"/>
+          <a:stretch/>
+        </p:blipFill>
+        <p:spPr>
+          <a:xfrm>
+            <a:off x="684000" y="1097640"/>
+            <a:ext cx="3419640" cy="2718000"/>
+          </a:xfrm>
+          <a:prstGeom prst="rect">
+            <a:avLst/>
+          </a:prstGeom>
+          <a:ln>
+            <a:noFill/>
+          </a:ln>
+        </p:spPr>
+      </p:pic>
+      <p:pic>
+        <p:nvPicPr>
+          <p:cNvPr id="122" name="" descr=""/>
+          <p:cNvPicPr/>
+          <p:nvPr/>
+        </p:nvPicPr>
+        <p:blipFill>
+          <a:blip r:embed="rId2"/>
+          <a:stretch/>
+        </p:blipFill>
+        <p:spPr>
+          <a:xfrm>
+            <a:off x="4248000" y="1094760"/>
+            <a:ext cx="3455640" cy="2746440"/>
+          </a:xfrm>
+          <a:prstGeom prst="rect">
+            <a:avLst/>
+          </a:prstGeom>
+          <a:ln>
+            <a:noFill/>
+          </a:ln>
+        </p:spPr>
+      </p:pic>
+      <p:pic>
+        <p:nvPicPr>
+          <p:cNvPr id="123" name="" descr=""/>
+          <p:cNvPicPr/>
+          <p:nvPr/>
+        </p:nvPicPr>
+        <p:blipFill>
+          <a:blip r:embed="rId3"/>
+          <a:stretch/>
+        </p:blipFill>
+        <p:spPr>
+          <a:xfrm>
+            <a:off x="7851960" y="1116000"/>
+            <a:ext cx="3456360" cy="2746800"/>
+          </a:xfrm>
+          <a:prstGeom prst="rect">
+            <a:avLst/>
+          </a:prstGeom>
+          <a:ln>
+            <a:noFill/>
+          </a:ln>
+        </p:spPr>
+      </p:pic>
+      <p:sp>
+        <p:nvSpPr>
+          <p:cNvPr id="124" name="CustomShape 3"/>
+          <p:cNvSpPr/>
+          <p:nvPr/>
+        </p:nvSpPr>
+        <p:spPr>
+          <a:xfrm>
+            <a:off x="8064000" y="4320000"/>
+            <a:ext cx="3455640" cy="2303640"/>
+          </a:xfrm>
+          <a:prstGeom prst="rect">
+            <a:avLst/>
+          </a:prstGeom>
+          <a:solidFill>
+            <a:srgbClr val="729fcf"/>
+          </a:solidFill>
+          <a:ln>
+            <a:solidFill>
+              <a:srgbClr val="3465a4"/>
+            </a:solidFill>
+          </a:ln>
+        </p:spPr>
+        <p:style>
+          <a:lnRef idx="0"/>
+          <a:fillRef idx="0"/>
+          <a:effectRef idx="0"/>
+          <a:fontRef idx="minor"/>
+        </p:style>
+        <p:txBody>
+          <a:bodyPr wrap="none" lIns="90000" rIns="90000" tIns="45000" bIns="45000" anchor="ctr"/>
+          <a:p>
+            <a:pPr algn="ctr">
+              <a:lnSpc>
+                <a:spcPct val="100000"/>
+              </a:lnSpc>
+            </a:pPr>
+            <a:r>
+              <a:rPr b="0" lang="de-DE" sz="1800" spc="-1" strike="noStrike">
+                <a:solidFill>
+                  <a:srgbClr val="000000"/>
+                </a:solidFill>
+                <a:latin typeface="Arial"/>
+                <a:ea typeface="DejaVu Sans"/>
+              </a:rPr>
+              <a:t>VIDEO</a:t>
+            </a:r>
+            <a:endParaRPr b="0" lang="de-DE" sz="1800" spc="-1" strike="noStrike">
+              <a:latin typeface="Arial"/>
+            </a:endParaRPr>
+          </a:p>
+        </p:txBody>
+      </p:sp>
+    </p:spTree>
+  </p:cSld>
+  <p:timing>
+    <p:tnLst>
+      <p:par>
+        <p:cTn id="19" dur="indefinite" restart="never" nodeType="tmRoot">
+          <p:childTnLst>
+            <p:seq>
+              <p:cTn id="20" dur="indefinite" nodeType="mainSeq"/>
+              <p:prevCondLst>
+                <p:cond delay="0" evt="onPrev">
+                  <p:tgtEl>
+                    <p:sldTgt/>
+                  </p:tgtEl>
+                </p:cond>
+              </p:prevCondLst>
+              <p:nextCondLst>
+                <p:cond delay="0" evt="onNext">
+                  <p:tgtEl>
+                    <p:sldTgt/>
+                  </p:tgtEl>
+                </p:cond>
+              </p:nextCondLst>
+            </p:seq>
+          </p:childTnLst>
+        </p:cTn>
+      </p:par>
+    </p:tnLst>
+  </p:timing>
+</p:sld>
+</file>
+
+<file path=ppt/slides/slide11.xml><?xml version="1.0" encoding="utf-8"?>
+<p:sld xmlns:a="http://schemas.openxmlformats.org/drawingml/2006/main" xmlns:p="http://schemas.openxmlformats.org/presentationml/2006/main" xmlns:r="http://schemas.openxmlformats.org/officeDocument/2006/relationships" xmlns:p14="http://schemas.microsoft.com/office/powerpoint/2010/main" xmlns:p15="http://schemas.microsoft.com/office/powerpoint/2012/main" xmlns:mc="http://schemas.openxmlformats.org/markup-compatibility/2006">
+  <p:cSld>
+    <p:bg>
+      <p:bgPr>
+        <a:solidFill>
+          <a:srgbClr val="ffe699"/>
+        </a:solidFill>
+      </p:bgPr>
+    </p:bg>
+    <p:spTree>
+      <p:nvGrpSpPr>
+        <p:cNvPr id="1" name=""/>
+        <p:cNvGrpSpPr/>
+        <p:nvPr/>
+      </p:nvGrpSpPr>
+      <p:grpSpPr>
+        <a:xfrm>
+          <a:off x="0" y="0"/>
+          <a:ext cx="0" cy="0"/>
+          <a:chOff x="0" y="0"/>
+          <a:chExt cx="0" cy="0"/>
+        </a:xfrm>
+      </p:grpSpPr>
+      <p:sp>
+        <p:nvSpPr>
+          <p:cNvPr id="125" name="CustomShape 1"/>
+          <p:cNvSpPr/>
+          <p:nvPr/>
+        </p:nvSpPr>
+        <p:spPr>
+          <a:xfrm>
+            <a:off x="437040" y="274320"/>
+            <a:ext cx="10017000" cy="760320"/>
+          </a:xfrm>
+          <a:prstGeom prst="rect">
+            <a:avLst/>
+          </a:prstGeom>
+          <a:noFill/>
+          <a:ln>
+            <a:noFill/>
+          </a:ln>
+        </p:spPr>
+        <p:style>
+          <a:lnRef idx="0"/>
+          <a:fillRef idx="0"/>
+          <a:effectRef idx="0"/>
+          <a:fontRef idx="minor"/>
+        </p:style>
+        <p:txBody>
+          <a:bodyPr lIns="90000" rIns="90000" tIns="45000" bIns="45000"/>
+          <a:p>
+            <a:pPr>
+              <a:lnSpc>
+                <a:spcPct val="100000"/>
+              </a:lnSpc>
+            </a:pPr>
+            <a:r>
+              <a:rPr b="0" lang="de-DE" sz="4400" spc="-1" strike="noStrike" u="sng">
+                <a:solidFill>
+                  <a:srgbClr val="000000"/>
+                </a:solidFill>
+                <a:uFillTx/>
+                <a:latin typeface="Calibri"/>
+                <a:ea typeface="DejaVu Sans"/>
+              </a:rPr>
+              <a:t>Outlook</a:t>
+            </a:r>
+            <a:endParaRPr b="0" lang="de-DE" sz="4400" spc="-1" strike="noStrike">
+              <a:latin typeface="Arial"/>
+            </a:endParaRPr>
+          </a:p>
+        </p:txBody>
+      </p:sp>
+      <p:sp>
+        <p:nvSpPr>
+          <p:cNvPr id="126" name="CustomShape 2"/>
+          <p:cNvSpPr/>
+          <p:nvPr/>
+        </p:nvSpPr>
+        <p:spPr>
+          <a:xfrm>
+            <a:off x="648000" y="1296000"/>
+            <a:ext cx="8711640" cy="3012480"/>
+          </a:xfrm>
+          <a:prstGeom prst="rect">
+            <a:avLst/>
+          </a:prstGeom>
+          <a:noFill/>
+          <a:ln>
+            <a:noFill/>
+          </a:ln>
+        </p:spPr>
+        <p:style>
+          <a:lnRef idx="0"/>
+          <a:fillRef idx="0"/>
+          <a:effectRef idx="0"/>
+          <a:fontRef idx="minor"/>
+        </p:style>
+        <p:txBody>
+          <a:bodyPr lIns="90000" rIns="90000" tIns="45000" bIns="45000"/>
+          <a:p>
+            <a:pPr>
+              <a:lnSpc>
+                <a:spcPct val="100000"/>
+              </a:lnSpc>
+            </a:pPr>
+            <a:r>
+              <a:rPr b="0" lang="de-DE" sz="3200" spc="-1" strike="noStrike">
+                <a:solidFill>
+                  <a:srgbClr val="000000"/>
+                </a:solidFill>
+                <a:latin typeface="Calibri"/>
+                <a:ea typeface="DejaVu Sans"/>
+              </a:rPr>
+              <a:t>Enhence Argon project:</a:t>
+            </a:r>
+            <a:endParaRPr b="0" lang="de-DE" sz="3200" spc="-1" strike="noStrike">
+              <a:latin typeface="Arial"/>
+            </a:endParaRPr>
+          </a:p>
+          <a:p>
+            <a:pPr lvl="6" marL="1512000" indent="-215640">
+              <a:lnSpc>
+                <a:spcPct val="100000"/>
+              </a:lnSpc>
+              <a:buClr>
+                <a:srgbClr val="000000"/>
+              </a:buClr>
+              <a:buSzPct val="45000"/>
+              <a:buFont typeface="Wingdings" charset="2"/>
+              <a:buChar char=""/>
+            </a:pPr>
+            <a:r>
+              <a:rPr b="0" lang="de-DE" sz="3200" spc="-1" strike="noStrike">
+                <a:solidFill>
+                  <a:srgbClr val="000000"/>
+                </a:solidFill>
+                <a:latin typeface="Calibri"/>
+                <a:ea typeface="DejaVu Sans"/>
+              </a:rPr>
+              <a:t>Observe longer time period</a:t>
+            </a:r>
+            <a:endParaRPr b="0" lang="de-DE" sz="3200" spc="-1" strike="noStrike">
+              <a:latin typeface="Arial"/>
+            </a:endParaRPr>
+          </a:p>
+          <a:p>
+            <a:pPr lvl="6" marL="1512000" indent="-215640">
+              <a:lnSpc>
+                <a:spcPct val="100000"/>
+              </a:lnSpc>
+              <a:buClr>
+                <a:srgbClr val="000000"/>
+              </a:buClr>
+              <a:buSzPct val="45000"/>
+              <a:buFont typeface="Wingdings" charset="2"/>
+              <a:buChar char=""/>
+            </a:pPr>
+            <a:r>
+              <a:rPr b="0" lang="de-DE" sz="3200" spc="-1" strike="noStrike">
+                <a:solidFill>
+                  <a:srgbClr val="000000"/>
+                </a:solidFill>
+                <a:latin typeface="Calibri"/>
+                <a:ea typeface="DejaVu Sans"/>
+              </a:rPr>
+              <a:t>Simulate: gas → fluid → solid or </a:t>
+            </a:r>
+            <a:br/>
+            <a:r>
+              <a:rPr b="0" lang="de-DE" sz="3200" spc="-1" strike="noStrike">
+                <a:solidFill>
+                  <a:srgbClr val="000000"/>
+                </a:solidFill>
+                <a:latin typeface="Calibri"/>
+                <a:ea typeface="DejaVu Sans"/>
+              </a:rPr>
+              <a:t>solid → fluid → gas</a:t>
+            </a:r>
+            <a:endParaRPr b="0" lang="de-DE" sz="3200" spc="-1" strike="noStrike">
+              <a:latin typeface="Arial"/>
+            </a:endParaRPr>
+          </a:p>
+          <a:p>
+            <a:pPr lvl="6" marL="1512000" indent="-215640">
+              <a:lnSpc>
+                <a:spcPct val="100000"/>
+              </a:lnSpc>
+              <a:buClr>
+                <a:srgbClr val="000000"/>
+              </a:buClr>
+              <a:buSzPct val="45000"/>
+              <a:buFont typeface="Wingdings" charset="2"/>
+              <a:buChar char=""/>
+            </a:pPr>
+            <a:r>
+              <a:rPr b="0" lang="de-DE" sz="3200" spc="-1" strike="noStrike">
+                <a:solidFill>
+                  <a:srgbClr val="000000"/>
+                </a:solidFill>
+                <a:latin typeface="Calibri"/>
+                <a:ea typeface="DejaVu Sans"/>
+              </a:rPr>
+              <a:t>Use different ensemble: NTP</a:t>
+            </a:r>
+            <a:endParaRPr b="0" lang="de-DE" sz="3200" spc="-1" strike="noStrike">
+              <a:latin typeface="Arial"/>
+            </a:endParaRPr>
+          </a:p>
+          <a:p>
+            <a:pPr marL="457200" indent="-456480">
+              <a:lnSpc>
+                <a:spcPct val="100000"/>
+              </a:lnSpc>
+              <a:buClr>
+                <a:srgbClr val="000000"/>
+              </a:buClr>
+              <a:buFont typeface="Arial"/>
+              <a:buChar char="•"/>
+            </a:pPr>
+            <a:r>
+              <a:rPr b="0" lang="de-DE" sz="3200" spc="-1" strike="noStrike">
+                <a:solidFill>
+                  <a:srgbClr val="000000"/>
+                </a:solidFill>
+                <a:latin typeface="Calibri"/>
+                <a:ea typeface="DejaVu Sans"/>
+              </a:rPr>
+              <a:t>Simulate different Atoms</a:t>
+            </a:r>
+            <a:endParaRPr b="0" lang="de-DE" sz="3200" spc="-1" strike="noStrike">
+              <a:latin typeface="Arial"/>
+            </a:endParaRPr>
+          </a:p>
+        </p:txBody>
+      </p:sp>
+    </p:spTree>
+  </p:cSld>
+  <p:timing>
+    <p:tnLst>
+      <p:par>
+        <p:cTn id="21" dur="indefinite" restart="never" nodeType="tmRoot">
+          <p:childTnLst>
+            <p:seq>
+              <p:cTn id="22" dur="indefinite" nodeType="mainSeq"/>
+              <p:prevCondLst>
+                <p:cond delay="0" evt="onPrev">
+                  <p:tgtEl>
+                    <p:sldTgt/>
+                  </p:tgtEl>
+                </p:cond>
+              </p:prevCondLst>
+              <p:nextCondLst>
+                <p:cond delay="0" evt="onNext">
+                  <p:tgtEl>
+                    <p:sldTgt/>
+                  </p:tgtEl>
+                </p:cond>
+              </p:nextCondLst>
+            </p:seq>
+          </p:childTnLst>
+        </p:cTn>
+      </p:par>
+    </p:tnLst>
+  </p:timing>
+</p:sld>
+</file>
+
+<file path=ppt/slides/slide12.xml><?xml version="1.0" encoding="utf-8"?>
+<p:sld xmlns:a="http://schemas.openxmlformats.org/drawingml/2006/main" xmlns:p="http://schemas.openxmlformats.org/presentationml/2006/main" xmlns:r="http://schemas.openxmlformats.org/officeDocument/2006/relationships" xmlns:p14="http://schemas.microsoft.com/office/powerpoint/2010/main" xmlns:p15="http://schemas.microsoft.com/office/powerpoint/2012/main" xmlns:mc="http://schemas.openxmlformats.org/markup-compatibility/2006">
+  <p:cSld>
+    <p:bg>
+      <p:bgPr>
+        <a:solidFill>
+          <a:srgbClr val="ffe699"/>
+        </a:solidFill>
+      </p:bgPr>
+    </p:bg>
+    <p:spTree>
+      <p:nvGrpSpPr>
+        <p:cNvPr id="1" name=""/>
+        <p:cNvGrpSpPr/>
+        <p:nvPr/>
+      </p:nvGrpSpPr>
+      <p:grpSpPr>
+        <a:xfrm>
+          <a:off x="0" y="0"/>
+          <a:ext cx="0" cy="0"/>
+          <a:chOff x="0" y="0"/>
+          <a:chExt cx="0" cy="0"/>
+        </a:xfrm>
+      </p:grpSpPr>
+      <p:sp>
+        <p:nvSpPr>
+          <p:cNvPr id="127" name="CustomShape 1"/>
+          <p:cNvSpPr/>
+          <p:nvPr/>
+        </p:nvSpPr>
+        <p:spPr>
+          <a:xfrm>
+            <a:off x="437040" y="274320"/>
+            <a:ext cx="10017000" cy="760320"/>
+          </a:xfrm>
+          <a:prstGeom prst="rect">
+            <a:avLst/>
+          </a:prstGeom>
+          <a:noFill/>
+          <a:ln>
+            <a:noFill/>
+          </a:ln>
+        </p:spPr>
+        <p:style>
+          <a:lnRef idx="0"/>
+          <a:fillRef idx="0"/>
+          <a:effectRef idx="0"/>
+          <a:fontRef idx="minor"/>
+        </p:style>
+        <p:txBody>
+          <a:bodyPr lIns="90000" rIns="90000" tIns="45000" bIns="45000"/>
+          <a:p>
+            <a:pPr>
+              <a:lnSpc>
+                <a:spcPct val="100000"/>
+              </a:lnSpc>
+            </a:pPr>
+            <a:r>
+              <a:rPr b="0" lang="de-DE" sz="4400" spc="-1" strike="noStrike" u="sng">
+                <a:solidFill>
+                  <a:srgbClr val="000000"/>
+                </a:solidFill>
+                <a:uFillTx/>
+                <a:latin typeface="Calibri"/>
+                <a:ea typeface="DejaVu Sans"/>
+              </a:rPr>
+              <a:t>Bibliography</a:t>
+            </a:r>
+            <a:endParaRPr b="0" lang="de-DE" sz="4400" spc="-1" strike="noStrike">
+              <a:latin typeface="Arial"/>
+            </a:endParaRPr>
+          </a:p>
+        </p:txBody>
+      </p:sp>
+      <p:sp>
+        <p:nvSpPr>
+          <p:cNvPr id="128" name="CustomShape 2"/>
+          <p:cNvSpPr/>
+          <p:nvPr/>
+        </p:nvSpPr>
+        <p:spPr>
+          <a:xfrm>
+            <a:off x="761040" y="1906200"/>
+            <a:ext cx="7203600" cy="4355640"/>
+          </a:xfrm>
+          <a:prstGeom prst="rect">
+            <a:avLst/>
+          </a:prstGeom>
+          <a:noFill/>
+          <a:ln>
+            <a:noFill/>
+          </a:ln>
+        </p:spPr>
+        <p:style>
+          <a:lnRef idx="0"/>
+          <a:fillRef idx="0"/>
+          <a:effectRef idx="0"/>
+          <a:fontRef idx="minor"/>
+        </p:style>
+        <p:txBody>
+          <a:bodyPr lIns="90000" rIns="90000" tIns="45000" bIns="45000"/>
+          <a:p>
+            <a:pPr>
+              <a:lnSpc>
+                <a:spcPct val="100000"/>
+              </a:lnSpc>
+            </a:pPr>
+            <a:r>
+              <a:rPr b="0" lang="de-DE" sz="3200" spc="-1" strike="noStrike">
+                <a:solidFill>
+                  <a:srgbClr val="000000"/>
+                </a:solidFill>
+                <a:latin typeface="Calibri"/>
+                <a:ea typeface="DejaVu Sans"/>
+              </a:rPr>
+              <a:t>- Tutorial: </a:t>
+            </a:r>
+            <a:r>
+              <a:rPr b="0" lang="de-DE" sz="3200" spc="-1" strike="noStrike">
+                <a:solidFill>
+                  <a:srgbClr val="000000"/>
+                </a:solidFill>
+                <a:latin typeface="Calibri"/>
+                <a:ea typeface="DejaVu Sans"/>
+                <a:hlinkClick r:id="rId1"/>
+              </a:rPr>
+              <a:t>http://cmb.bio.uni-goettingen.de/pract/p1/</a:t>
+            </a:r>
+            <a:endParaRPr b="0" lang="de-DE" sz="3200" spc="-1" strike="noStrike">
+              <a:latin typeface="Arial"/>
+            </a:endParaRPr>
+          </a:p>
+          <a:p>
+            <a:pPr>
+              <a:lnSpc>
+                <a:spcPct val="100000"/>
+              </a:lnSpc>
+            </a:pPr>
+            <a:r>
+              <a:rPr b="0" lang="de-DE" sz="3200" spc="-1" strike="noStrike">
+                <a:solidFill>
+                  <a:srgbClr val="000000"/>
+                </a:solidFill>
+                <a:latin typeface="Calibri"/>
+                <a:ea typeface="DejaVu Sans"/>
+              </a:rPr>
+              <a:t>- Introduction to molecular dynamics: </a:t>
+            </a:r>
+            <a:r>
+              <a:rPr b="0" lang="de-DE" sz="3200" spc="-1" strike="noStrike">
+                <a:solidFill>
+                  <a:srgbClr val="000000"/>
+                </a:solidFill>
+                <a:latin typeface="Calibri"/>
+                <a:ea typeface="DejaVu Sans"/>
+                <a:hlinkClick r:id="rId2"/>
+              </a:rPr>
+              <a:t>https://www.neutron-sciences.org/articles/sfn/pdf/2011/01/sfn201112009.pdf</a:t>
+            </a:r>
+            <a:endParaRPr b="0" lang="de-DE" sz="3200" spc="-1" strike="noStrike">
+              <a:latin typeface="Arial"/>
+            </a:endParaRPr>
+          </a:p>
+          <a:p>
+            <a:pPr>
+              <a:lnSpc>
+                <a:spcPct val="100000"/>
+              </a:lnSpc>
+            </a:pPr>
+            <a:r>
+              <a:rPr b="0" lang="de-DE" sz="3200" spc="-1" strike="noStrike">
+                <a:solidFill>
+                  <a:srgbClr val="000000"/>
+                </a:solidFill>
+                <a:latin typeface="Calibri"/>
+                <a:ea typeface="DejaVu Sans"/>
+              </a:rPr>
+              <a:t>- </a:t>
+            </a:r>
+            <a:endParaRPr b="0" lang="de-DE" sz="3200" spc="-1" strike="noStrike">
+              <a:latin typeface="Arial"/>
+            </a:endParaRPr>
+          </a:p>
+          <a:p>
+            <a:pPr>
+              <a:lnSpc>
+                <a:spcPct val="100000"/>
+              </a:lnSpc>
+            </a:pPr>
+            <a:endParaRPr b="0" lang="de-DE" sz="3200" spc="-1" strike="noStrike">
+              <a:latin typeface="Arial"/>
+            </a:endParaRPr>
+          </a:p>
+          <a:p>
+            <a:pPr>
+              <a:lnSpc>
+                <a:spcPct val="100000"/>
+              </a:lnSpc>
+            </a:pPr>
+            <a:r>
+              <a:rPr b="0" lang="de-DE" sz="2400" spc="-1" strike="noStrike">
+                <a:solidFill>
+                  <a:srgbClr val="000000"/>
+                </a:solidFill>
+                <a:latin typeface="Calibri"/>
+                <a:ea typeface="DejaVu Sans"/>
+              </a:rPr>
+              <a:t>- used programs: GROMACS (</a:t>
+            </a:r>
+            <a:r>
+              <a:rPr b="0" lang="de-DE" sz="2400" spc="-1" strike="noStrike">
+                <a:solidFill>
+                  <a:srgbClr val="000000"/>
+                </a:solidFill>
+                <a:latin typeface="Calibri"/>
+                <a:ea typeface="DejaVu Sans"/>
+                <a:hlinkClick r:id="rId3"/>
+              </a:rPr>
+              <a:t>http://www.gromacs.org/</a:t>
+            </a:r>
+            <a:r>
+              <a:rPr b="0" lang="de-DE" sz="2400" spc="-1" strike="noStrike">
+                <a:solidFill>
+                  <a:srgbClr val="000000"/>
+                </a:solidFill>
+                <a:latin typeface="Calibri"/>
+                <a:ea typeface="DejaVu Sans"/>
+              </a:rPr>
+              <a:t>), VMD (</a:t>
+            </a:r>
+            <a:r>
+              <a:rPr b="0" lang="de-DE" sz="2400" spc="-1" strike="noStrike">
+                <a:solidFill>
+                  <a:srgbClr val="000000"/>
+                </a:solidFill>
+                <a:latin typeface="Calibri"/>
+                <a:ea typeface="DejaVu Sans"/>
+                <a:hlinkClick r:id="rId4"/>
+              </a:rPr>
+              <a:t>https://www.ks.uiuc.edu/Research/vmd/</a:t>
+            </a:r>
+            <a:r>
+              <a:rPr b="0" lang="de-DE" sz="2400" spc="-1" strike="noStrike">
+                <a:solidFill>
+                  <a:srgbClr val="000000"/>
+                </a:solidFill>
+                <a:latin typeface="Calibri"/>
+                <a:ea typeface="DejaVu Sans"/>
+              </a:rPr>
+              <a:t>), pymol (</a:t>
+            </a:r>
+            <a:r>
+              <a:rPr b="0" lang="de-DE" sz="2400" spc="-1" strike="noStrike">
+                <a:solidFill>
+                  <a:srgbClr val="000000"/>
+                </a:solidFill>
+                <a:latin typeface="Calibri"/>
+                <a:ea typeface="DejaVu Sans"/>
+                <a:hlinkClick r:id="rId5"/>
+              </a:rPr>
+              <a:t>https://pymol.org/2/</a:t>
+            </a:r>
+            <a:r>
+              <a:rPr b="0" lang="de-DE" sz="2400" spc="-1" strike="noStrike">
+                <a:solidFill>
+                  <a:srgbClr val="000000"/>
+                </a:solidFill>
+                <a:latin typeface="Calibri"/>
+                <a:ea typeface="DejaVu Sans"/>
+              </a:rPr>
+              <a:t>), R (</a:t>
+            </a:r>
+            <a:r>
+              <a:rPr b="0" lang="de-DE" sz="2400" spc="-1" strike="noStrike">
+                <a:solidFill>
+                  <a:srgbClr val="000000"/>
+                </a:solidFill>
+                <a:latin typeface="Calibri"/>
+                <a:ea typeface="DejaVu Sans"/>
+                <a:hlinkClick r:id="rId6"/>
+              </a:rPr>
+              <a:t>https://www.r-project.org/</a:t>
+            </a:r>
+            <a:r>
+              <a:rPr b="0" lang="de-DE" sz="2400" spc="-1" strike="noStrike">
+                <a:solidFill>
+                  <a:srgbClr val="000000"/>
+                </a:solidFill>
+                <a:latin typeface="Calibri"/>
+                <a:ea typeface="DejaVu Sans"/>
+              </a:rPr>
+              <a:t>), ggplot2 (</a:t>
+            </a:r>
+            <a:r>
+              <a:rPr b="0" lang="de-DE" sz="2400" spc="-1" strike="noStrike">
+                <a:solidFill>
+                  <a:srgbClr val="000000"/>
+                </a:solidFill>
+                <a:latin typeface="Calibri"/>
+                <a:ea typeface="DejaVu Sans"/>
+                <a:hlinkClick r:id="rId7"/>
+              </a:rPr>
+              <a:t>https://ggplot2.tidyverse.org/</a:t>
+            </a:r>
+            <a:r>
+              <a:rPr b="0" lang="de-DE" sz="2400" spc="-1" strike="noStrike">
+                <a:solidFill>
+                  <a:srgbClr val="000000"/>
+                </a:solidFill>
+                <a:latin typeface="Calibri"/>
+                <a:ea typeface="DejaVu Sans"/>
+              </a:rPr>
+              <a:t>) </a:t>
+            </a:r>
+            <a:endParaRPr b="0" lang="de-DE" sz="2400" spc="-1" strike="noStrike">
+              <a:latin typeface="Arial"/>
+            </a:endParaRPr>
+          </a:p>
+        </p:txBody>
+      </p:sp>
+    </p:spTree>
+  </p:cSld>
+  <p:timing>
+    <p:tnLst>
+      <p:par>
+        <p:cTn id="23" dur="indefinite" restart="never" nodeType="tmRoot">
+          <p:childTnLst>
+            <p:seq>
+              <p:cTn id="24" dur="indefinite" nodeType="mainSeq"/>
               <p:prevCondLst>
                 <p:cond delay="0" evt="onPrev">
                   <p:tgtEl>
@@ -3915,14 +4389,14 @@
       </p:grpSpPr>
       <p:sp>
         <p:nvSpPr>
-          <p:cNvPr id="85" name="CustomShape 1"/>
+          <p:cNvPr id="79" name="CustomShape 1"/>
           <p:cNvSpPr/>
           <p:nvPr/>
         </p:nvSpPr>
         <p:spPr>
           <a:xfrm>
             <a:off x="437040" y="274320"/>
-            <a:ext cx="10017360" cy="760680"/>
+            <a:ext cx="10017000" cy="760320"/>
           </a:xfrm>
           <a:prstGeom prst="rect">
             <a:avLst/>
@@ -3953,6 +4427,7 @@
                 </a:solidFill>
                 <a:uFillTx/>
                 <a:latin typeface="Calibri"/>
+                <a:ea typeface="DejaVu Sans"/>
               </a:rPr>
               <a:t>Core Concept</a:t>
             </a:r>
@@ -3964,7 +4439,7 @@
       </p:sp>
       <p:pic>
         <p:nvPicPr>
-          <p:cNvPr id="86" name="Picture 3" descr=""/>
+          <p:cNvPr id="80" name="Picture 3" descr=""/>
           <p:cNvPicPr/>
           <p:nvPr/>
         </p:nvPicPr>
@@ -3975,7 +4450,7 @@
         <p:spPr>
           <a:xfrm>
             <a:off x="5132160" y="1440000"/>
-            <a:ext cx="6819840" cy="4702680"/>
+            <a:ext cx="6819480" cy="4702320"/>
           </a:xfrm>
           <a:prstGeom prst="rect">
             <a:avLst/>
@@ -3987,14 +4462,14 @@
       </p:pic>
       <p:sp>
         <p:nvSpPr>
-          <p:cNvPr id="87" name="CustomShape 2"/>
+          <p:cNvPr id="81" name="CustomShape 2"/>
           <p:cNvSpPr/>
           <p:nvPr/>
         </p:nvSpPr>
         <p:spPr>
           <a:xfrm>
             <a:off x="5112000" y="6191640"/>
-            <a:ext cx="6768000" cy="333720"/>
+            <a:ext cx="6767640" cy="333360"/>
           </a:xfrm>
           <a:prstGeom prst="rect">
             <a:avLst/>
@@ -4024,6 +4499,7 @@
                   <a:srgbClr val="000000"/>
                 </a:solidFill>
                 <a:latin typeface="Calibri"/>
+                <a:ea typeface="DejaVu Sans"/>
               </a:rPr>
               <a:t>R. Casiday and R. Frey, Washington University</a:t>
             </a:r>
@@ -4035,14 +4511,14 @@
       </p:sp>
       <p:sp>
         <p:nvSpPr>
-          <p:cNvPr id="88" name="CustomShape 3"/>
+          <p:cNvPr id="82" name="CustomShape 3"/>
           <p:cNvSpPr/>
           <p:nvPr/>
         </p:nvSpPr>
         <p:spPr>
           <a:xfrm>
             <a:off x="154440" y="1497240"/>
-            <a:ext cx="5544720" cy="3746520"/>
+            <a:ext cx="5544360" cy="3746160"/>
           </a:xfrm>
           <a:prstGeom prst="rect">
             <a:avLst/>
@@ -4061,7 +4537,7 @@
         <p:txBody>
           <a:bodyPr lIns="90000" rIns="90000" tIns="45000" bIns="45000"/>
           <a:p>
-            <a:pPr marL="457200" indent="-456840">
+            <a:pPr marL="457200" indent="-456480">
               <a:lnSpc>
                 <a:spcPct val="100000"/>
               </a:lnSpc>
@@ -4077,6 +4553,7 @@
                   <a:srgbClr val="000000"/>
                 </a:solidFill>
                 <a:latin typeface="Calibri"/>
+                <a:ea typeface="DejaVu Sans"/>
               </a:rPr>
               <a:t>Simulate phase transition of substance</a:t>
             </a:r>
@@ -4095,7 +4572,7 @@
             </a:endParaRPr>
           </a:p>
           <a:p>
-            <a:pPr marL="457200" indent="-456840">
+            <a:pPr marL="457200" indent="-456480">
               <a:lnSpc>
                 <a:spcPct val="100000"/>
               </a:lnSpc>
@@ -4111,6 +4588,7 @@
                   <a:srgbClr val="000000"/>
                 </a:solidFill>
                 <a:latin typeface="Calibri"/>
+                <a:ea typeface="DejaVu Sans"/>
               </a:rPr>
               <a:t>Observe potential energy changes</a:t>
             </a:r>
@@ -4178,14 +4656,14 @@
       </p:grpSpPr>
       <p:sp>
         <p:nvSpPr>
-          <p:cNvPr id="89" name="CustomShape 1"/>
+          <p:cNvPr id="83" name="CustomShape 1"/>
           <p:cNvSpPr/>
           <p:nvPr/>
         </p:nvSpPr>
         <p:spPr>
           <a:xfrm>
             <a:off x="437040" y="274320"/>
-            <a:ext cx="10017360" cy="760680"/>
+            <a:ext cx="10017000" cy="760320"/>
           </a:xfrm>
           <a:prstGeom prst="rect">
             <a:avLst/>
@@ -4216,6 +4694,7 @@
                 </a:solidFill>
                 <a:uFillTx/>
                 <a:latin typeface="Calibri"/>
+                <a:ea typeface="DejaVu Sans"/>
               </a:rPr>
               <a:t>Argon</a:t>
             </a:r>
@@ -4227,14 +4706,14 @@
       </p:sp>
       <p:sp>
         <p:nvSpPr>
-          <p:cNvPr id="90" name="CustomShape 2"/>
+          <p:cNvPr id="84" name="CustomShape 2"/>
           <p:cNvSpPr/>
           <p:nvPr/>
         </p:nvSpPr>
         <p:spPr>
           <a:xfrm>
             <a:off x="1131480" y="1408680"/>
-            <a:ext cx="7203960" cy="5574960"/>
+            <a:ext cx="7203600" cy="5574600"/>
           </a:xfrm>
           <a:prstGeom prst="rect">
             <a:avLst/>
@@ -4253,7 +4732,7 @@
         <p:txBody>
           <a:bodyPr lIns="90000" rIns="90000" tIns="45000" bIns="45000"/>
           <a:p>
-            <a:pPr marL="457200" indent="-456840">
+            <a:pPr marL="457200" indent="-456480">
               <a:lnSpc>
                 <a:spcPct val="100000"/>
               </a:lnSpc>
@@ -4269,6 +4748,7 @@
                   <a:srgbClr val="000000"/>
                 </a:solidFill>
                 <a:latin typeface="Calibri"/>
+                <a:ea typeface="DejaVu Sans"/>
               </a:rPr>
               <a:t>Noble gas </a:t>
             </a:r>
@@ -4278,6 +4758,7 @@
                   <a:srgbClr val="000000"/>
                 </a:solidFill>
                 <a:latin typeface="Wingdings"/>
+                <a:ea typeface="DejaVu Sans"/>
               </a:rPr>
               <a:t></a:t>
             </a:r>
@@ -4287,6 +4768,7 @@
                   <a:srgbClr val="000000"/>
                 </a:solidFill>
                 <a:latin typeface="Calibri"/>
+                <a:ea typeface="DejaVu Sans"/>
               </a:rPr>
               <a:t> inert</a:t>
             </a:r>
@@ -4305,7 +4787,7 @@
             </a:endParaRPr>
           </a:p>
           <a:p>
-            <a:pPr marL="457200" indent="-456840">
+            <a:pPr marL="457200" indent="-456480">
               <a:lnSpc>
                 <a:spcPct val="100000"/>
               </a:lnSpc>
@@ -4321,6 +4803,7 @@
                   <a:srgbClr val="000000"/>
                 </a:solidFill>
                 <a:latin typeface="Calibri"/>
+                <a:ea typeface="DejaVu Sans"/>
               </a:rPr>
               <a:t>Does not react</a:t>
             </a:r>
@@ -4339,7 +4822,7 @@
             </a:endParaRPr>
           </a:p>
           <a:p>
-            <a:pPr marL="457200" indent="-456840">
+            <a:pPr marL="457200" indent="-456480">
               <a:lnSpc>
                 <a:spcPct val="100000"/>
               </a:lnSpc>
@@ -4355,6 +4838,7 @@
                   <a:srgbClr val="000000"/>
                 </a:solidFill>
                 <a:latin typeface="Calibri"/>
+                <a:ea typeface="DejaVu Sans"/>
               </a:rPr>
               <a:t>Monoatomic in all phases</a:t>
             </a:r>
@@ -4373,7 +4857,7 @@
             </a:endParaRPr>
           </a:p>
           <a:p>
-            <a:pPr marL="457200" indent="-456840">
+            <a:pPr marL="457200" indent="-456480">
               <a:lnSpc>
                 <a:spcPct val="100000"/>
               </a:lnSpc>
@@ -4389,6 +4873,7 @@
                   <a:srgbClr val="000000"/>
                 </a:solidFill>
                 <a:latin typeface="Calibri"/>
+                <a:ea typeface="DejaVu Sans"/>
               </a:rPr>
               <a:t>Simple Force-Field</a:t>
             </a:r>
@@ -4397,7 +4882,17 @@
             </a:endParaRPr>
           </a:p>
           <a:p>
-            <a:pPr marL="457200" indent="-456840">
+            <a:pPr>
+              <a:lnSpc>
+                <a:spcPct val="100000"/>
+              </a:lnSpc>
+            </a:pPr>
+            <a:endParaRPr b="0" lang="de-DE" sz="4000" spc="-1" strike="noStrike">
+              <a:latin typeface="Arial"/>
+            </a:endParaRPr>
+          </a:p>
+          <a:p>
+            <a:pPr marL="457200" indent="-456480">
               <a:lnSpc>
                 <a:spcPct val="100000"/>
               </a:lnSpc>
@@ -4407,27 +4902,13 @@
               <a:buFont typeface="Arial"/>
               <a:buChar char="•"/>
             </a:pPr>
-            <a:endParaRPr b="0" lang="de-DE" sz="4000" spc="-1" strike="noStrike">
-              <a:latin typeface="Arial"/>
-            </a:endParaRPr>
-          </a:p>
-          <a:p>
-            <a:pPr marL="457200" indent="-456840">
-              <a:lnSpc>
-                <a:spcPct val="100000"/>
-              </a:lnSpc>
-              <a:buClr>
-                <a:srgbClr val="000000"/>
-              </a:buClr>
-              <a:buFont typeface="Arial"/>
-              <a:buChar char="•"/>
-            </a:pPr>
             <a:r>
               <a:rPr b="0" lang="de-DE" sz="4000" spc="-1" strike="noStrike">
                 <a:solidFill>
                   <a:srgbClr val="000000"/>
                 </a:solidFill>
                 <a:latin typeface="Calibri"/>
+                <a:ea typeface="DejaVu Sans"/>
               </a:rPr>
               <a:t>apolar</a:t>
             </a:r>
@@ -4439,7 +4920,7 @@
       </p:sp>
       <p:pic>
         <p:nvPicPr>
-          <p:cNvPr id="91" name="Picture 2" descr=""/>
+          <p:cNvPr id="85" name="Picture 2" descr=""/>
           <p:cNvPicPr/>
           <p:nvPr/>
         </p:nvPicPr>
@@ -4450,7 +4931,7 @@
         <p:spPr>
           <a:xfrm>
             <a:off x="9648000" y="241560"/>
-            <a:ext cx="2210760" cy="2944080"/>
+            <a:ext cx="2210400" cy="2943720"/>
           </a:xfrm>
           <a:prstGeom prst="rect">
             <a:avLst/>
@@ -4462,7 +4943,7 @@
       </p:pic>
       <p:pic>
         <p:nvPicPr>
-          <p:cNvPr id="92" name="" descr=""/>
+          <p:cNvPr id="86" name="" descr=""/>
           <p:cNvPicPr/>
           <p:nvPr/>
         </p:nvPicPr>
@@ -4473,7 +4954,7 @@
         <p:spPr>
           <a:xfrm>
             <a:off x="8856000" y="3384000"/>
-            <a:ext cx="2907000" cy="2907000"/>
+            <a:ext cx="2906640" cy="2906640"/>
           </a:xfrm>
           <a:prstGeom prst="rect">
             <a:avLst/>
@@ -4485,14 +4966,14 @@
       </p:pic>
       <p:sp>
         <p:nvSpPr>
-          <p:cNvPr id="93" name="TextShape 3"/>
-          <p:cNvSpPr txBox="1"/>
+          <p:cNvPr id="87" name="CustomShape 3"/>
+          <p:cNvSpPr/>
           <p:nvPr/>
         </p:nvSpPr>
         <p:spPr>
           <a:xfrm>
             <a:off x="8208000" y="6048000"/>
-            <a:ext cx="3984120" cy="602280"/>
+            <a:ext cx="3983760" cy="601920"/>
           </a:xfrm>
           <a:prstGeom prst="rect">
             <a:avLst/>
@@ -4502,11 +4983,26 @@
             <a:noFill/>
           </a:ln>
         </p:spPr>
+        <p:style>
+          <a:lnRef idx="0"/>
+          <a:fillRef idx="0"/>
+          <a:effectRef idx="0"/>
+          <a:fontRef idx="minor"/>
+        </p:style>
         <p:txBody>
           <a:bodyPr lIns="90000" rIns="90000" tIns="45000" bIns="45000"/>
           <a:p>
-            <a:r>
-              <a:rPr b="0" lang="de-DE" sz="1800" spc="-1" strike="noStrike">
+            <a:pPr>
+              <a:lnSpc>
+                <a:spcPct val="100000"/>
+              </a:lnSpc>
+            </a:pPr>
+            <a:r>
+              <a:rPr b="0" lang="de-DE" sz="1800" spc="-1" strike="noStrike" u="sng">
+                <a:solidFill>
+                  <a:srgbClr val="0563c1"/>
+                </a:solidFill>
+                <a:uFillTx/>
                 <a:latin typeface="Arial"/>
                 <a:hlinkClick r:id="rId3"/>
               </a:rPr>
@@ -4514,6 +5010,9 @@
             </a:r>
             <a:r>
               <a:rPr b="0" lang="de-DE" sz="1800" spc="-1" strike="noStrike">
+                <a:solidFill>
+                  <a:srgbClr val="0563c1"/>
+                </a:solidFill>
                 <a:latin typeface="Arial"/>
               </a:rPr>
               <a:t> </a:t>
@@ -4582,14 +5081,14 @@
       </p:grpSpPr>
       <p:sp>
         <p:nvSpPr>
-          <p:cNvPr id="94" name="CustomShape 1"/>
+          <p:cNvPr id="88" name="CustomShape 1"/>
           <p:cNvSpPr/>
           <p:nvPr/>
         </p:nvSpPr>
         <p:spPr>
           <a:xfrm>
             <a:off x="437040" y="274320"/>
-            <a:ext cx="10017360" cy="760680"/>
+            <a:ext cx="10017000" cy="760320"/>
           </a:xfrm>
           <a:prstGeom prst="rect">
             <a:avLst/>
@@ -4620,6 +5119,7 @@
                 </a:solidFill>
                 <a:uFillTx/>
                 <a:latin typeface="Calibri"/>
+                <a:ea typeface="DejaVu Sans"/>
               </a:rPr>
               <a:t>Force-Field</a:t>
             </a:r>
@@ -4631,14 +5131,14 @@
       </p:sp>
       <p:sp>
         <p:nvSpPr>
-          <p:cNvPr id="95" name="CustomShape 2"/>
+          <p:cNvPr id="89" name="CustomShape 2"/>
           <p:cNvSpPr/>
           <p:nvPr/>
         </p:nvSpPr>
         <p:spPr>
           <a:xfrm>
             <a:off x="761040" y="1906200"/>
-            <a:ext cx="7203960" cy="4355280"/>
+            <a:ext cx="7203600" cy="4354920"/>
           </a:xfrm>
           <a:prstGeom prst="rect">
             <a:avLst/>
@@ -4657,7 +5157,7 @@
         <p:txBody>
           <a:bodyPr lIns="90000" rIns="90000" tIns="45000" bIns="45000"/>
           <a:p>
-            <a:pPr marL="457200" indent="-456840">
+            <a:pPr marL="457200" indent="-456480">
               <a:lnSpc>
                 <a:spcPct val="100000"/>
               </a:lnSpc>
@@ -4673,6 +5173,7 @@
                   <a:srgbClr val="000000"/>
                 </a:solidFill>
                 <a:latin typeface="Calibri"/>
+                <a:ea typeface="DejaVu Sans"/>
               </a:rPr>
               <a:t>Pauli-Repulsion</a:t>
             </a:r>
@@ -4681,7 +5182,7 @@
             </a:endParaRPr>
           </a:p>
           <a:p>
-            <a:pPr lvl="1" marL="914400" indent="-456840">
+            <a:pPr lvl="1" marL="914400" indent="-456480">
               <a:lnSpc>
                 <a:spcPct val="100000"/>
               </a:lnSpc>
@@ -4697,6 +5198,7 @@
                   <a:srgbClr val="000000"/>
                 </a:solidFill>
                 <a:latin typeface="Calibri"/>
+                <a:ea typeface="DejaVu Sans"/>
               </a:rPr>
               <a:t>Prevents overlapping</a:t>
             </a:r>
@@ -4715,7 +5217,7 @@
             </a:endParaRPr>
           </a:p>
           <a:p>
-            <a:pPr marL="457200" indent="-456840">
+            <a:pPr marL="457200" indent="-456480">
               <a:lnSpc>
                 <a:spcPct val="100000"/>
               </a:lnSpc>
@@ -4731,6 +5233,7 @@
                   <a:srgbClr val="000000"/>
                 </a:solidFill>
                 <a:latin typeface="Calibri"/>
+                <a:ea typeface="DejaVu Sans"/>
               </a:rPr>
               <a:t>London-Dispersion</a:t>
             </a:r>
@@ -4739,7 +5242,7 @@
             </a:endParaRPr>
           </a:p>
           <a:p>
-            <a:pPr lvl="1" marL="914400" indent="-456840">
+            <a:pPr lvl="1" marL="914400" indent="-456480">
               <a:lnSpc>
                 <a:spcPct val="100000"/>
               </a:lnSpc>
@@ -4755,6 +5258,7 @@
                   <a:srgbClr val="000000"/>
                 </a:solidFill>
                 <a:latin typeface="Calibri"/>
+                <a:ea typeface="DejaVu Sans"/>
               </a:rPr>
               <a:t>Induced dipol-dipol interaction</a:t>
             </a:r>
@@ -4773,7 +5277,7 @@
             </a:endParaRPr>
           </a:p>
           <a:p>
-            <a:pPr>
+            <a:pPr marL="457200">
               <a:lnSpc>
                 <a:spcPct val="100000"/>
               </a:lnSpc>
@@ -4784,6 +5288,7 @@
                   <a:srgbClr val="000000"/>
                 </a:solidFill>
                 <a:latin typeface="Wingdings"/>
+                <a:ea typeface="DejaVu Sans"/>
               </a:rPr>
               <a:t></a:t>
             </a:r>
@@ -4793,6 +5298,7 @@
                   <a:srgbClr val="000000"/>
                 </a:solidFill>
                 <a:latin typeface="Calibri"/>
+                <a:ea typeface="DejaVu Sans"/>
               </a:rPr>
               <a:t> </a:t>
             </a:r>
@@ -4802,6 +5308,7 @@
                   <a:srgbClr val="000000"/>
                 </a:solidFill>
                 <a:latin typeface="Calibri"/>
+                <a:ea typeface="DejaVu Sans"/>
               </a:rPr>
               <a:t>Lennard-Jones Potential</a:t>
             </a:r>
@@ -4813,7 +5320,7 @@
       </p:sp>
       <p:pic>
         <p:nvPicPr>
-          <p:cNvPr id="96" name="Picture 13" descr=""/>
+          <p:cNvPr id="90" name="Picture 13" descr=""/>
           <p:cNvPicPr/>
           <p:nvPr/>
         </p:nvPicPr>
@@ -4824,7 +5331,7 @@
         <p:spPr>
           <a:xfrm>
             <a:off x="6145200" y="0"/>
-            <a:ext cx="6046200" cy="3428640"/>
+            <a:ext cx="6045840" cy="3428280"/>
           </a:xfrm>
           <a:prstGeom prst="rect">
             <a:avLst/>
@@ -4836,14 +5343,14 @@
       </p:pic>
       <p:sp>
         <p:nvSpPr>
-          <p:cNvPr id="97" name="CustomShape 3"/>
+          <p:cNvPr id="91" name="CustomShape 3"/>
           <p:cNvSpPr/>
           <p:nvPr/>
         </p:nvSpPr>
         <p:spPr>
           <a:xfrm>
             <a:off x="6485760" y="3259800"/>
-            <a:ext cx="3333240" cy="333720"/>
+            <a:ext cx="3332880" cy="576000"/>
           </a:xfrm>
           <a:prstGeom prst="rect">
             <a:avLst/>
@@ -4873,8 +5380,9 @@
                   <a:srgbClr val="000000"/>
                 </a:solidFill>
                 <a:latin typeface="Calibri"/>
-              </a:rPr>
-              <a:t>Lennard-Jones Potential</a:t>
+                <a:ea typeface="DejaVu Sans"/>
+              </a:rPr>
+              <a:t>Lennard-Jones Potential (Quelle: wiki)</a:t>
             </a:r>
             <a:endParaRPr b="0" lang="de-DE" sz="1600" spc="-1" strike="noStrike">
               <a:latin typeface="Arial"/>
@@ -4884,19 +5392,19 @@
       </p:sp>
       <p:sp>
         <p:nvSpPr>
-          <p:cNvPr id="98" name="Line 4"/>
+          <p:cNvPr id="92" name="Line 4"/>
           <p:cNvSpPr/>
           <p:nvPr/>
         </p:nvSpPr>
         <p:spPr>
           <a:xfrm>
             <a:off x="9072000" y="72000"/>
-            <a:ext cx="0" cy="3096000"/>
+            <a:ext cx="360" cy="3096000"/>
           </a:xfrm>
           <a:prstGeom prst="line">
             <a:avLst/>
           </a:prstGeom>
-          <a:ln w="36000">
+          <a:ln cap="rnd" w="36000">
             <a:solidFill>
               <a:srgbClr val="ed1c24"/>
             </a:solidFill>
@@ -4915,14 +5423,14 @@
       </p:sp>
       <p:sp>
         <p:nvSpPr>
-          <p:cNvPr id="99" name="CustomShape 5"/>
+          <p:cNvPr id="93" name="CustomShape 5"/>
           <p:cNvSpPr/>
           <p:nvPr/>
         </p:nvSpPr>
         <p:spPr>
           <a:xfrm>
             <a:off x="6624000" y="72000"/>
-            <a:ext cx="2448000" cy="3096000"/>
+            <a:ext cx="2447640" cy="3095640"/>
           </a:xfrm>
           <a:prstGeom prst="rect">
             <a:avLst/>
@@ -4948,14 +5456,14 @@
       </p:sp>
       <p:sp>
         <p:nvSpPr>
-          <p:cNvPr id="100" name="CustomShape 6"/>
+          <p:cNvPr id="94" name="CustomShape 6"/>
           <p:cNvSpPr/>
           <p:nvPr/>
         </p:nvSpPr>
         <p:spPr>
           <a:xfrm>
             <a:off x="9072000" y="72000"/>
-            <a:ext cx="3024000" cy="3096000"/>
+            <a:ext cx="3023640" cy="3095640"/>
           </a:xfrm>
           <a:prstGeom prst="rect">
             <a:avLst/>
@@ -4981,14 +5489,14 @@
       </p:sp>
       <p:sp>
         <p:nvSpPr>
-          <p:cNvPr id="101" name="TextShape 7"/>
-          <p:cNvSpPr txBox="1"/>
+          <p:cNvPr id="95" name="CustomShape 7"/>
+          <p:cNvSpPr/>
           <p:nvPr/>
         </p:nvSpPr>
         <p:spPr>
           <a:xfrm>
             <a:off x="6667920" y="189720"/>
-            <a:ext cx="1828080" cy="602280"/>
+            <a:ext cx="1827720" cy="601920"/>
           </a:xfrm>
           <a:prstGeom prst="rect">
             <a:avLst/>
@@ -4998,9 +5506,20 @@
             <a:noFill/>
           </a:ln>
         </p:spPr>
+        <p:style>
+          <a:lnRef idx="0"/>
+          <a:fillRef idx="0"/>
+          <a:effectRef idx="0"/>
+          <a:fontRef idx="minor"/>
+        </p:style>
         <p:txBody>
           <a:bodyPr lIns="90000" rIns="90000" tIns="45000" bIns="45000"/>
           <a:p>
+            <a:pPr>
+              <a:lnSpc>
+                <a:spcPct val="100000"/>
+              </a:lnSpc>
+            </a:pPr>
             <a:r>
               <a:rPr b="0" lang="de-DE" sz="1800" spc="-1" strike="noStrike">
                 <a:latin typeface="Arial"/>
@@ -5012,6 +5531,11 @@
             </a:endParaRPr>
           </a:p>
           <a:p>
+            <a:pPr>
+              <a:lnSpc>
+                <a:spcPct val="100000"/>
+              </a:lnSpc>
+            </a:pPr>
             <a:r>
               <a:rPr b="0" lang="de-DE" sz="1800" spc="-1" strike="noStrike">
                 <a:latin typeface="Arial"/>
@@ -5026,14 +5550,14 @@
       </p:sp>
       <p:sp>
         <p:nvSpPr>
-          <p:cNvPr id="102" name="TextShape 8"/>
-          <p:cNvSpPr txBox="1"/>
+          <p:cNvPr id="96" name="CustomShape 8"/>
+          <p:cNvSpPr/>
           <p:nvPr/>
         </p:nvSpPr>
         <p:spPr>
           <a:xfrm>
             <a:off x="9432000" y="189720"/>
-            <a:ext cx="1119600" cy="346320"/>
+            <a:ext cx="1119240" cy="345960"/>
           </a:xfrm>
           <a:prstGeom prst="rect">
             <a:avLst/>
@@ -5043,9 +5567,20 @@
             <a:noFill/>
           </a:ln>
         </p:spPr>
+        <p:style>
+          <a:lnRef idx="0"/>
+          <a:fillRef idx="0"/>
+          <a:effectRef idx="0"/>
+          <a:fontRef idx="minor"/>
+        </p:style>
         <p:txBody>
           <a:bodyPr lIns="90000" rIns="90000" tIns="45000" bIns="45000"/>
           <a:p>
+            <a:pPr>
+              <a:lnSpc>
+                <a:spcPct val="100000"/>
+              </a:lnSpc>
+            </a:pPr>
             <a:r>
               <a:rPr b="0" lang="de-DE" sz="1800" spc="-1" strike="noStrike">
                 <a:latin typeface="Arial"/>
@@ -5116,14 +5651,14 @@
       </p:grpSpPr>
       <p:sp>
         <p:nvSpPr>
-          <p:cNvPr id="103" name="CustomShape 1"/>
+          <p:cNvPr id="97" name="CustomShape 1"/>
           <p:cNvSpPr/>
           <p:nvPr/>
         </p:nvSpPr>
         <p:spPr>
           <a:xfrm>
             <a:off x="437040" y="274320"/>
-            <a:ext cx="10017360" cy="760680"/>
+            <a:ext cx="10017000" cy="760320"/>
           </a:xfrm>
           <a:prstGeom prst="rect">
             <a:avLst/>
@@ -5154,6 +5689,7 @@
                 </a:solidFill>
                 <a:uFillTx/>
                 <a:latin typeface="Calibri"/>
+                <a:ea typeface="DejaVu Sans"/>
               </a:rPr>
               <a:t>Force-Field</a:t>
             </a:r>
@@ -5165,14 +5701,14 @@
       </p:sp>
       <p:sp>
         <p:nvSpPr>
-          <p:cNvPr id="104" name="CustomShape 2"/>
+          <p:cNvPr id="98" name="CustomShape 2"/>
           <p:cNvSpPr/>
           <p:nvPr/>
         </p:nvSpPr>
         <p:spPr>
           <a:xfrm>
             <a:off x="761040" y="1906200"/>
-            <a:ext cx="7203960" cy="4355280"/>
+            <a:ext cx="7203600" cy="4354920"/>
           </a:xfrm>
           <a:prstGeom prst="rect">
             <a:avLst/>
@@ -5191,7 +5727,7 @@
         <p:txBody>
           <a:bodyPr lIns="90000" rIns="90000" tIns="45000" bIns="45000"/>
           <a:p>
-            <a:pPr marL="457200" indent="-456840">
+            <a:pPr marL="457200" indent="-456480">
               <a:lnSpc>
                 <a:spcPct val="100000"/>
               </a:lnSpc>
@@ -5207,6 +5743,7 @@
                   <a:srgbClr val="000000"/>
                 </a:solidFill>
                 <a:latin typeface="Calibri"/>
+                <a:ea typeface="DejaVu Sans"/>
               </a:rPr>
               <a:t>Pauli-Repulsion</a:t>
             </a:r>
@@ -5215,7 +5752,7 @@
             </a:endParaRPr>
           </a:p>
           <a:p>
-            <a:pPr lvl="1" marL="914400" indent="-456840">
+            <a:pPr lvl="1" marL="914400" indent="-456480">
               <a:lnSpc>
                 <a:spcPct val="100000"/>
               </a:lnSpc>
@@ -5231,6 +5768,7 @@
                   <a:srgbClr val="000000"/>
                 </a:solidFill>
                 <a:latin typeface="Calibri"/>
+                <a:ea typeface="DejaVu Sans"/>
               </a:rPr>
               <a:t>Prevents overlapping</a:t>
             </a:r>
@@ -5249,7 +5787,7 @@
             </a:endParaRPr>
           </a:p>
           <a:p>
-            <a:pPr marL="457200" indent="-456840">
+            <a:pPr marL="457200" indent="-456480">
               <a:lnSpc>
                 <a:spcPct val="100000"/>
               </a:lnSpc>
@@ -5265,6 +5803,7 @@
                   <a:srgbClr val="000000"/>
                 </a:solidFill>
                 <a:latin typeface="Calibri"/>
+                <a:ea typeface="DejaVu Sans"/>
               </a:rPr>
               <a:t>London-Dispersion</a:t>
             </a:r>
@@ -5273,7 +5812,7 @@
             </a:endParaRPr>
           </a:p>
           <a:p>
-            <a:pPr lvl="1" marL="914400" indent="-456840">
+            <a:pPr lvl="1" marL="914400" indent="-456480">
               <a:lnSpc>
                 <a:spcPct val="100000"/>
               </a:lnSpc>
@@ -5289,6 +5828,7 @@
                   <a:srgbClr val="000000"/>
                 </a:solidFill>
                 <a:latin typeface="Calibri"/>
+                <a:ea typeface="DejaVu Sans"/>
               </a:rPr>
               <a:t>Induced dipol-dipol interaction</a:t>
             </a:r>
@@ -5307,7 +5847,7 @@
             </a:endParaRPr>
           </a:p>
           <a:p>
-            <a:pPr>
+            <a:pPr marL="457200">
               <a:lnSpc>
                 <a:spcPct val="100000"/>
               </a:lnSpc>
@@ -5318,6 +5858,7 @@
                   <a:srgbClr val="000000"/>
                 </a:solidFill>
                 <a:latin typeface="Wingdings"/>
+                <a:ea typeface="DejaVu Sans"/>
               </a:rPr>
               <a:t></a:t>
             </a:r>
@@ -5327,6 +5868,7 @@
                   <a:srgbClr val="000000"/>
                 </a:solidFill>
                 <a:latin typeface="Calibri"/>
+                <a:ea typeface="DejaVu Sans"/>
               </a:rPr>
               <a:t> </a:t>
             </a:r>
@@ -5336,6 +5878,7 @@
                   <a:srgbClr val="000000"/>
                 </a:solidFill>
                 <a:latin typeface="Calibri"/>
+                <a:ea typeface="DejaVu Sans"/>
               </a:rPr>
               <a:t>Lennard-Jones Potential</a:t>
             </a:r>
@@ -5347,7 +5890,7 @@
       </p:sp>
       <p:pic>
         <p:nvPicPr>
-          <p:cNvPr id="105" name="Picture 13" descr=""/>
+          <p:cNvPr id="99" name="Picture 13" descr=""/>
           <p:cNvPicPr/>
           <p:nvPr/>
         </p:nvPicPr>
@@ -5358,7 +5901,7 @@
         <p:spPr>
           <a:xfrm>
             <a:off x="6145200" y="0"/>
-            <a:ext cx="6046200" cy="3428640"/>
+            <a:ext cx="6045840" cy="3428280"/>
           </a:xfrm>
           <a:prstGeom prst="rect">
             <a:avLst/>
@@ -5370,14 +5913,14 @@
       </p:pic>
       <p:sp>
         <p:nvSpPr>
-          <p:cNvPr id="106" name="CustomShape 3"/>
+          <p:cNvPr id="100" name="CustomShape 3"/>
           <p:cNvSpPr/>
           <p:nvPr/>
         </p:nvSpPr>
         <p:spPr>
           <a:xfrm>
             <a:off x="6485760" y="3259800"/>
-            <a:ext cx="3333240" cy="333720"/>
+            <a:ext cx="3332880" cy="333360"/>
           </a:xfrm>
           <a:prstGeom prst="rect">
             <a:avLst/>
@@ -5407,6 +5950,7 @@
                   <a:srgbClr val="000000"/>
                 </a:solidFill>
                 <a:latin typeface="Calibri"/>
+                <a:ea typeface="DejaVu Sans"/>
               </a:rPr>
               <a:t>Lennard-Jones Potential</a:t>
             </a:r>
@@ -5425,6 +5969,1308 @@
           <p:childTnLst>
             <p:seq>
               <p:cTn id="10" dur="indefinite" nodeType="mainSeq"/>
+              <p:prevCondLst>
+                <p:cond delay="0" evt="onPrev">
+                  <p:tgtEl>
+                    <p:sldTgt/>
+                  </p:tgtEl>
+                </p:cond>
+              </p:prevCondLst>
+              <p:nextCondLst>
+                <p:cond delay="0" evt="onNext">
+                  <p:tgtEl>
+                    <p:sldTgt/>
+                  </p:tgtEl>
+                </p:cond>
+              </p:nextCondLst>
+            </p:seq>
+          </p:childTnLst>
+        </p:cTn>
+      </p:par>
+    </p:tnLst>
+  </p:timing>
+</p:sld>
+</file>
+
+<file path=ppt/slides/slide6.xml><?xml version="1.0" encoding="utf-8"?>
+<p:sld xmlns:a="http://schemas.openxmlformats.org/drawingml/2006/main" xmlns:p="http://schemas.openxmlformats.org/presentationml/2006/main" xmlns:r="http://schemas.openxmlformats.org/officeDocument/2006/relationships" xmlns:p14="http://schemas.microsoft.com/office/powerpoint/2010/main" xmlns:p15="http://schemas.microsoft.com/office/powerpoint/2012/main" xmlns:mc="http://schemas.openxmlformats.org/markup-compatibility/2006">
+  <p:cSld>
+    <p:bg>
+      <p:bgPr>
+        <a:solidFill>
+          <a:srgbClr val="ffe699"/>
+        </a:solidFill>
+      </p:bgPr>
+    </p:bg>
+    <p:spTree>
+      <p:nvGrpSpPr>
+        <p:cNvPr id="1" name=""/>
+        <p:cNvGrpSpPr/>
+        <p:nvPr/>
+      </p:nvGrpSpPr>
+      <p:grpSpPr>
+        <a:xfrm>
+          <a:off x="0" y="0"/>
+          <a:ext cx="0" cy="0"/>
+          <a:chOff x="0" y="0"/>
+          <a:chExt cx="0" cy="0"/>
+        </a:xfrm>
+      </p:grpSpPr>
+      <p:sp>
+        <p:nvSpPr>
+          <p:cNvPr id="101" name="CustomShape 1"/>
+          <p:cNvSpPr/>
+          <p:nvPr/>
+        </p:nvSpPr>
+        <p:spPr>
+          <a:xfrm>
+            <a:off x="437040" y="274320"/>
+            <a:ext cx="10017000" cy="760320"/>
+          </a:xfrm>
+          <a:prstGeom prst="rect">
+            <a:avLst/>
+          </a:prstGeom>
+          <a:noFill/>
+          <a:ln>
+            <a:noFill/>
+          </a:ln>
+        </p:spPr>
+        <p:style>
+          <a:lnRef idx="0"/>
+          <a:fillRef idx="0"/>
+          <a:effectRef idx="0"/>
+          <a:fontRef idx="minor"/>
+        </p:style>
+        <p:txBody>
+          <a:bodyPr lIns="90000" rIns="90000" tIns="45000" bIns="45000"/>
+          <a:p>
+            <a:pPr>
+              <a:lnSpc>
+                <a:spcPct val="100000"/>
+              </a:lnSpc>
+            </a:pPr>
+            <a:r>
+              <a:rPr b="0" lang="de-DE" sz="4400" spc="-1" strike="noStrike" u="sng">
+                <a:solidFill>
+                  <a:srgbClr val="000000"/>
+                </a:solidFill>
+                <a:uFillTx/>
+                <a:latin typeface="Calibri"/>
+                <a:ea typeface="DejaVu Sans"/>
+              </a:rPr>
+              <a:t>Force-Field</a:t>
+            </a:r>
+            <a:endParaRPr b="0" lang="de-DE" sz="4400" spc="-1" strike="noStrike">
+              <a:latin typeface="Arial"/>
+            </a:endParaRPr>
+          </a:p>
+        </p:txBody>
+      </p:sp>
+      <p:sp>
+        <p:nvSpPr>
+          <p:cNvPr id="102" name="CustomShape 2"/>
+          <p:cNvSpPr/>
+          <p:nvPr/>
+        </p:nvSpPr>
+        <p:spPr>
+          <a:xfrm>
+            <a:off x="761040" y="1906200"/>
+            <a:ext cx="7203600" cy="4354920"/>
+          </a:xfrm>
+          <a:prstGeom prst="rect">
+            <a:avLst/>
+          </a:prstGeom>
+          <a:noFill/>
+          <a:ln>
+            <a:noFill/>
+          </a:ln>
+        </p:spPr>
+        <p:style>
+          <a:lnRef idx="0"/>
+          <a:fillRef idx="0"/>
+          <a:effectRef idx="0"/>
+          <a:fontRef idx="minor"/>
+        </p:style>
+        <p:txBody>
+          <a:bodyPr lIns="90000" rIns="90000" tIns="45000" bIns="45000"/>
+          <a:p>
+            <a:pPr marL="457200" indent="-456480">
+              <a:lnSpc>
+                <a:spcPct val="100000"/>
+              </a:lnSpc>
+              <a:buClr>
+                <a:srgbClr val="000000"/>
+              </a:buClr>
+              <a:buFont typeface="Arial"/>
+              <a:buChar char="•"/>
+            </a:pPr>
+            <a:r>
+              <a:rPr b="0" lang="de-DE" sz="4000" spc="-1" strike="noStrike">
+                <a:solidFill>
+                  <a:srgbClr val="000000"/>
+                </a:solidFill>
+                <a:latin typeface="Calibri"/>
+                <a:ea typeface="DejaVu Sans"/>
+              </a:rPr>
+              <a:t>Pauli-Repulsion</a:t>
+            </a:r>
+            <a:endParaRPr b="0" lang="de-DE" sz="4000" spc="-1" strike="noStrike">
+              <a:latin typeface="Arial"/>
+            </a:endParaRPr>
+          </a:p>
+          <a:p>
+            <a:pPr lvl="1" marL="914400" indent="-456480">
+              <a:lnSpc>
+                <a:spcPct val="100000"/>
+              </a:lnSpc>
+              <a:buClr>
+                <a:srgbClr val="000000"/>
+              </a:buClr>
+              <a:buFont typeface="Arial"/>
+              <a:buChar char="•"/>
+            </a:pPr>
+            <a:r>
+              <a:rPr b="0" lang="de-DE" sz="3200" spc="-1" strike="noStrike">
+                <a:solidFill>
+                  <a:srgbClr val="000000"/>
+                </a:solidFill>
+                <a:latin typeface="Calibri"/>
+                <a:ea typeface="DejaVu Sans"/>
+              </a:rPr>
+              <a:t>Prevents overlapping</a:t>
+            </a:r>
+            <a:endParaRPr b="0" lang="de-DE" sz="3200" spc="-1" strike="noStrike">
+              <a:latin typeface="Arial"/>
+            </a:endParaRPr>
+          </a:p>
+          <a:p>
+            <a:pPr>
+              <a:lnSpc>
+                <a:spcPct val="100000"/>
+              </a:lnSpc>
+            </a:pPr>
+            <a:endParaRPr b="0" lang="de-DE" sz="3200" spc="-1" strike="noStrike">
+              <a:latin typeface="Arial"/>
+            </a:endParaRPr>
+          </a:p>
+          <a:p>
+            <a:pPr marL="457200" indent="-456480">
+              <a:lnSpc>
+                <a:spcPct val="100000"/>
+              </a:lnSpc>
+              <a:buClr>
+                <a:srgbClr val="000000"/>
+              </a:buClr>
+              <a:buFont typeface="Arial"/>
+              <a:buChar char="•"/>
+            </a:pPr>
+            <a:r>
+              <a:rPr b="0" lang="de-DE" sz="4000" spc="-1" strike="noStrike">
+                <a:solidFill>
+                  <a:srgbClr val="000000"/>
+                </a:solidFill>
+                <a:latin typeface="Calibri"/>
+                <a:ea typeface="DejaVu Sans"/>
+              </a:rPr>
+              <a:t>London-Dispersion</a:t>
+            </a:r>
+            <a:endParaRPr b="0" lang="de-DE" sz="4000" spc="-1" strike="noStrike">
+              <a:latin typeface="Arial"/>
+            </a:endParaRPr>
+          </a:p>
+          <a:p>
+            <a:pPr lvl="1" marL="914400" indent="-456480">
+              <a:lnSpc>
+                <a:spcPct val="100000"/>
+              </a:lnSpc>
+              <a:buClr>
+                <a:srgbClr val="000000"/>
+              </a:buClr>
+              <a:buFont typeface="Arial"/>
+              <a:buChar char="•"/>
+            </a:pPr>
+            <a:r>
+              <a:rPr b="0" lang="de-DE" sz="3200" spc="-1" strike="noStrike">
+                <a:solidFill>
+                  <a:srgbClr val="000000"/>
+                </a:solidFill>
+                <a:latin typeface="Calibri"/>
+                <a:ea typeface="DejaVu Sans"/>
+              </a:rPr>
+              <a:t>Induced dipol-dipol interaction</a:t>
+            </a:r>
+            <a:endParaRPr b="0" lang="de-DE" sz="3200" spc="-1" strike="noStrike">
+              <a:latin typeface="Arial"/>
+            </a:endParaRPr>
+          </a:p>
+          <a:p>
+            <a:pPr marL="457200">
+              <a:lnSpc>
+                <a:spcPct val="100000"/>
+              </a:lnSpc>
+            </a:pPr>
+            <a:endParaRPr b="0" lang="de-DE" sz="3200" spc="-1" strike="noStrike">
+              <a:latin typeface="Arial"/>
+            </a:endParaRPr>
+          </a:p>
+          <a:p>
+            <a:pPr marL="457200">
+              <a:lnSpc>
+                <a:spcPct val="100000"/>
+              </a:lnSpc>
+            </a:pPr>
+            <a:r>
+              <a:rPr b="0" lang="de-DE" sz="4000" spc="-1" strike="noStrike">
+                <a:solidFill>
+                  <a:srgbClr val="000000"/>
+                </a:solidFill>
+                <a:latin typeface="Wingdings"/>
+                <a:ea typeface="DejaVu Sans"/>
+              </a:rPr>
+              <a:t></a:t>
+            </a:r>
+            <a:r>
+              <a:rPr b="0" lang="de-DE" sz="4000" spc="-1" strike="noStrike">
+                <a:solidFill>
+                  <a:srgbClr val="000000"/>
+                </a:solidFill>
+                <a:latin typeface="Calibri"/>
+                <a:ea typeface="DejaVu Sans"/>
+              </a:rPr>
+              <a:t> </a:t>
+            </a:r>
+            <a:r>
+              <a:rPr b="0" lang="de-DE" sz="4000" spc="-1" strike="noStrike">
+                <a:solidFill>
+                  <a:srgbClr val="000000"/>
+                </a:solidFill>
+                <a:latin typeface="Calibri"/>
+                <a:ea typeface="DejaVu Sans"/>
+              </a:rPr>
+              <a:t>Lennard-Jones Potential</a:t>
+            </a:r>
+            <a:endParaRPr b="0" lang="de-DE" sz="4000" spc="-1" strike="noStrike">
+              <a:latin typeface="Arial"/>
+            </a:endParaRPr>
+          </a:p>
+        </p:txBody>
+      </p:sp>
+      <p:pic>
+        <p:nvPicPr>
+          <p:cNvPr id="103" name="Picture 13" descr=""/>
+          <p:cNvPicPr/>
+          <p:nvPr/>
+        </p:nvPicPr>
+        <p:blipFill>
+          <a:blip r:embed="rId1"/>
+          <a:stretch/>
+        </p:blipFill>
+        <p:spPr>
+          <a:xfrm>
+            <a:off x="6145200" y="0"/>
+            <a:ext cx="6045840" cy="3428280"/>
+          </a:xfrm>
+          <a:prstGeom prst="rect">
+            <a:avLst/>
+          </a:prstGeom>
+          <a:ln>
+            <a:noFill/>
+          </a:ln>
+        </p:spPr>
+      </p:pic>
+      <p:sp>
+        <p:nvSpPr>
+          <p:cNvPr id="104" name="CustomShape 3"/>
+          <p:cNvSpPr/>
+          <p:nvPr/>
+        </p:nvSpPr>
+        <p:spPr>
+          <a:xfrm>
+            <a:off x="6485760" y="3259800"/>
+            <a:ext cx="3332880" cy="333360"/>
+          </a:xfrm>
+          <a:prstGeom prst="rect">
+            <a:avLst/>
+          </a:prstGeom>
+          <a:noFill/>
+          <a:ln>
+            <a:noFill/>
+          </a:ln>
+        </p:spPr>
+        <p:style>
+          <a:lnRef idx="0"/>
+          <a:fillRef idx="0"/>
+          <a:effectRef idx="0"/>
+          <a:fontRef idx="minor"/>
+        </p:style>
+        <p:txBody>
+          <a:bodyPr lIns="90000" rIns="90000" tIns="45000" bIns="45000"/>
+          <a:p>
+            <a:pPr>
+              <a:lnSpc>
+                <a:spcPct val="100000"/>
+              </a:lnSpc>
+            </a:pPr>
+            <a:r>
+              <a:rPr b="0" lang="de-DE" sz="1600" spc="-1" strike="noStrike">
+                <a:solidFill>
+                  <a:srgbClr val="000000"/>
+                </a:solidFill>
+                <a:latin typeface="Calibri"/>
+                <a:ea typeface="DejaVu Sans"/>
+              </a:rPr>
+              <a:t>Lennard-Jones Potential</a:t>
+            </a:r>
+            <a:endParaRPr b="0" lang="de-DE" sz="1600" spc="-1" strike="noStrike">
+              <a:latin typeface="Arial"/>
+            </a:endParaRPr>
+          </a:p>
+        </p:txBody>
+      </p:sp>
+    </p:spTree>
+  </p:cSld>
+  <p:timing>
+    <p:tnLst>
+      <p:par>
+        <p:cTn id="11" dur="indefinite" restart="never" nodeType="tmRoot">
+          <p:childTnLst>
+            <p:seq>
+              <p:cTn id="12" dur="indefinite" nodeType="mainSeq"/>
+              <p:prevCondLst>
+                <p:cond delay="0" evt="onPrev">
+                  <p:tgtEl>
+                    <p:sldTgt/>
+                  </p:tgtEl>
+                </p:cond>
+              </p:prevCondLst>
+              <p:nextCondLst>
+                <p:cond delay="0" evt="onNext">
+                  <p:tgtEl>
+                    <p:sldTgt/>
+                  </p:tgtEl>
+                </p:cond>
+              </p:nextCondLst>
+            </p:seq>
+          </p:childTnLst>
+        </p:cTn>
+      </p:par>
+    </p:tnLst>
+  </p:timing>
+</p:sld>
+</file>
+
+<file path=ppt/slides/slide7.xml><?xml version="1.0" encoding="utf-8"?>
+<p:sld xmlns:a="http://schemas.openxmlformats.org/drawingml/2006/main" xmlns:p="http://schemas.openxmlformats.org/presentationml/2006/main" xmlns:r="http://schemas.openxmlformats.org/officeDocument/2006/relationships" xmlns:p14="http://schemas.microsoft.com/office/powerpoint/2010/main" xmlns:p15="http://schemas.microsoft.com/office/powerpoint/2012/main" xmlns:mc="http://schemas.openxmlformats.org/markup-compatibility/2006">
+  <p:cSld>
+    <p:bg>
+      <p:bgPr>
+        <a:solidFill>
+          <a:srgbClr val="ffe699"/>
+        </a:solidFill>
+      </p:bgPr>
+    </p:bg>
+    <p:spTree>
+      <p:nvGrpSpPr>
+        <p:cNvPr id="1" name=""/>
+        <p:cNvGrpSpPr/>
+        <p:nvPr/>
+      </p:nvGrpSpPr>
+      <p:grpSpPr>
+        <a:xfrm>
+          <a:off x="0" y="0"/>
+          <a:ext cx="0" cy="0"/>
+          <a:chOff x="0" y="0"/>
+          <a:chExt cx="0" cy="0"/>
+        </a:xfrm>
+      </p:grpSpPr>
+      <p:sp>
+        <p:nvSpPr>
+          <p:cNvPr id="105" name="CustomShape 1"/>
+          <p:cNvSpPr/>
+          <p:nvPr/>
+        </p:nvSpPr>
+        <p:spPr>
+          <a:xfrm>
+            <a:off x="437040" y="274320"/>
+            <a:ext cx="10017000" cy="760320"/>
+          </a:xfrm>
+          <a:prstGeom prst="rect">
+            <a:avLst/>
+          </a:prstGeom>
+          <a:noFill/>
+          <a:ln>
+            <a:noFill/>
+          </a:ln>
+        </p:spPr>
+        <p:style>
+          <a:lnRef idx="0"/>
+          <a:fillRef idx="0"/>
+          <a:effectRef idx="0"/>
+          <a:fontRef idx="minor"/>
+        </p:style>
+        <p:txBody>
+          <a:bodyPr lIns="90000" rIns="90000" tIns="45000" bIns="45000"/>
+          <a:p>
+            <a:pPr>
+              <a:lnSpc>
+                <a:spcPct val="100000"/>
+              </a:lnSpc>
+            </a:pPr>
+            <a:r>
+              <a:rPr b="0" lang="de-DE" sz="4400" spc="-1" strike="noStrike" u="sng">
+                <a:solidFill>
+                  <a:srgbClr val="000000"/>
+                </a:solidFill>
+                <a:uFillTx/>
+                <a:latin typeface="Calibri"/>
+                <a:ea typeface="DejaVu Sans"/>
+              </a:rPr>
+              <a:t>Goal</a:t>
+            </a:r>
+            <a:endParaRPr b="0" lang="de-DE" sz="4400" spc="-1" strike="noStrike">
+              <a:latin typeface="Arial"/>
+            </a:endParaRPr>
+          </a:p>
+        </p:txBody>
+      </p:sp>
+      <p:sp>
+        <p:nvSpPr>
+          <p:cNvPr id="106" name="CustomShape 2"/>
+          <p:cNvSpPr/>
+          <p:nvPr/>
+        </p:nvSpPr>
+        <p:spPr>
+          <a:xfrm>
+            <a:off x="761040" y="1906200"/>
+            <a:ext cx="7203600" cy="4355640"/>
+          </a:xfrm>
+          <a:prstGeom prst="rect">
+            <a:avLst/>
+          </a:prstGeom>
+          <a:noFill/>
+          <a:ln>
+            <a:noFill/>
+          </a:ln>
+        </p:spPr>
+        <p:style>
+          <a:lnRef idx="0"/>
+          <a:fillRef idx="0"/>
+          <a:effectRef idx="0"/>
+          <a:fontRef idx="minor"/>
+        </p:style>
+        <p:txBody>
+          <a:bodyPr lIns="90000" rIns="90000" tIns="45000" bIns="45000"/>
+          <a:p>
+            <a:pPr marL="457200" indent="-456480">
+              <a:lnSpc>
+                <a:spcPct val="100000"/>
+              </a:lnSpc>
+              <a:buClr>
+                <a:srgbClr val="000000"/>
+              </a:buClr>
+              <a:buFont typeface="Arial"/>
+              <a:buChar char="•"/>
+            </a:pPr>
+            <a:r>
+              <a:rPr b="0" lang="de-DE" sz="4000" spc="-1" strike="noStrike">
+                <a:solidFill>
+                  <a:srgbClr val="000000"/>
+                </a:solidFill>
+                <a:latin typeface="Calibri"/>
+                <a:ea typeface="DejaVu Sans"/>
+              </a:rPr>
+              <a:t>Simulate the phase transition of Argon</a:t>
+            </a:r>
+            <a:endParaRPr b="0" lang="de-DE" sz="4000" spc="-1" strike="noStrike">
+              <a:latin typeface="Arial"/>
+            </a:endParaRPr>
+          </a:p>
+          <a:p>
+            <a:pPr>
+              <a:lnSpc>
+                <a:spcPct val="100000"/>
+              </a:lnSpc>
+            </a:pPr>
+            <a:endParaRPr b="0" lang="de-DE" sz="4000" spc="-1" strike="noStrike">
+              <a:latin typeface="Arial"/>
+            </a:endParaRPr>
+          </a:p>
+          <a:p>
+            <a:pPr marL="457200" indent="-456480">
+              <a:lnSpc>
+                <a:spcPct val="100000"/>
+              </a:lnSpc>
+              <a:buClr>
+                <a:srgbClr val="000000"/>
+              </a:buClr>
+              <a:buFont typeface="Arial"/>
+              <a:buChar char="•"/>
+            </a:pPr>
+            <a:r>
+              <a:rPr b="0" lang="de-DE" sz="4000" spc="-1" strike="noStrike">
+                <a:solidFill>
+                  <a:srgbClr val="000000"/>
+                </a:solidFill>
+                <a:latin typeface="Calibri"/>
+                <a:ea typeface="DejaVu Sans"/>
+              </a:rPr>
+              <a:t>Learn basics in Gromacs and molecule visualization (VMD, pymol)</a:t>
+            </a:r>
+            <a:endParaRPr b="0" lang="de-DE" sz="4000" spc="-1" strike="noStrike">
+              <a:latin typeface="Arial"/>
+            </a:endParaRPr>
+          </a:p>
+        </p:txBody>
+      </p:sp>
+    </p:spTree>
+  </p:cSld>
+  <p:timing>
+    <p:tnLst>
+      <p:par>
+        <p:cTn id="13" dur="indefinite" restart="never" nodeType="tmRoot">
+          <p:childTnLst>
+            <p:seq>
+              <p:cTn id="14" dur="indefinite" nodeType="mainSeq"/>
+              <p:prevCondLst>
+                <p:cond delay="0" evt="onPrev">
+                  <p:tgtEl>
+                    <p:sldTgt/>
+                  </p:tgtEl>
+                </p:cond>
+              </p:prevCondLst>
+              <p:nextCondLst>
+                <p:cond delay="0" evt="onNext">
+                  <p:tgtEl>
+                    <p:sldTgt/>
+                  </p:tgtEl>
+                </p:cond>
+              </p:nextCondLst>
+            </p:seq>
+          </p:childTnLst>
+        </p:cTn>
+      </p:par>
+    </p:tnLst>
+  </p:timing>
+</p:sld>
+</file>
+
+<file path=ppt/slides/slide8.xml><?xml version="1.0" encoding="utf-8"?>
+<p:sld xmlns:a="http://schemas.openxmlformats.org/drawingml/2006/main" xmlns:p="http://schemas.openxmlformats.org/presentationml/2006/main" xmlns:r="http://schemas.openxmlformats.org/officeDocument/2006/relationships" xmlns:p14="http://schemas.microsoft.com/office/powerpoint/2010/main" xmlns:p15="http://schemas.microsoft.com/office/powerpoint/2012/main" xmlns:mc="http://schemas.openxmlformats.org/markup-compatibility/2006">
+  <p:cSld>
+    <p:bg>
+      <p:bgPr>
+        <a:solidFill>
+          <a:srgbClr val="ffe699"/>
+        </a:solidFill>
+      </p:bgPr>
+    </p:bg>
+    <p:spTree>
+      <p:nvGrpSpPr>
+        <p:cNvPr id="1" name=""/>
+        <p:cNvGrpSpPr/>
+        <p:nvPr/>
+      </p:nvGrpSpPr>
+      <p:grpSpPr>
+        <a:xfrm>
+          <a:off x="0" y="0"/>
+          <a:ext cx="0" cy="0"/>
+          <a:chOff x="0" y="0"/>
+          <a:chExt cx="0" cy="0"/>
+        </a:xfrm>
+      </p:grpSpPr>
+      <p:sp>
+        <p:nvSpPr>
+          <p:cNvPr id="107" name="CustomShape 1"/>
+          <p:cNvSpPr/>
+          <p:nvPr/>
+        </p:nvSpPr>
+        <p:spPr>
+          <a:xfrm>
+            <a:off x="437040" y="274320"/>
+            <a:ext cx="10017000" cy="760320"/>
+          </a:xfrm>
+          <a:prstGeom prst="rect">
+            <a:avLst/>
+          </a:prstGeom>
+          <a:noFill/>
+          <a:ln>
+            <a:noFill/>
+          </a:ln>
+        </p:spPr>
+        <p:style>
+          <a:lnRef idx="0"/>
+          <a:fillRef idx="0"/>
+          <a:effectRef idx="0"/>
+          <a:fontRef idx="minor"/>
+        </p:style>
+        <p:txBody>
+          <a:bodyPr lIns="90000" rIns="90000" tIns="45000" bIns="45000"/>
+          <a:p>
+            <a:pPr>
+              <a:lnSpc>
+                <a:spcPct val="100000"/>
+              </a:lnSpc>
+            </a:pPr>
+            <a:r>
+              <a:rPr b="0" lang="de-DE" sz="4400" spc="-1" strike="noStrike" u="sng">
+                <a:solidFill>
+                  <a:srgbClr val="000000"/>
+                </a:solidFill>
+                <a:uFillTx/>
+                <a:latin typeface="Calibri"/>
+                <a:ea typeface="DejaVu Sans"/>
+              </a:rPr>
+              <a:t>Cooling (gas → liquid) </a:t>
+            </a:r>
+            <a:endParaRPr b="0" lang="de-DE" sz="4400" spc="-1" strike="noStrike">
+              <a:latin typeface="Arial"/>
+            </a:endParaRPr>
+          </a:p>
+        </p:txBody>
+      </p:sp>
+      <p:sp>
+        <p:nvSpPr>
+          <p:cNvPr id="108" name="CustomShape 2"/>
+          <p:cNvSpPr/>
+          <p:nvPr/>
+        </p:nvSpPr>
+        <p:spPr>
+          <a:xfrm>
+            <a:off x="648000" y="3910680"/>
+            <a:ext cx="7203600" cy="2707920"/>
+          </a:xfrm>
+          <a:prstGeom prst="rect">
+            <a:avLst/>
+          </a:prstGeom>
+          <a:noFill/>
+          <a:ln>
+            <a:noFill/>
+          </a:ln>
+        </p:spPr>
+        <p:style>
+          <a:lnRef idx="0"/>
+          <a:fillRef idx="0"/>
+          <a:effectRef idx="0"/>
+          <a:fontRef idx="minor"/>
+        </p:style>
+        <p:txBody>
+          <a:bodyPr lIns="90000" rIns="90000" tIns="45000" bIns="45000"/>
+          <a:p>
+            <a:pPr marL="457200" indent="-456480">
+              <a:lnSpc>
+                <a:spcPct val="100000"/>
+              </a:lnSpc>
+              <a:buClr>
+                <a:srgbClr val="000000"/>
+              </a:buClr>
+              <a:buFont typeface="Arial"/>
+              <a:buChar char="•"/>
+            </a:pPr>
+            <a:r>
+              <a:rPr b="0" lang="de-DE" sz="2800" spc="-1" strike="noStrike">
+                <a:solidFill>
+                  <a:srgbClr val="000000"/>
+                </a:solidFill>
+                <a:latin typeface="Calibri"/>
+                <a:ea typeface="DejaVu Sans"/>
+              </a:rPr>
+              <a:t>Conditions</a:t>
+            </a:r>
+            <a:r>
+              <a:rPr b="0" lang="de-DE" sz="3200" spc="-1" strike="noStrike">
+                <a:solidFill>
+                  <a:srgbClr val="000000"/>
+                </a:solidFill>
+                <a:latin typeface="Calibri"/>
+                <a:ea typeface="DejaVu Sans"/>
+              </a:rPr>
+              <a:t>:</a:t>
+            </a:r>
+            <a:endParaRPr b="0" lang="de-DE" sz="3200" spc="-1" strike="noStrike">
+              <a:latin typeface="Arial"/>
+            </a:endParaRPr>
+          </a:p>
+          <a:p>
+            <a:pPr lvl="5" marL="1296000" indent="-215640">
+              <a:lnSpc>
+                <a:spcPct val="100000"/>
+              </a:lnSpc>
+              <a:buClr>
+                <a:srgbClr val="000000"/>
+              </a:buClr>
+              <a:buSzPct val="45000"/>
+              <a:buFont typeface="Wingdings" charset="2"/>
+              <a:buChar char=""/>
+            </a:pPr>
+            <a:r>
+              <a:rPr b="0" lang="de-DE" sz="2800" spc="-1" strike="noStrike">
+                <a:solidFill>
+                  <a:srgbClr val="000000"/>
+                </a:solidFill>
+                <a:latin typeface="Calibri"/>
+                <a:ea typeface="DejaVu Sans"/>
+              </a:rPr>
+              <a:t>controled: atom count (fixed), volume (fixed) &amp; tempreature (decreasing: 100 → 25°K)</a:t>
+            </a:r>
+            <a:endParaRPr b="0" lang="de-DE" sz="2800" spc="-1" strike="noStrike">
+              <a:latin typeface="Arial"/>
+            </a:endParaRPr>
+          </a:p>
+          <a:p>
+            <a:pPr lvl="5" marL="1296000" indent="-215640">
+              <a:lnSpc>
+                <a:spcPct val="100000"/>
+              </a:lnSpc>
+              <a:buClr>
+                <a:srgbClr val="000000"/>
+              </a:buClr>
+              <a:buSzPct val="45000"/>
+              <a:buFont typeface="Wingdings" charset="2"/>
+              <a:buChar char=""/>
+            </a:pPr>
+            <a:r>
+              <a:rPr b="0" lang="de-DE" sz="2800" spc="-1" strike="noStrike">
+                <a:solidFill>
+                  <a:srgbClr val="000000"/>
+                </a:solidFill>
+                <a:latin typeface="Calibri"/>
+                <a:ea typeface="DejaVu Sans"/>
+              </a:rPr>
+              <a:t>Variable: pressure</a:t>
+            </a:r>
+            <a:endParaRPr b="0" lang="de-DE" sz="2800" spc="-1" strike="noStrike">
+              <a:latin typeface="Arial"/>
+            </a:endParaRPr>
+          </a:p>
+          <a:p>
+            <a:pPr lvl="5" marL="1296000" indent="-215640">
+              <a:lnSpc>
+                <a:spcPct val="100000"/>
+              </a:lnSpc>
+              <a:buClr>
+                <a:srgbClr val="000000"/>
+              </a:buClr>
+              <a:buSzPct val="45000"/>
+              <a:buFont typeface="Wingdings" charset="2"/>
+              <a:buChar char=""/>
+            </a:pPr>
+            <a:r>
+              <a:rPr b="0" lang="de-DE" sz="2800" spc="-1" strike="noStrike">
+                <a:solidFill>
+                  <a:srgbClr val="000000"/>
+                </a:solidFill>
+                <a:latin typeface="Calibri"/>
+                <a:ea typeface="DejaVu Sans"/>
+              </a:rPr>
+              <a:t>Time: 5000 picoseconds </a:t>
+            </a:r>
+            <a:endParaRPr b="0" lang="de-DE" sz="2800" spc="-1" strike="noStrike">
+              <a:latin typeface="Arial"/>
+            </a:endParaRPr>
+          </a:p>
+        </p:txBody>
+      </p:sp>
+      <p:pic>
+        <p:nvPicPr>
+          <p:cNvPr id="109" name="" descr=""/>
+          <p:cNvPicPr/>
+          <p:nvPr/>
+        </p:nvPicPr>
+        <p:blipFill>
+          <a:blip r:embed="rId1"/>
+          <a:stretch/>
+        </p:blipFill>
+        <p:spPr>
+          <a:xfrm>
+            <a:off x="684000" y="1097640"/>
+            <a:ext cx="3419640" cy="2718000"/>
+          </a:xfrm>
+          <a:prstGeom prst="rect">
+            <a:avLst/>
+          </a:prstGeom>
+          <a:ln>
+            <a:noFill/>
+          </a:ln>
+        </p:spPr>
+      </p:pic>
+      <p:pic>
+        <p:nvPicPr>
+          <p:cNvPr id="110" name="" descr=""/>
+          <p:cNvPicPr/>
+          <p:nvPr/>
+        </p:nvPicPr>
+        <p:blipFill>
+          <a:blip r:embed="rId2"/>
+          <a:stretch/>
+        </p:blipFill>
+        <p:spPr>
+          <a:xfrm>
+            <a:off x="4248000" y="1094760"/>
+            <a:ext cx="3455640" cy="2746440"/>
+          </a:xfrm>
+          <a:prstGeom prst="rect">
+            <a:avLst/>
+          </a:prstGeom>
+          <a:ln>
+            <a:noFill/>
+          </a:ln>
+        </p:spPr>
+      </p:pic>
+      <p:pic>
+        <p:nvPicPr>
+          <p:cNvPr id="111" name="" descr=""/>
+          <p:cNvPicPr/>
+          <p:nvPr/>
+        </p:nvPicPr>
+        <p:blipFill>
+          <a:blip r:embed="rId3"/>
+          <a:stretch/>
+        </p:blipFill>
+        <p:spPr>
+          <a:xfrm>
+            <a:off x="7851960" y="1116000"/>
+            <a:ext cx="3456360" cy="2746800"/>
+          </a:xfrm>
+          <a:prstGeom prst="rect">
+            <a:avLst/>
+          </a:prstGeom>
+          <a:ln>
+            <a:noFill/>
+          </a:ln>
+        </p:spPr>
+      </p:pic>
+      <p:sp>
+        <p:nvSpPr>
+          <p:cNvPr id="112" name="CustomShape 3"/>
+          <p:cNvSpPr/>
+          <p:nvPr/>
+        </p:nvSpPr>
+        <p:spPr>
+          <a:xfrm>
+            <a:off x="8064000" y="4320000"/>
+            <a:ext cx="3455640" cy="2303640"/>
+          </a:xfrm>
+          <a:prstGeom prst="rect">
+            <a:avLst/>
+          </a:prstGeom>
+          <a:solidFill>
+            <a:srgbClr val="729fcf"/>
+          </a:solidFill>
+          <a:ln>
+            <a:solidFill>
+              <a:srgbClr val="3465a4"/>
+            </a:solidFill>
+          </a:ln>
+        </p:spPr>
+        <p:style>
+          <a:lnRef idx="0"/>
+          <a:fillRef idx="0"/>
+          <a:effectRef idx="0"/>
+          <a:fontRef idx="minor"/>
+        </p:style>
+        <p:txBody>
+          <a:bodyPr wrap="none" lIns="90000" rIns="90000" tIns="45000" bIns="45000" anchor="ctr"/>
+          <a:p>
+            <a:pPr algn="ctr">
+              <a:lnSpc>
+                <a:spcPct val="100000"/>
+              </a:lnSpc>
+            </a:pPr>
+            <a:r>
+              <a:rPr b="0" lang="de-DE" sz="1800" spc="-1" strike="noStrike">
+                <a:solidFill>
+                  <a:srgbClr val="000000"/>
+                </a:solidFill>
+                <a:latin typeface="Arial"/>
+                <a:ea typeface="DejaVu Sans"/>
+              </a:rPr>
+              <a:t>VIDEO</a:t>
+            </a:r>
+            <a:endParaRPr b="0" lang="de-DE" sz="1800" spc="-1" strike="noStrike">
+              <a:latin typeface="Arial"/>
+            </a:endParaRPr>
+          </a:p>
+        </p:txBody>
+      </p:sp>
+    </p:spTree>
+  </p:cSld>
+  <p:timing>
+    <p:tnLst>
+      <p:par>
+        <p:cTn id="15" dur="indefinite" restart="never" nodeType="tmRoot">
+          <p:childTnLst>
+            <p:seq>
+              <p:cTn id="16" dur="indefinite" nodeType="mainSeq"/>
+              <p:prevCondLst>
+                <p:cond delay="0" evt="onPrev">
+                  <p:tgtEl>
+                    <p:sldTgt/>
+                  </p:tgtEl>
+                </p:cond>
+              </p:prevCondLst>
+              <p:nextCondLst>
+                <p:cond delay="0" evt="onNext">
+                  <p:tgtEl>
+                    <p:sldTgt/>
+                  </p:tgtEl>
+                </p:cond>
+              </p:nextCondLst>
+            </p:seq>
+          </p:childTnLst>
+        </p:cTn>
+      </p:par>
+    </p:tnLst>
+  </p:timing>
+</p:sld>
+</file>
+
+<file path=ppt/slides/slide9.xml><?xml version="1.0" encoding="utf-8"?>
+<p:sld xmlns:a="http://schemas.openxmlformats.org/drawingml/2006/main" xmlns:p="http://schemas.openxmlformats.org/presentationml/2006/main" xmlns:r="http://schemas.openxmlformats.org/officeDocument/2006/relationships" xmlns:p14="http://schemas.microsoft.com/office/powerpoint/2010/main" xmlns:p15="http://schemas.microsoft.com/office/powerpoint/2012/main" xmlns:mc="http://schemas.openxmlformats.org/markup-compatibility/2006">
+  <p:cSld>
+    <p:bg>
+      <p:bgPr>
+        <a:solidFill>
+          <a:srgbClr val="ffe699"/>
+        </a:solidFill>
+      </p:bgPr>
+    </p:bg>
+    <p:spTree>
+      <p:nvGrpSpPr>
+        <p:cNvPr id="1" name=""/>
+        <p:cNvGrpSpPr/>
+        <p:nvPr/>
+      </p:nvGrpSpPr>
+      <p:grpSpPr>
+        <a:xfrm>
+          <a:off x="0" y="0"/>
+          <a:ext cx="0" cy="0"/>
+          <a:chOff x="0" y="0"/>
+          <a:chExt cx="0" cy="0"/>
+        </a:xfrm>
+      </p:grpSpPr>
+      <p:sp>
+        <p:nvSpPr>
+          <p:cNvPr id="113" name="CustomShape 1"/>
+          <p:cNvSpPr/>
+          <p:nvPr/>
+        </p:nvSpPr>
+        <p:spPr>
+          <a:xfrm>
+            <a:off x="437040" y="274320"/>
+            <a:ext cx="10017000" cy="760320"/>
+          </a:xfrm>
+          <a:prstGeom prst="rect">
+            <a:avLst/>
+          </a:prstGeom>
+          <a:noFill/>
+          <a:ln>
+            <a:noFill/>
+          </a:ln>
+        </p:spPr>
+        <p:style>
+          <a:lnRef idx="0"/>
+          <a:fillRef idx="0"/>
+          <a:effectRef idx="0"/>
+          <a:fontRef idx="minor"/>
+        </p:style>
+        <p:txBody>
+          <a:bodyPr lIns="90000" rIns="90000" tIns="45000" bIns="45000"/>
+          <a:p>
+            <a:pPr>
+              <a:lnSpc>
+                <a:spcPct val="100000"/>
+              </a:lnSpc>
+            </a:pPr>
+            <a:r>
+              <a:rPr b="0" lang="de-DE" sz="4400" spc="-1" strike="noStrike" u="sng">
+                <a:solidFill>
+                  <a:srgbClr val="000000"/>
+                </a:solidFill>
+                <a:uFillTx/>
+                <a:latin typeface="Calibri"/>
+                <a:ea typeface="DejaVu Sans"/>
+              </a:rPr>
+              <a:t>Cooling (fluid → solid) </a:t>
+            </a:r>
+            <a:endParaRPr b="0" lang="de-DE" sz="4400" spc="-1" strike="noStrike">
+              <a:latin typeface="Arial"/>
+            </a:endParaRPr>
+          </a:p>
+        </p:txBody>
+      </p:sp>
+      <p:sp>
+        <p:nvSpPr>
+          <p:cNvPr id="114" name="CustomShape 2"/>
+          <p:cNvSpPr/>
+          <p:nvPr/>
+        </p:nvSpPr>
+        <p:spPr>
+          <a:xfrm>
+            <a:off x="648000" y="3910680"/>
+            <a:ext cx="7203600" cy="2708640"/>
+          </a:xfrm>
+          <a:prstGeom prst="rect">
+            <a:avLst/>
+          </a:prstGeom>
+          <a:noFill/>
+          <a:ln>
+            <a:noFill/>
+          </a:ln>
+        </p:spPr>
+        <p:style>
+          <a:lnRef idx="0"/>
+          <a:fillRef idx="0"/>
+          <a:effectRef idx="0"/>
+          <a:fontRef idx="minor"/>
+        </p:style>
+        <p:txBody>
+          <a:bodyPr lIns="90000" rIns="90000" tIns="45000" bIns="45000"/>
+          <a:p>
+            <a:pPr marL="457200" indent="-456480">
+              <a:lnSpc>
+                <a:spcPct val="100000"/>
+              </a:lnSpc>
+              <a:buClr>
+                <a:srgbClr val="000000"/>
+              </a:buClr>
+              <a:buFont typeface="Arial"/>
+              <a:buChar char="•"/>
+            </a:pPr>
+            <a:r>
+              <a:rPr b="0" lang="de-DE" sz="2800" spc="-1" strike="noStrike">
+                <a:solidFill>
+                  <a:srgbClr val="000000"/>
+                </a:solidFill>
+                <a:latin typeface="Calibri"/>
+                <a:ea typeface="DejaVu Sans"/>
+              </a:rPr>
+              <a:t>Conditions</a:t>
+            </a:r>
+            <a:r>
+              <a:rPr b="0" lang="de-DE" sz="3200" spc="-1" strike="noStrike">
+                <a:solidFill>
+                  <a:srgbClr val="000000"/>
+                </a:solidFill>
+                <a:latin typeface="Calibri"/>
+                <a:ea typeface="DejaVu Sans"/>
+              </a:rPr>
+              <a:t>:</a:t>
+            </a:r>
+            <a:endParaRPr b="0" lang="de-DE" sz="3200" spc="-1" strike="noStrike">
+              <a:latin typeface="Arial"/>
+            </a:endParaRPr>
+          </a:p>
+          <a:p>
+            <a:pPr lvl="5" marL="1296000" indent="-215640">
+              <a:lnSpc>
+                <a:spcPct val="100000"/>
+              </a:lnSpc>
+              <a:buClr>
+                <a:srgbClr val="000000"/>
+              </a:buClr>
+              <a:buSzPct val="45000"/>
+              <a:buFont typeface="Wingdings" charset="2"/>
+              <a:buChar char=""/>
+            </a:pPr>
+            <a:r>
+              <a:rPr b="0" lang="de-DE" sz="2800" spc="-1" strike="noStrike">
+                <a:solidFill>
+                  <a:srgbClr val="000000"/>
+                </a:solidFill>
+                <a:latin typeface="Calibri"/>
+                <a:ea typeface="DejaVu Sans"/>
+              </a:rPr>
+              <a:t>controled: atom count (fixed), volume (fixed) &amp; tempreature (decreasing: 100 → 0°K)</a:t>
+            </a:r>
+            <a:endParaRPr b="0" lang="de-DE" sz="2800" spc="-1" strike="noStrike">
+              <a:latin typeface="Arial"/>
+            </a:endParaRPr>
+          </a:p>
+          <a:p>
+            <a:pPr lvl="5" marL="1296000" indent="-215640">
+              <a:lnSpc>
+                <a:spcPct val="100000"/>
+              </a:lnSpc>
+              <a:buClr>
+                <a:srgbClr val="000000"/>
+              </a:buClr>
+              <a:buSzPct val="45000"/>
+              <a:buFont typeface="Wingdings" charset="2"/>
+              <a:buChar char=""/>
+            </a:pPr>
+            <a:r>
+              <a:rPr b="0" lang="de-DE" sz="2800" spc="-1" strike="noStrike">
+                <a:solidFill>
+                  <a:srgbClr val="000000"/>
+                </a:solidFill>
+                <a:latin typeface="Calibri"/>
+                <a:ea typeface="DejaVu Sans"/>
+              </a:rPr>
+              <a:t>Variable: pressure</a:t>
+            </a:r>
+            <a:endParaRPr b="0" lang="de-DE" sz="2800" spc="-1" strike="noStrike">
+              <a:latin typeface="Arial"/>
+            </a:endParaRPr>
+          </a:p>
+          <a:p>
+            <a:pPr lvl="5" marL="1296000" indent="-215640">
+              <a:lnSpc>
+                <a:spcPct val="100000"/>
+              </a:lnSpc>
+              <a:buClr>
+                <a:srgbClr val="000000"/>
+              </a:buClr>
+              <a:buSzPct val="45000"/>
+              <a:buFont typeface="Wingdings" charset="2"/>
+              <a:buChar char=""/>
+            </a:pPr>
+            <a:r>
+              <a:rPr b="0" lang="de-DE" sz="2800" spc="-1" strike="noStrike">
+                <a:solidFill>
+                  <a:srgbClr val="000000"/>
+                </a:solidFill>
+                <a:latin typeface="Calibri"/>
+                <a:ea typeface="DejaVu Sans"/>
+              </a:rPr>
+              <a:t>Time: 5000 picoseconds </a:t>
+            </a:r>
+            <a:endParaRPr b="0" lang="de-DE" sz="2800" spc="-1" strike="noStrike">
+              <a:latin typeface="Arial"/>
+            </a:endParaRPr>
+          </a:p>
+        </p:txBody>
+      </p:sp>
+      <p:pic>
+        <p:nvPicPr>
+          <p:cNvPr id="115" name="" descr=""/>
+          <p:cNvPicPr/>
+          <p:nvPr/>
+        </p:nvPicPr>
+        <p:blipFill>
+          <a:blip r:embed="rId1"/>
+          <a:stretch/>
+        </p:blipFill>
+        <p:spPr>
+          <a:xfrm>
+            <a:off x="684000" y="1097640"/>
+            <a:ext cx="3419640" cy="2718000"/>
+          </a:xfrm>
+          <a:prstGeom prst="rect">
+            <a:avLst/>
+          </a:prstGeom>
+          <a:ln>
+            <a:noFill/>
+          </a:ln>
+        </p:spPr>
+      </p:pic>
+      <p:pic>
+        <p:nvPicPr>
+          <p:cNvPr id="116" name="" descr=""/>
+          <p:cNvPicPr/>
+          <p:nvPr/>
+        </p:nvPicPr>
+        <p:blipFill>
+          <a:blip r:embed="rId2"/>
+          <a:stretch/>
+        </p:blipFill>
+        <p:spPr>
+          <a:xfrm>
+            <a:off x="4248000" y="1094760"/>
+            <a:ext cx="3455640" cy="2746440"/>
+          </a:xfrm>
+          <a:prstGeom prst="rect">
+            <a:avLst/>
+          </a:prstGeom>
+          <a:ln>
+            <a:noFill/>
+          </a:ln>
+        </p:spPr>
+      </p:pic>
+      <p:pic>
+        <p:nvPicPr>
+          <p:cNvPr id="117" name="" descr=""/>
+          <p:cNvPicPr/>
+          <p:nvPr/>
+        </p:nvPicPr>
+        <p:blipFill>
+          <a:blip r:embed="rId3"/>
+          <a:stretch/>
+        </p:blipFill>
+        <p:spPr>
+          <a:xfrm>
+            <a:off x="7851960" y="1116000"/>
+            <a:ext cx="3456360" cy="2746800"/>
+          </a:xfrm>
+          <a:prstGeom prst="rect">
+            <a:avLst/>
+          </a:prstGeom>
+          <a:ln>
+            <a:noFill/>
+          </a:ln>
+        </p:spPr>
+      </p:pic>
+      <p:sp>
+        <p:nvSpPr>
+          <p:cNvPr id="118" name="CustomShape 3"/>
+          <p:cNvSpPr/>
+          <p:nvPr/>
+        </p:nvSpPr>
+        <p:spPr>
+          <a:xfrm>
+            <a:off x="8064000" y="4320000"/>
+            <a:ext cx="3455640" cy="2303640"/>
+          </a:xfrm>
+          <a:prstGeom prst="rect">
+            <a:avLst/>
+          </a:prstGeom>
+          <a:solidFill>
+            <a:srgbClr val="729fcf"/>
+          </a:solidFill>
+          <a:ln>
+            <a:solidFill>
+              <a:srgbClr val="3465a4"/>
+            </a:solidFill>
+          </a:ln>
+        </p:spPr>
+        <p:style>
+          <a:lnRef idx="0"/>
+          <a:fillRef idx="0"/>
+          <a:effectRef idx="0"/>
+          <a:fontRef idx="minor"/>
+        </p:style>
+        <p:txBody>
+          <a:bodyPr wrap="none" lIns="90000" rIns="90000" tIns="45000" bIns="45000" anchor="ctr"/>
+          <a:p>
+            <a:pPr algn="ctr">
+              <a:lnSpc>
+                <a:spcPct val="100000"/>
+              </a:lnSpc>
+            </a:pPr>
+            <a:r>
+              <a:rPr b="0" lang="de-DE" sz="1800" spc="-1" strike="noStrike">
+                <a:solidFill>
+                  <a:srgbClr val="000000"/>
+                </a:solidFill>
+                <a:latin typeface="Arial"/>
+                <a:ea typeface="DejaVu Sans"/>
+              </a:rPr>
+              <a:t>VIDEO</a:t>
+            </a:r>
+            <a:endParaRPr b="0" lang="de-DE" sz="1800" spc="-1" strike="noStrike">
+              <a:latin typeface="Arial"/>
+            </a:endParaRPr>
+          </a:p>
+        </p:txBody>
+      </p:sp>
+    </p:spTree>
+  </p:cSld>
+  <p:timing>
+    <p:tnLst>
+      <p:par>
+        <p:cTn id="17" dur="indefinite" restart="never" nodeType="tmRoot">
+          <p:childTnLst>
+            <p:seq>
+              <p:cTn id="18" dur="indefinite" nodeType="mainSeq"/>
               <p:prevCondLst>
                 <p:cond delay="0" evt="onPrev">
                   <p:tgtEl>
